--- a/Lecture/Lecture 8/Lecture 8.pptx
+++ b/Lecture/Lecture 8/Lecture 8.pptx
@@ -330,7 +330,7 @@
               <a:pPr>
                 <a:defRPr/>
               </a:pPr>
-              <a:t>9/9/2018</a:t>
+              <a:t>9/10/2018</a:t>
             </a:fld>
             <a:endParaRPr lang="en-US" dirty="0"/>
           </a:p>
@@ -542,7 +542,7 @@
               <a:pPr>
                 <a:defRPr/>
               </a:pPr>
-              <a:t>9/9/2018</a:t>
+              <a:t>9/10/2018</a:t>
             </a:fld>
             <a:endParaRPr lang="en-US" dirty="0"/>
           </a:p>
@@ -1061,7 +1061,7 @@
               <a:pPr>
                 <a:defRPr/>
               </a:pPr>
-              <a:t>9/9/2018</a:t>
+              <a:t>9/10/2018</a:t>
             </a:fld>
             <a:endParaRPr lang="en-US" dirty="0"/>
           </a:p>
@@ -1251,7 +1251,7 @@
               <a:pPr>
                 <a:defRPr/>
               </a:pPr>
-              <a:t>9/9/2018</a:t>
+              <a:t>9/10/2018</a:t>
             </a:fld>
             <a:endParaRPr lang="en-US" dirty="0"/>
           </a:p>
@@ -1451,7 +1451,7 @@
               <a:pPr>
                 <a:defRPr/>
               </a:pPr>
-              <a:t>9/9/2018</a:t>
+              <a:t>9/10/2018</a:t>
             </a:fld>
             <a:endParaRPr lang="en-US" dirty="0"/>
           </a:p>
@@ -1719,7 +1719,7 @@
               <a:pPr>
                 <a:defRPr/>
               </a:pPr>
-              <a:t>9/9/2018</a:t>
+              <a:t>9/10/2018</a:t>
             </a:fld>
             <a:endParaRPr lang="en-US" dirty="0">
               <a:solidFill>
@@ -1933,7 +1933,7 @@
               <a:pPr>
                 <a:defRPr/>
               </a:pPr>
-              <a:t>9/9/2018</a:t>
+              <a:t>9/10/2018</a:t>
             </a:fld>
             <a:endParaRPr lang="en-US" dirty="0">
               <a:solidFill>
@@ -2224,7 +2224,7 @@
               <a:pPr>
                 <a:defRPr/>
               </a:pPr>
-              <a:t>9/9/2018</a:t>
+              <a:t>9/10/2018</a:t>
             </a:fld>
             <a:endParaRPr lang="en-US" dirty="0">
               <a:solidFill>
@@ -2555,7 +2555,7 @@
               <a:pPr>
                 <a:defRPr/>
               </a:pPr>
-              <a:t>9/9/2018</a:t>
+              <a:t>9/10/2018</a:t>
             </a:fld>
             <a:endParaRPr lang="en-US" dirty="0">
               <a:solidFill>
@@ -3020,7 +3020,7 @@
               <a:pPr>
                 <a:defRPr/>
               </a:pPr>
-              <a:t>9/9/2018</a:t>
+              <a:t>9/10/2018</a:t>
             </a:fld>
             <a:endParaRPr lang="en-US" dirty="0">
               <a:solidFill>
@@ -3183,7 +3183,7 @@
               <a:pPr>
                 <a:defRPr/>
               </a:pPr>
-              <a:t>9/9/2018</a:t>
+              <a:t>9/10/2018</a:t>
             </a:fld>
             <a:endParaRPr lang="en-US" dirty="0">
               <a:solidFill>
@@ -3324,7 +3324,7 @@
               <a:pPr>
                 <a:defRPr/>
               </a:pPr>
-              <a:t>9/9/2018</a:t>
+              <a:t>9/10/2018</a:t>
             </a:fld>
             <a:endParaRPr lang="en-US" dirty="0">
               <a:solidFill>
@@ -3645,7 +3645,7 @@
               <a:pPr>
                 <a:defRPr/>
               </a:pPr>
-              <a:t>9/9/2018</a:t>
+              <a:t>9/10/2018</a:t>
             </a:fld>
             <a:endParaRPr lang="en-US" dirty="0">
               <a:solidFill>
@@ -3853,7 +3853,7 @@
               <a:pPr>
                 <a:defRPr/>
               </a:pPr>
-              <a:t>9/9/2018</a:t>
+              <a:t>9/10/2018</a:t>
             </a:fld>
             <a:endParaRPr lang="en-US" dirty="0"/>
           </a:p>
@@ -4136,7 +4136,7 @@
               <a:pPr>
                 <a:defRPr/>
               </a:pPr>
-              <a:t>9/9/2018</a:t>
+              <a:t>9/10/2018</a:t>
             </a:fld>
             <a:endParaRPr lang="en-US" dirty="0">
               <a:solidFill>
@@ -4350,7 +4350,7 @@
               <a:pPr>
                 <a:defRPr/>
               </a:pPr>
-              <a:t>9/9/2018</a:t>
+              <a:t>9/10/2018</a:t>
             </a:fld>
             <a:endParaRPr lang="en-US" dirty="0">
               <a:solidFill>
@@ -4574,7 +4574,7 @@
               <a:pPr>
                 <a:defRPr/>
               </a:pPr>
-              <a:t>9/9/2018</a:t>
+              <a:t>9/10/2018</a:t>
             </a:fld>
             <a:endParaRPr lang="en-US" dirty="0">
               <a:solidFill>
@@ -4784,7 +4784,7 @@
               <a:pPr>
                 <a:defRPr/>
               </a:pPr>
-              <a:t>9/9/2018</a:t>
+              <a:t>9/10/2018</a:t>
             </a:fld>
             <a:endParaRPr lang="en-US" dirty="0">
               <a:solidFill>
@@ -5061,7 +5061,7 @@
               <a:pPr>
                 <a:defRPr/>
               </a:pPr>
-              <a:t>9/9/2018</a:t>
+              <a:t>9/10/2018</a:t>
             </a:fld>
             <a:endParaRPr lang="en-US" dirty="0"/>
           </a:p>
@@ -5368,7 +5368,7 @@
               <a:pPr>
                 <a:defRPr/>
               </a:pPr>
-              <a:t>9/9/2018</a:t>
+              <a:t>9/10/2018</a:t>
             </a:fld>
             <a:endParaRPr lang="en-US" dirty="0"/>
           </a:p>
@@ -5809,7 +5809,7 @@
               <a:pPr>
                 <a:defRPr/>
               </a:pPr>
-              <a:t>9/9/2018</a:t>
+              <a:t>9/10/2018</a:t>
             </a:fld>
             <a:endParaRPr lang="en-US" dirty="0"/>
           </a:p>
@@ -5948,7 +5948,7 @@
               <a:pPr>
                 <a:defRPr/>
               </a:pPr>
-              <a:t>9/9/2018</a:t>
+              <a:t>9/10/2018</a:t>
             </a:fld>
             <a:endParaRPr lang="en-US" dirty="0"/>
           </a:p>
@@ -6065,7 +6065,7 @@
               <a:pPr>
                 <a:defRPr/>
               </a:pPr>
-              <a:t>9/9/2018</a:t>
+              <a:t>9/10/2018</a:t>
             </a:fld>
             <a:endParaRPr lang="en-US" dirty="0"/>
           </a:p>
@@ -6362,7 +6362,7 @@
               <a:pPr>
                 <a:defRPr/>
               </a:pPr>
-              <a:t>9/9/2018</a:t>
+              <a:t>9/10/2018</a:t>
             </a:fld>
             <a:endParaRPr lang="en-US" dirty="0"/>
           </a:p>
@@ -6639,7 +6639,7 @@
               <a:pPr>
                 <a:defRPr/>
               </a:pPr>
-              <a:t>9/9/2018</a:t>
+              <a:t>9/10/2018</a:t>
             </a:fld>
             <a:endParaRPr lang="en-US" dirty="0"/>
           </a:p>
@@ -6896,7 +6896,7 @@
               <a:pPr>
                 <a:defRPr/>
               </a:pPr>
-              <a:t>9/9/2018</a:t>
+              <a:t>9/10/2018</a:t>
             </a:fld>
             <a:endParaRPr lang="en-US" dirty="0"/>
           </a:p>
@@ -7606,7 +7606,7 @@
               <a:pPr>
                 <a:defRPr/>
               </a:pPr>
-              <a:t>9/9/2018</a:t>
+              <a:t>9/10/2018</a:t>
             </a:fld>
             <a:endParaRPr lang="en-US" dirty="0">
               <a:solidFill>
@@ -8220,7 +8220,7 @@
                 <a:ea typeface="+mj-ea"/>
                 <a:cs typeface="+mj-cs"/>
               </a:rPr>
-              <a:t>Data Analysis</a:t>
+              <a:t>Data Analysis I</a:t>
             </a:r>
           </a:p>
         </p:txBody>

--- a/Lecture/Lecture 8/Lecture 8.pptx
+++ b/Lecture/Lecture 8/Lecture 8.pptx
@@ -6,10 +6,10 @@
     <p:sldMasterId id="2147483676" r:id="rId2"/>
   </p:sldMasterIdLst>
   <p:notesMasterIdLst>
-    <p:notesMasterId r:id="rId32"/>
+    <p:notesMasterId r:id="rId31"/>
   </p:notesMasterIdLst>
   <p:handoutMasterIdLst>
-    <p:handoutMasterId r:id="rId33"/>
+    <p:handoutMasterId r:id="rId32"/>
   </p:handoutMasterIdLst>
   <p:sldIdLst>
     <p:sldId id="320" r:id="rId3"/>
@@ -27,25 +27,24 @@
     <p:sldId id="350" r:id="rId15"/>
     <p:sldId id="355" r:id="rId16"/>
     <p:sldId id="356" r:id="rId17"/>
-    <p:sldId id="357" r:id="rId18"/>
-    <p:sldId id="358" r:id="rId19"/>
-    <p:sldId id="359" r:id="rId20"/>
-    <p:sldId id="360" r:id="rId21"/>
-    <p:sldId id="361" r:id="rId22"/>
-    <p:sldId id="362" r:id="rId23"/>
-    <p:sldId id="363" r:id="rId24"/>
-    <p:sldId id="364" r:id="rId25"/>
-    <p:sldId id="365" r:id="rId26"/>
-    <p:sldId id="366" r:id="rId27"/>
-    <p:sldId id="367" r:id="rId28"/>
-    <p:sldId id="369" r:id="rId29"/>
-    <p:sldId id="368" r:id="rId30"/>
-    <p:sldId id="329" r:id="rId31"/>
+    <p:sldId id="358" r:id="rId18"/>
+    <p:sldId id="359" r:id="rId19"/>
+    <p:sldId id="360" r:id="rId20"/>
+    <p:sldId id="361" r:id="rId21"/>
+    <p:sldId id="362" r:id="rId22"/>
+    <p:sldId id="363" r:id="rId23"/>
+    <p:sldId id="364" r:id="rId24"/>
+    <p:sldId id="365" r:id="rId25"/>
+    <p:sldId id="366" r:id="rId26"/>
+    <p:sldId id="367" r:id="rId27"/>
+    <p:sldId id="369" r:id="rId28"/>
+    <p:sldId id="368" r:id="rId29"/>
+    <p:sldId id="329" r:id="rId30"/>
   </p:sldIdLst>
   <p:sldSz cx="9144000" cy="6858000" type="screen4x3"/>
   <p:notesSz cx="6858000" cy="9144000"/>
   <p:custDataLst>
-    <p:tags r:id="rId34"/>
+    <p:tags r:id="rId33"/>
   </p:custDataLst>
   <p:defaultTextStyle>
     <a:defPPr>
@@ -870,6 +869,2526 @@
     </a:lvl9pPr>
   </p:notesStyle>
 </p:notesMaster>
+</file>
+
+<file path=ppt/notesSlides/notesSlide1.xml><?xml version="1.0" encoding="utf-8"?>
+<p:notes xmlns:a="http://schemas.openxmlformats.org/drawingml/2006/main" xmlns:r="http://schemas.openxmlformats.org/officeDocument/2006/relationships" xmlns:p="http://schemas.openxmlformats.org/presentationml/2006/main">
+  <p:cSld>
+    <p:spTree>
+      <p:nvGrpSpPr>
+        <p:cNvPr id="1" name=""/>
+        <p:cNvGrpSpPr/>
+        <p:nvPr/>
+      </p:nvGrpSpPr>
+      <p:grpSpPr>
+        <a:xfrm>
+          <a:off x="0" y="0"/>
+          <a:ext cx="0" cy="0"/>
+          <a:chOff x="0" y="0"/>
+          <a:chExt cx="0" cy="0"/>
+        </a:xfrm>
+      </p:grpSpPr>
+      <p:sp>
+        <p:nvSpPr>
+          <p:cNvPr id="2" name="Slide Image Placeholder 1"/>
+          <p:cNvSpPr>
+            <a:spLocks noGrp="1" noRot="1" noChangeAspect="1"/>
+          </p:cNvSpPr>
+          <p:nvPr>
+            <p:ph type="sldImg"/>
+          </p:nvPr>
+        </p:nvSpPr>
+        <p:spPr/>
+      </p:sp>
+      <p:sp>
+        <p:nvSpPr>
+          <p:cNvPr id="3" name="Notes Placeholder 2"/>
+          <p:cNvSpPr>
+            <a:spLocks noGrp="1"/>
+          </p:cNvSpPr>
+          <p:nvPr>
+            <p:ph type="body" idx="1"/>
+          </p:nvPr>
+        </p:nvSpPr>
+        <p:spPr/>
+        <p:txBody>
+          <a:bodyPr/>
+          <a:lstStyle/>
+          <a:p>
+            <a:endParaRPr lang="en-US"/>
+          </a:p>
+        </p:txBody>
+      </p:sp>
+      <p:sp>
+        <p:nvSpPr>
+          <p:cNvPr id="4" name="Slide Number Placeholder 3"/>
+          <p:cNvSpPr>
+            <a:spLocks noGrp="1"/>
+          </p:cNvSpPr>
+          <p:nvPr>
+            <p:ph type="sldNum" sz="quarter" idx="10"/>
+          </p:nvPr>
+        </p:nvSpPr>
+        <p:spPr/>
+        <p:txBody>
+          <a:bodyPr/>
+          <a:lstStyle/>
+          <a:p>
+            <a:pPr>
+              <a:defRPr/>
+            </a:pPr>
+            <a:fld id="{BAE6B6CE-84D6-AA47-BFFB-BF474964ABC4}" type="slidenum">
+              <a:rPr lang="en-US" smtClean="0"/>
+              <a:pPr>
+                <a:defRPr/>
+              </a:pPr>
+              <a:t>1</a:t>
+            </a:fld>
+            <a:endParaRPr lang="en-US" dirty="0"/>
+          </a:p>
+        </p:txBody>
+      </p:sp>
+    </p:spTree>
+    <p:extLst>
+      <p:ext uri="{BB962C8B-B14F-4D97-AF65-F5344CB8AC3E}">
+        <p14:creationId xmlns:p14="http://schemas.microsoft.com/office/powerpoint/2010/main" val="622421211"/>
+      </p:ext>
+    </p:extLst>
+  </p:cSld>
+  <p:clrMapOvr>
+    <a:masterClrMapping/>
+  </p:clrMapOvr>
+</p:notes>
+</file>
+
+<file path=ppt/notesSlides/notesSlide10.xml><?xml version="1.0" encoding="utf-8"?>
+<p:notes xmlns:a="http://schemas.openxmlformats.org/drawingml/2006/main" xmlns:r="http://schemas.openxmlformats.org/officeDocument/2006/relationships" xmlns:p="http://schemas.openxmlformats.org/presentationml/2006/main">
+  <p:cSld>
+    <p:spTree>
+      <p:nvGrpSpPr>
+        <p:cNvPr id="1" name=""/>
+        <p:cNvGrpSpPr/>
+        <p:nvPr/>
+      </p:nvGrpSpPr>
+      <p:grpSpPr>
+        <a:xfrm>
+          <a:off x="0" y="0"/>
+          <a:ext cx="0" cy="0"/>
+          <a:chOff x="0" y="0"/>
+          <a:chExt cx="0" cy="0"/>
+        </a:xfrm>
+      </p:grpSpPr>
+      <p:sp>
+        <p:nvSpPr>
+          <p:cNvPr id="2" name="Slide Image Placeholder 1"/>
+          <p:cNvSpPr>
+            <a:spLocks noGrp="1" noRot="1" noChangeAspect="1"/>
+          </p:cNvSpPr>
+          <p:nvPr>
+            <p:ph type="sldImg"/>
+          </p:nvPr>
+        </p:nvSpPr>
+        <p:spPr/>
+      </p:sp>
+      <p:sp>
+        <p:nvSpPr>
+          <p:cNvPr id="3" name="Notes Placeholder 2"/>
+          <p:cNvSpPr>
+            <a:spLocks noGrp="1"/>
+          </p:cNvSpPr>
+          <p:nvPr>
+            <p:ph type="body" idx="1"/>
+          </p:nvPr>
+        </p:nvSpPr>
+        <p:spPr/>
+        <p:txBody>
+          <a:bodyPr/>
+          <a:lstStyle/>
+          <a:p>
+            <a:endParaRPr lang="en-US"/>
+          </a:p>
+        </p:txBody>
+      </p:sp>
+      <p:sp>
+        <p:nvSpPr>
+          <p:cNvPr id="4" name="Slide Number Placeholder 3"/>
+          <p:cNvSpPr>
+            <a:spLocks noGrp="1"/>
+          </p:cNvSpPr>
+          <p:nvPr>
+            <p:ph type="sldNum" sz="quarter" idx="10"/>
+          </p:nvPr>
+        </p:nvSpPr>
+        <p:spPr/>
+        <p:txBody>
+          <a:bodyPr/>
+          <a:lstStyle/>
+          <a:p>
+            <a:pPr>
+              <a:defRPr/>
+            </a:pPr>
+            <a:fld id="{BAE6B6CE-84D6-AA47-BFFB-BF474964ABC4}" type="slidenum">
+              <a:rPr lang="en-US" smtClean="0"/>
+              <a:pPr>
+                <a:defRPr/>
+              </a:pPr>
+              <a:t>10</a:t>
+            </a:fld>
+            <a:endParaRPr lang="en-US" dirty="0"/>
+          </a:p>
+        </p:txBody>
+      </p:sp>
+    </p:spTree>
+    <p:extLst>
+      <p:ext uri="{BB962C8B-B14F-4D97-AF65-F5344CB8AC3E}">
+        <p14:creationId xmlns:p14="http://schemas.microsoft.com/office/powerpoint/2010/main" val="2571312292"/>
+      </p:ext>
+    </p:extLst>
+  </p:cSld>
+  <p:clrMapOvr>
+    <a:masterClrMapping/>
+  </p:clrMapOvr>
+</p:notes>
+</file>
+
+<file path=ppt/notesSlides/notesSlide11.xml><?xml version="1.0" encoding="utf-8"?>
+<p:notes xmlns:a="http://schemas.openxmlformats.org/drawingml/2006/main" xmlns:r="http://schemas.openxmlformats.org/officeDocument/2006/relationships" xmlns:p="http://schemas.openxmlformats.org/presentationml/2006/main">
+  <p:cSld>
+    <p:spTree>
+      <p:nvGrpSpPr>
+        <p:cNvPr id="1" name=""/>
+        <p:cNvGrpSpPr/>
+        <p:nvPr/>
+      </p:nvGrpSpPr>
+      <p:grpSpPr>
+        <a:xfrm>
+          <a:off x="0" y="0"/>
+          <a:ext cx="0" cy="0"/>
+          <a:chOff x="0" y="0"/>
+          <a:chExt cx="0" cy="0"/>
+        </a:xfrm>
+      </p:grpSpPr>
+      <p:sp>
+        <p:nvSpPr>
+          <p:cNvPr id="2" name="Slide Image Placeholder 1"/>
+          <p:cNvSpPr>
+            <a:spLocks noGrp="1" noRot="1" noChangeAspect="1"/>
+          </p:cNvSpPr>
+          <p:nvPr>
+            <p:ph type="sldImg"/>
+          </p:nvPr>
+        </p:nvSpPr>
+        <p:spPr/>
+      </p:sp>
+      <p:sp>
+        <p:nvSpPr>
+          <p:cNvPr id="3" name="Notes Placeholder 2"/>
+          <p:cNvSpPr>
+            <a:spLocks noGrp="1"/>
+          </p:cNvSpPr>
+          <p:nvPr>
+            <p:ph type="body" idx="1"/>
+          </p:nvPr>
+        </p:nvSpPr>
+        <p:spPr/>
+        <p:txBody>
+          <a:bodyPr/>
+          <a:lstStyle/>
+          <a:p>
+            <a:endParaRPr lang="en-US"/>
+          </a:p>
+        </p:txBody>
+      </p:sp>
+      <p:sp>
+        <p:nvSpPr>
+          <p:cNvPr id="4" name="Slide Number Placeholder 3"/>
+          <p:cNvSpPr>
+            <a:spLocks noGrp="1"/>
+          </p:cNvSpPr>
+          <p:nvPr>
+            <p:ph type="sldNum" sz="quarter" idx="10"/>
+          </p:nvPr>
+        </p:nvSpPr>
+        <p:spPr/>
+        <p:txBody>
+          <a:bodyPr/>
+          <a:lstStyle/>
+          <a:p>
+            <a:pPr>
+              <a:defRPr/>
+            </a:pPr>
+            <a:fld id="{BAE6B6CE-84D6-AA47-BFFB-BF474964ABC4}" type="slidenum">
+              <a:rPr lang="en-US" smtClean="0"/>
+              <a:pPr>
+                <a:defRPr/>
+              </a:pPr>
+              <a:t>11</a:t>
+            </a:fld>
+            <a:endParaRPr lang="en-US" dirty="0"/>
+          </a:p>
+        </p:txBody>
+      </p:sp>
+    </p:spTree>
+    <p:extLst>
+      <p:ext uri="{BB962C8B-B14F-4D97-AF65-F5344CB8AC3E}">
+        <p14:creationId xmlns:p14="http://schemas.microsoft.com/office/powerpoint/2010/main" val="2710963735"/>
+      </p:ext>
+    </p:extLst>
+  </p:cSld>
+  <p:clrMapOvr>
+    <a:masterClrMapping/>
+  </p:clrMapOvr>
+</p:notes>
+</file>
+
+<file path=ppt/notesSlides/notesSlide12.xml><?xml version="1.0" encoding="utf-8"?>
+<p:notes xmlns:a="http://schemas.openxmlformats.org/drawingml/2006/main" xmlns:r="http://schemas.openxmlformats.org/officeDocument/2006/relationships" xmlns:p="http://schemas.openxmlformats.org/presentationml/2006/main">
+  <p:cSld>
+    <p:spTree>
+      <p:nvGrpSpPr>
+        <p:cNvPr id="1" name=""/>
+        <p:cNvGrpSpPr/>
+        <p:nvPr/>
+      </p:nvGrpSpPr>
+      <p:grpSpPr>
+        <a:xfrm>
+          <a:off x="0" y="0"/>
+          <a:ext cx="0" cy="0"/>
+          <a:chOff x="0" y="0"/>
+          <a:chExt cx="0" cy="0"/>
+        </a:xfrm>
+      </p:grpSpPr>
+      <p:sp>
+        <p:nvSpPr>
+          <p:cNvPr id="2" name="Slide Image Placeholder 1"/>
+          <p:cNvSpPr>
+            <a:spLocks noGrp="1" noRot="1" noChangeAspect="1"/>
+          </p:cNvSpPr>
+          <p:nvPr>
+            <p:ph type="sldImg"/>
+          </p:nvPr>
+        </p:nvSpPr>
+        <p:spPr/>
+      </p:sp>
+      <p:sp>
+        <p:nvSpPr>
+          <p:cNvPr id="3" name="Notes Placeholder 2"/>
+          <p:cNvSpPr>
+            <a:spLocks noGrp="1"/>
+          </p:cNvSpPr>
+          <p:nvPr>
+            <p:ph type="body" idx="1"/>
+          </p:nvPr>
+        </p:nvSpPr>
+        <p:spPr/>
+        <p:txBody>
+          <a:bodyPr/>
+          <a:lstStyle/>
+          <a:p>
+            <a:endParaRPr lang="en-US"/>
+          </a:p>
+        </p:txBody>
+      </p:sp>
+      <p:sp>
+        <p:nvSpPr>
+          <p:cNvPr id="4" name="Slide Number Placeholder 3"/>
+          <p:cNvSpPr>
+            <a:spLocks noGrp="1"/>
+          </p:cNvSpPr>
+          <p:nvPr>
+            <p:ph type="sldNum" sz="quarter" idx="10"/>
+          </p:nvPr>
+        </p:nvSpPr>
+        <p:spPr/>
+        <p:txBody>
+          <a:bodyPr/>
+          <a:lstStyle/>
+          <a:p>
+            <a:pPr>
+              <a:defRPr/>
+            </a:pPr>
+            <a:fld id="{BAE6B6CE-84D6-AA47-BFFB-BF474964ABC4}" type="slidenum">
+              <a:rPr lang="en-US" smtClean="0"/>
+              <a:pPr>
+                <a:defRPr/>
+              </a:pPr>
+              <a:t>12</a:t>
+            </a:fld>
+            <a:endParaRPr lang="en-US" dirty="0"/>
+          </a:p>
+        </p:txBody>
+      </p:sp>
+    </p:spTree>
+    <p:extLst>
+      <p:ext uri="{BB962C8B-B14F-4D97-AF65-F5344CB8AC3E}">
+        <p14:creationId xmlns:p14="http://schemas.microsoft.com/office/powerpoint/2010/main" val="1536291575"/>
+      </p:ext>
+    </p:extLst>
+  </p:cSld>
+  <p:clrMapOvr>
+    <a:masterClrMapping/>
+  </p:clrMapOvr>
+</p:notes>
+</file>
+
+<file path=ppt/notesSlides/notesSlide13.xml><?xml version="1.0" encoding="utf-8"?>
+<p:notes xmlns:a="http://schemas.openxmlformats.org/drawingml/2006/main" xmlns:r="http://schemas.openxmlformats.org/officeDocument/2006/relationships" xmlns:p="http://schemas.openxmlformats.org/presentationml/2006/main">
+  <p:cSld>
+    <p:spTree>
+      <p:nvGrpSpPr>
+        <p:cNvPr id="1" name=""/>
+        <p:cNvGrpSpPr/>
+        <p:nvPr/>
+      </p:nvGrpSpPr>
+      <p:grpSpPr>
+        <a:xfrm>
+          <a:off x="0" y="0"/>
+          <a:ext cx="0" cy="0"/>
+          <a:chOff x="0" y="0"/>
+          <a:chExt cx="0" cy="0"/>
+        </a:xfrm>
+      </p:grpSpPr>
+      <p:sp>
+        <p:nvSpPr>
+          <p:cNvPr id="2" name="Slide Image Placeholder 1"/>
+          <p:cNvSpPr>
+            <a:spLocks noGrp="1" noRot="1" noChangeAspect="1"/>
+          </p:cNvSpPr>
+          <p:nvPr>
+            <p:ph type="sldImg"/>
+          </p:nvPr>
+        </p:nvSpPr>
+        <p:spPr/>
+      </p:sp>
+      <p:sp>
+        <p:nvSpPr>
+          <p:cNvPr id="3" name="Notes Placeholder 2"/>
+          <p:cNvSpPr>
+            <a:spLocks noGrp="1"/>
+          </p:cNvSpPr>
+          <p:nvPr>
+            <p:ph type="body" idx="1"/>
+          </p:nvPr>
+        </p:nvSpPr>
+        <p:spPr/>
+        <p:txBody>
+          <a:bodyPr/>
+          <a:lstStyle/>
+          <a:p>
+            <a:endParaRPr lang="en-US"/>
+          </a:p>
+        </p:txBody>
+      </p:sp>
+      <p:sp>
+        <p:nvSpPr>
+          <p:cNvPr id="4" name="Slide Number Placeholder 3"/>
+          <p:cNvSpPr>
+            <a:spLocks noGrp="1"/>
+          </p:cNvSpPr>
+          <p:nvPr>
+            <p:ph type="sldNum" sz="quarter" idx="10"/>
+          </p:nvPr>
+        </p:nvSpPr>
+        <p:spPr/>
+        <p:txBody>
+          <a:bodyPr/>
+          <a:lstStyle/>
+          <a:p>
+            <a:pPr>
+              <a:defRPr/>
+            </a:pPr>
+            <a:fld id="{BAE6B6CE-84D6-AA47-BFFB-BF474964ABC4}" type="slidenum">
+              <a:rPr lang="en-US" smtClean="0"/>
+              <a:pPr>
+                <a:defRPr/>
+              </a:pPr>
+              <a:t>13</a:t>
+            </a:fld>
+            <a:endParaRPr lang="en-US" dirty="0"/>
+          </a:p>
+        </p:txBody>
+      </p:sp>
+    </p:spTree>
+    <p:extLst>
+      <p:ext uri="{BB962C8B-B14F-4D97-AF65-F5344CB8AC3E}">
+        <p14:creationId xmlns:p14="http://schemas.microsoft.com/office/powerpoint/2010/main" val="1737557954"/>
+      </p:ext>
+    </p:extLst>
+  </p:cSld>
+  <p:clrMapOvr>
+    <a:masterClrMapping/>
+  </p:clrMapOvr>
+</p:notes>
+</file>
+
+<file path=ppt/notesSlides/notesSlide14.xml><?xml version="1.0" encoding="utf-8"?>
+<p:notes xmlns:a="http://schemas.openxmlformats.org/drawingml/2006/main" xmlns:r="http://schemas.openxmlformats.org/officeDocument/2006/relationships" xmlns:p="http://schemas.openxmlformats.org/presentationml/2006/main">
+  <p:cSld>
+    <p:spTree>
+      <p:nvGrpSpPr>
+        <p:cNvPr id="1" name=""/>
+        <p:cNvGrpSpPr/>
+        <p:nvPr/>
+      </p:nvGrpSpPr>
+      <p:grpSpPr>
+        <a:xfrm>
+          <a:off x="0" y="0"/>
+          <a:ext cx="0" cy="0"/>
+          <a:chOff x="0" y="0"/>
+          <a:chExt cx="0" cy="0"/>
+        </a:xfrm>
+      </p:grpSpPr>
+      <p:sp>
+        <p:nvSpPr>
+          <p:cNvPr id="2" name="Slide Image Placeholder 1"/>
+          <p:cNvSpPr>
+            <a:spLocks noGrp="1" noRot="1" noChangeAspect="1"/>
+          </p:cNvSpPr>
+          <p:nvPr>
+            <p:ph type="sldImg"/>
+          </p:nvPr>
+        </p:nvSpPr>
+        <p:spPr/>
+      </p:sp>
+      <p:sp>
+        <p:nvSpPr>
+          <p:cNvPr id="3" name="Notes Placeholder 2"/>
+          <p:cNvSpPr>
+            <a:spLocks noGrp="1"/>
+          </p:cNvSpPr>
+          <p:nvPr>
+            <p:ph type="body" idx="1"/>
+          </p:nvPr>
+        </p:nvSpPr>
+        <p:spPr/>
+        <p:txBody>
+          <a:bodyPr/>
+          <a:lstStyle/>
+          <a:p>
+            <a:endParaRPr lang="en-US"/>
+          </a:p>
+        </p:txBody>
+      </p:sp>
+      <p:sp>
+        <p:nvSpPr>
+          <p:cNvPr id="4" name="Slide Number Placeholder 3"/>
+          <p:cNvSpPr>
+            <a:spLocks noGrp="1"/>
+          </p:cNvSpPr>
+          <p:nvPr>
+            <p:ph type="sldNum" sz="quarter" idx="10"/>
+          </p:nvPr>
+        </p:nvSpPr>
+        <p:spPr/>
+        <p:txBody>
+          <a:bodyPr/>
+          <a:lstStyle/>
+          <a:p>
+            <a:pPr>
+              <a:defRPr/>
+            </a:pPr>
+            <a:fld id="{BAE6B6CE-84D6-AA47-BFFB-BF474964ABC4}" type="slidenum">
+              <a:rPr lang="en-US" smtClean="0"/>
+              <a:pPr>
+                <a:defRPr/>
+              </a:pPr>
+              <a:t>14</a:t>
+            </a:fld>
+            <a:endParaRPr lang="en-US" dirty="0"/>
+          </a:p>
+        </p:txBody>
+      </p:sp>
+    </p:spTree>
+    <p:extLst>
+      <p:ext uri="{BB962C8B-B14F-4D97-AF65-F5344CB8AC3E}">
+        <p14:creationId xmlns:p14="http://schemas.microsoft.com/office/powerpoint/2010/main" val="2746642945"/>
+      </p:ext>
+    </p:extLst>
+  </p:cSld>
+  <p:clrMapOvr>
+    <a:masterClrMapping/>
+  </p:clrMapOvr>
+</p:notes>
+</file>
+
+<file path=ppt/notesSlides/notesSlide15.xml><?xml version="1.0" encoding="utf-8"?>
+<p:notes xmlns:a="http://schemas.openxmlformats.org/drawingml/2006/main" xmlns:r="http://schemas.openxmlformats.org/officeDocument/2006/relationships" xmlns:p="http://schemas.openxmlformats.org/presentationml/2006/main">
+  <p:cSld>
+    <p:spTree>
+      <p:nvGrpSpPr>
+        <p:cNvPr id="1" name=""/>
+        <p:cNvGrpSpPr/>
+        <p:nvPr/>
+      </p:nvGrpSpPr>
+      <p:grpSpPr>
+        <a:xfrm>
+          <a:off x="0" y="0"/>
+          <a:ext cx="0" cy="0"/>
+          <a:chOff x="0" y="0"/>
+          <a:chExt cx="0" cy="0"/>
+        </a:xfrm>
+      </p:grpSpPr>
+      <p:sp>
+        <p:nvSpPr>
+          <p:cNvPr id="2" name="Slide Image Placeholder 1"/>
+          <p:cNvSpPr>
+            <a:spLocks noGrp="1" noRot="1" noChangeAspect="1"/>
+          </p:cNvSpPr>
+          <p:nvPr>
+            <p:ph type="sldImg"/>
+          </p:nvPr>
+        </p:nvSpPr>
+        <p:spPr/>
+      </p:sp>
+      <p:sp>
+        <p:nvSpPr>
+          <p:cNvPr id="3" name="Notes Placeholder 2"/>
+          <p:cNvSpPr>
+            <a:spLocks noGrp="1"/>
+          </p:cNvSpPr>
+          <p:nvPr>
+            <p:ph type="body" idx="1"/>
+          </p:nvPr>
+        </p:nvSpPr>
+        <p:spPr/>
+        <p:txBody>
+          <a:bodyPr/>
+          <a:lstStyle/>
+          <a:p>
+            <a:endParaRPr lang="en-US"/>
+          </a:p>
+        </p:txBody>
+      </p:sp>
+      <p:sp>
+        <p:nvSpPr>
+          <p:cNvPr id="4" name="Slide Number Placeholder 3"/>
+          <p:cNvSpPr>
+            <a:spLocks noGrp="1"/>
+          </p:cNvSpPr>
+          <p:nvPr>
+            <p:ph type="sldNum" sz="quarter" idx="10"/>
+          </p:nvPr>
+        </p:nvSpPr>
+        <p:spPr/>
+        <p:txBody>
+          <a:bodyPr/>
+          <a:lstStyle/>
+          <a:p>
+            <a:pPr>
+              <a:defRPr/>
+            </a:pPr>
+            <a:fld id="{BAE6B6CE-84D6-AA47-BFFB-BF474964ABC4}" type="slidenum">
+              <a:rPr lang="en-US" smtClean="0"/>
+              <a:pPr>
+                <a:defRPr/>
+              </a:pPr>
+              <a:t>15</a:t>
+            </a:fld>
+            <a:endParaRPr lang="en-US" dirty="0"/>
+          </a:p>
+        </p:txBody>
+      </p:sp>
+    </p:spTree>
+    <p:extLst>
+      <p:ext uri="{BB962C8B-B14F-4D97-AF65-F5344CB8AC3E}">
+        <p14:creationId xmlns:p14="http://schemas.microsoft.com/office/powerpoint/2010/main" val="2407301053"/>
+      </p:ext>
+    </p:extLst>
+  </p:cSld>
+  <p:clrMapOvr>
+    <a:masterClrMapping/>
+  </p:clrMapOvr>
+</p:notes>
+</file>
+
+<file path=ppt/notesSlides/notesSlide16.xml><?xml version="1.0" encoding="utf-8"?>
+<p:notes xmlns:a="http://schemas.openxmlformats.org/drawingml/2006/main" xmlns:r="http://schemas.openxmlformats.org/officeDocument/2006/relationships" xmlns:p="http://schemas.openxmlformats.org/presentationml/2006/main">
+  <p:cSld>
+    <p:spTree>
+      <p:nvGrpSpPr>
+        <p:cNvPr id="1" name=""/>
+        <p:cNvGrpSpPr/>
+        <p:nvPr/>
+      </p:nvGrpSpPr>
+      <p:grpSpPr>
+        <a:xfrm>
+          <a:off x="0" y="0"/>
+          <a:ext cx="0" cy="0"/>
+          <a:chOff x="0" y="0"/>
+          <a:chExt cx="0" cy="0"/>
+        </a:xfrm>
+      </p:grpSpPr>
+      <p:sp>
+        <p:nvSpPr>
+          <p:cNvPr id="2" name="Slide Image Placeholder 1"/>
+          <p:cNvSpPr>
+            <a:spLocks noGrp="1" noRot="1" noChangeAspect="1"/>
+          </p:cNvSpPr>
+          <p:nvPr>
+            <p:ph type="sldImg"/>
+          </p:nvPr>
+        </p:nvSpPr>
+        <p:spPr/>
+      </p:sp>
+      <p:sp>
+        <p:nvSpPr>
+          <p:cNvPr id="3" name="Notes Placeholder 2"/>
+          <p:cNvSpPr>
+            <a:spLocks noGrp="1"/>
+          </p:cNvSpPr>
+          <p:nvPr>
+            <p:ph type="body" idx="1"/>
+          </p:nvPr>
+        </p:nvSpPr>
+        <p:spPr/>
+        <p:txBody>
+          <a:bodyPr/>
+          <a:lstStyle/>
+          <a:p>
+            <a:endParaRPr lang="en-US"/>
+          </a:p>
+        </p:txBody>
+      </p:sp>
+      <p:sp>
+        <p:nvSpPr>
+          <p:cNvPr id="4" name="Slide Number Placeholder 3"/>
+          <p:cNvSpPr>
+            <a:spLocks noGrp="1"/>
+          </p:cNvSpPr>
+          <p:nvPr>
+            <p:ph type="sldNum" sz="quarter" idx="10"/>
+          </p:nvPr>
+        </p:nvSpPr>
+        <p:spPr/>
+        <p:txBody>
+          <a:bodyPr/>
+          <a:lstStyle/>
+          <a:p>
+            <a:pPr>
+              <a:defRPr/>
+            </a:pPr>
+            <a:fld id="{BAE6B6CE-84D6-AA47-BFFB-BF474964ABC4}" type="slidenum">
+              <a:rPr lang="en-US" smtClean="0"/>
+              <a:pPr>
+                <a:defRPr/>
+              </a:pPr>
+              <a:t>16</a:t>
+            </a:fld>
+            <a:endParaRPr lang="en-US" dirty="0"/>
+          </a:p>
+        </p:txBody>
+      </p:sp>
+    </p:spTree>
+    <p:extLst>
+      <p:ext uri="{BB962C8B-B14F-4D97-AF65-F5344CB8AC3E}">
+        <p14:creationId xmlns:p14="http://schemas.microsoft.com/office/powerpoint/2010/main" val="2664537807"/>
+      </p:ext>
+    </p:extLst>
+  </p:cSld>
+  <p:clrMapOvr>
+    <a:masterClrMapping/>
+  </p:clrMapOvr>
+</p:notes>
+</file>
+
+<file path=ppt/notesSlides/notesSlide17.xml><?xml version="1.0" encoding="utf-8"?>
+<p:notes xmlns:a="http://schemas.openxmlformats.org/drawingml/2006/main" xmlns:r="http://schemas.openxmlformats.org/officeDocument/2006/relationships" xmlns:p="http://schemas.openxmlformats.org/presentationml/2006/main">
+  <p:cSld>
+    <p:spTree>
+      <p:nvGrpSpPr>
+        <p:cNvPr id="1" name=""/>
+        <p:cNvGrpSpPr/>
+        <p:nvPr/>
+      </p:nvGrpSpPr>
+      <p:grpSpPr>
+        <a:xfrm>
+          <a:off x="0" y="0"/>
+          <a:ext cx="0" cy="0"/>
+          <a:chOff x="0" y="0"/>
+          <a:chExt cx="0" cy="0"/>
+        </a:xfrm>
+      </p:grpSpPr>
+      <p:sp>
+        <p:nvSpPr>
+          <p:cNvPr id="2" name="Slide Image Placeholder 1"/>
+          <p:cNvSpPr>
+            <a:spLocks noGrp="1" noRot="1" noChangeAspect="1"/>
+          </p:cNvSpPr>
+          <p:nvPr>
+            <p:ph type="sldImg"/>
+          </p:nvPr>
+        </p:nvSpPr>
+        <p:spPr/>
+      </p:sp>
+      <p:sp>
+        <p:nvSpPr>
+          <p:cNvPr id="3" name="Notes Placeholder 2"/>
+          <p:cNvSpPr>
+            <a:spLocks noGrp="1"/>
+          </p:cNvSpPr>
+          <p:nvPr>
+            <p:ph type="body" idx="1"/>
+          </p:nvPr>
+        </p:nvSpPr>
+        <p:spPr/>
+        <p:txBody>
+          <a:bodyPr/>
+          <a:lstStyle/>
+          <a:p>
+            <a:endParaRPr lang="en-US"/>
+          </a:p>
+        </p:txBody>
+      </p:sp>
+      <p:sp>
+        <p:nvSpPr>
+          <p:cNvPr id="4" name="Slide Number Placeholder 3"/>
+          <p:cNvSpPr>
+            <a:spLocks noGrp="1"/>
+          </p:cNvSpPr>
+          <p:nvPr>
+            <p:ph type="sldNum" sz="quarter" idx="10"/>
+          </p:nvPr>
+        </p:nvSpPr>
+        <p:spPr/>
+        <p:txBody>
+          <a:bodyPr/>
+          <a:lstStyle/>
+          <a:p>
+            <a:pPr>
+              <a:defRPr/>
+            </a:pPr>
+            <a:fld id="{BAE6B6CE-84D6-AA47-BFFB-BF474964ABC4}" type="slidenum">
+              <a:rPr lang="en-US" smtClean="0"/>
+              <a:pPr>
+                <a:defRPr/>
+              </a:pPr>
+              <a:t>17</a:t>
+            </a:fld>
+            <a:endParaRPr lang="en-US" dirty="0"/>
+          </a:p>
+        </p:txBody>
+      </p:sp>
+    </p:spTree>
+    <p:extLst>
+      <p:ext uri="{BB962C8B-B14F-4D97-AF65-F5344CB8AC3E}">
+        <p14:creationId xmlns:p14="http://schemas.microsoft.com/office/powerpoint/2010/main" val="3643249353"/>
+      </p:ext>
+    </p:extLst>
+  </p:cSld>
+  <p:clrMapOvr>
+    <a:masterClrMapping/>
+  </p:clrMapOvr>
+</p:notes>
+</file>
+
+<file path=ppt/notesSlides/notesSlide18.xml><?xml version="1.0" encoding="utf-8"?>
+<p:notes xmlns:a="http://schemas.openxmlformats.org/drawingml/2006/main" xmlns:r="http://schemas.openxmlformats.org/officeDocument/2006/relationships" xmlns:p="http://schemas.openxmlformats.org/presentationml/2006/main">
+  <p:cSld>
+    <p:spTree>
+      <p:nvGrpSpPr>
+        <p:cNvPr id="1" name=""/>
+        <p:cNvGrpSpPr/>
+        <p:nvPr/>
+      </p:nvGrpSpPr>
+      <p:grpSpPr>
+        <a:xfrm>
+          <a:off x="0" y="0"/>
+          <a:ext cx="0" cy="0"/>
+          <a:chOff x="0" y="0"/>
+          <a:chExt cx="0" cy="0"/>
+        </a:xfrm>
+      </p:grpSpPr>
+      <p:sp>
+        <p:nvSpPr>
+          <p:cNvPr id="2" name="Slide Image Placeholder 1"/>
+          <p:cNvSpPr>
+            <a:spLocks noGrp="1" noRot="1" noChangeAspect="1"/>
+          </p:cNvSpPr>
+          <p:nvPr>
+            <p:ph type="sldImg"/>
+          </p:nvPr>
+        </p:nvSpPr>
+        <p:spPr/>
+      </p:sp>
+      <p:sp>
+        <p:nvSpPr>
+          <p:cNvPr id="3" name="Notes Placeholder 2"/>
+          <p:cNvSpPr>
+            <a:spLocks noGrp="1"/>
+          </p:cNvSpPr>
+          <p:nvPr>
+            <p:ph type="body" idx="1"/>
+          </p:nvPr>
+        </p:nvSpPr>
+        <p:spPr/>
+        <p:txBody>
+          <a:bodyPr/>
+          <a:lstStyle/>
+          <a:p>
+            <a:endParaRPr lang="en-US"/>
+          </a:p>
+        </p:txBody>
+      </p:sp>
+      <p:sp>
+        <p:nvSpPr>
+          <p:cNvPr id="4" name="Slide Number Placeholder 3"/>
+          <p:cNvSpPr>
+            <a:spLocks noGrp="1"/>
+          </p:cNvSpPr>
+          <p:nvPr>
+            <p:ph type="sldNum" sz="quarter" idx="10"/>
+          </p:nvPr>
+        </p:nvSpPr>
+        <p:spPr/>
+        <p:txBody>
+          <a:bodyPr/>
+          <a:lstStyle/>
+          <a:p>
+            <a:pPr>
+              <a:defRPr/>
+            </a:pPr>
+            <a:fld id="{BAE6B6CE-84D6-AA47-BFFB-BF474964ABC4}" type="slidenum">
+              <a:rPr lang="en-US" smtClean="0"/>
+              <a:pPr>
+                <a:defRPr/>
+              </a:pPr>
+              <a:t>18</a:t>
+            </a:fld>
+            <a:endParaRPr lang="en-US" dirty="0"/>
+          </a:p>
+        </p:txBody>
+      </p:sp>
+    </p:spTree>
+    <p:extLst>
+      <p:ext uri="{BB962C8B-B14F-4D97-AF65-F5344CB8AC3E}">
+        <p14:creationId xmlns:p14="http://schemas.microsoft.com/office/powerpoint/2010/main" val="3369801683"/>
+      </p:ext>
+    </p:extLst>
+  </p:cSld>
+  <p:clrMapOvr>
+    <a:masterClrMapping/>
+  </p:clrMapOvr>
+</p:notes>
+</file>
+
+<file path=ppt/notesSlides/notesSlide19.xml><?xml version="1.0" encoding="utf-8"?>
+<p:notes xmlns:a="http://schemas.openxmlformats.org/drawingml/2006/main" xmlns:r="http://schemas.openxmlformats.org/officeDocument/2006/relationships" xmlns:p="http://schemas.openxmlformats.org/presentationml/2006/main">
+  <p:cSld>
+    <p:spTree>
+      <p:nvGrpSpPr>
+        <p:cNvPr id="1" name=""/>
+        <p:cNvGrpSpPr/>
+        <p:nvPr/>
+      </p:nvGrpSpPr>
+      <p:grpSpPr>
+        <a:xfrm>
+          <a:off x="0" y="0"/>
+          <a:ext cx="0" cy="0"/>
+          <a:chOff x="0" y="0"/>
+          <a:chExt cx="0" cy="0"/>
+        </a:xfrm>
+      </p:grpSpPr>
+      <p:sp>
+        <p:nvSpPr>
+          <p:cNvPr id="2" name="Slide Image Placeholder 1"/>
+          <p:cNvSpPr>
+            <a:spLocks noGrp="1" noRot="1" noChangeAspect="1"/>
+          </p:cNvSpPr>
+          <p:nvPr>
+            <p:ph type="sldImg"/>
+          </p:nvPr>
+        </p:nvSpPr>
+        <p:spPr/>
+      </p:sp>
+      <p:sp>
+        <p:nvSpPr>
+          <p:cNvPr id="3" name="Notes Placeholder 2"/>
+          <p:cNvSpPr>
+            <a:spLocks noGrp="1"/>
+          </p:cNvSpPr>
+          <p:nvPr>
+            <p:ph type="body" idx="1"/>
+          </p:nvPr>
+        </p:nvSpPr>
+        <p:spPr/>
+        <p:txBody>
+          <a:bodyPr/>
+          <a:lstStyle/>
+          <a:p>
+            <a:endParaRPr lang="en-US"/>
+          </a:p>
+        </p:txBody>
+      </p:sp>
+      <p:sp>
+        <p:nvSpPr>
+          <p:cNvPr id="4" name="Slide Number Placeholder 3"/>
+          <p:cNvSpPr>
+            <a:spLocks noGrp="1"/>
+          </p:cNvSpPr>
+          <p:nvPr>
+            <p:ph type="sldNum" sz="quarter" idx="10"/>
+          </p:nvPr>
+        </p:nvSpPr>
+        <p:spPr/>
+        <p:txBody>
+          <a:bodyPr/>
+          <a:lstStyle/>
+          <a:p>
+            <a:pPr>
+              <a:defRPr/>
+            </a:pPr>
+            <a:fld id="{BAE6B6CE-84D6-AA47-BFFB-BF474964ABC4}" type="slidenum">
+              <a:rPr lang="en-US" smtClean="0"/>
+              <a:pPr>
+                <a:defRPr/>
+              </a:pPr>
+              <a:t>19</a:t>
+            </a:fld>
+            <a:endParaRPr lang="en-US" dirty="0"/>
+          </a:p>
+        </p:txBody>
+      </p:sp>
+    </p:spTree>
+    <p:extLst>
+      <p:ext uri="{BB962C8B-B14F-4D97-AF65-F5344CB8AC3E}">
+        <p14:creationId xmlns:p14="http://schemas.microsoft.com/office/powerpoint/2010/main" val="1538064472"/>
+      </p:ext>
+    </p:extLst>
+  </p:cSld>
+  <p:clrMapOvr>
+    <a:masterClrMapping/>
+  </p:clrMapOvr>
+</p:notes>
+</file>
+
+<file path=ppt/notesSlides/notesSlide2.xml><?xml version="1.0" encoding="utf-8"?>
+<p:notes xmlns:a="http://schemas.openxmlformats.org/drawingml/2006/main" xmlns:r="http://schemas.openxmlformats.org/officeDocument/2006/relationships" xmlns:p="http://schemas.openxmlformats.org/presentationml/2006/main">
+  <p:cSld>
+    <p:spTree>
+      <p:nvGrpSpPr>
+        <p:cNvPr id="1" name=""/>
+        <p:cNvGrpSpPr/>
+        <p:nvPr/>
+      </p:nvGrpSpPr>
+      <p:grpSpPr>
+        <a:xfrm>
+          <a:off x="0" y="0"/>
+          <a:ext cx="0" cy="0"/>
+          <a:chOff x="0" y="0"/>
+          <a:chExt cx="0" cy="0"/>
+        </a:xfrm>
+      </p:grpSpPr>
+      <p:sp>
+        <p:nvSpPr>
+          <p:cNvPr id="2" name="Slide Image Placeholder 1"/>
+          <p:cNvSpPr>
+            <a:spLocks noGrp="1" noRot="1" noChangeAspect="1"/>
+          </p:cNvSpPr>
+          <p:nvPr>
+            <p:ph type="sldImg"/>
+          </p:nvPr>
+        </p:nvSpPr>
+        <p:spPr/>
+      </p:sp>
+      <p:sp>
+        <p:nvSpPr>
+          <p:cNvPr id="3" name="Notes Placeholder 2"/>
+          <p:cNvSpPr>
+            <a:spLocks noGrp="1"/>
+          </p:cNvSpPr>
+          <p:nvPr>
+            <p:ph type="body" idx="1"/>
+          </p:nvPr>
+        </p:nvSpPr>
+        <p:spPr/>
+        <p:txBody>
+          <a:bodyPr/>
+          <a:lstStyle/>
+          <a:p>
+            <a:endParaRPr lang="en-US"/>
+          </a:p>
+        </p:txBody>
+      </p:sp>
+      <p:sp>
+        <p:nvSpPr>
+          <p:cNvPr id="4" name="Slide Number Placeholder 3"/>
+          <p:cNvSpPr>
+            <a:spLocks noGrp="1"/>
+          </p:cNvSpPr>
+          <p:nvPr>
+            <p:ph type="sldNum" sz="quarter" idx="10"/>
+          </p:nvPr>
+        </p:nvSpPr>
+        <p:spPr/>
+        <p:txBody>
+          <a:bodyPr/>
+          <a:lstStyle/>
+          <a:p>
+            <a:pPr>
+              <a:defRPr/>
+            </a:pPr>
+            <a:fld id="{BAE6B6CE-84D6-AA47-BFFB-BF474964ABC4}" type="slidenum">
+              <a:rPr lang="en-US" smtClean="0"/>
+              <a:pPr>
+                <a:defRPr/>
+              </a:pPr>
+              <a:t>2</a:t>
+            </a:fld>
+            <a:endParaRPr lang="en-US" dirty="0"/>
+          </a:p>
+        </p:txBody>
+      </p:sp>
+    </p:spTree>
+    <p:extLst>
+      <p:ext uri="{BB962C8B-B14F-4D97-AF65-F5344CB8AC3E}">
+        <p14:creationId xmlns:p14="http://schemas.microsoft.com/office/powerpoint/2010/main" val="3188914842"/>
+      </p:ext>
+    </p:extLst>
+  </p:cSld>
+  <p:clrMapOvr>
+    <a:masterClrMapping/>
+  </p:clrMapOvr>
+</p:notes>
+</file>
+
+<file path=ppt/notesSlides/notesSlide20.xml><?xml version="1.0" encoding="utf-8"?>
+<p:notes xmlns:a="http://schemas.openxmlformats.org/drawingml/2006/main" xmlns:r="http://schemas.openxmlformats.org/officeDocument/2006/relationships" xmlns:p="http://schemas.openxmlformats.org/presentationml/2006/main">
+  <p:cSld>
+    <p:spTree>
+      <p:nvGrpSpPr>
+        <p:cNvPr id="1" name=""/>
+        <p:cNvGrpSpPr/>
+        <p:nvPr/>
+      </p:nvGrpSpPr>
+      <p:grpSpPr>
+        <a:xfrm>
+          <a:off x="0" y="0"/>
+          <a:ext cx="0" cy="0"/>
+          <a:chOff x="0" y="0"/>
+          <a:chExt cx="0" cy="0"/>
+        </a:xfrm>
+      </p:grpSpPr>
+      <p:sp>
+        <p:nvSpPr>
+          <p:cNvPr id="2" name="Slide Image Placeholder 1"/>
+          <p:cNvSpPr>
+            <a:spLocks noGrp="1" noRot="1" noChangeAspect="1"/>
+          </p:cNvSpPr>
+          <p:nvPr>
+            <p:ph type="sldImg"/>
+          </p:nvPr>
+        </p:nvSpPr>
+        <p:spPr/>
+      </p:sp>
+      <p:sp>
+        <p:nvSpPr>
+          <p:cNvPr id="3" name="Notes Placeholder 2"/>
+          <p:cNvSpPr>
+            <a:spLocks noGrp="1"/>
+          </p:cNvSpPr>
+          <p:nvPr>
+            <p:ph type="body" idx="1"/>
+          </p:nvPr>
+        </p:nvSpPr>
+        <p:spPr/>
+        <p:txBody>
+          <a:bodyPr/>
+          <a:lstStyle/>
+          <a:p>
+            <a:endParaRPr lang="en-US"/>
+          </a:p>
+        </p:txBody>
+      </p:sp>
+      <p:sp>
+        <p:nvSpPr>
+          <p:cNvPr id="4" name="Slide Number Placeholder 3"/>
+          <p:cNvSpPr>
+            <a:spLocks noGrp="1"/>
+          </p:cNvSpPr>
+          <p:nvPr>
+            <p:ph type="sldNum" sz="quarter" idx="10"/>
+          </p:nvPr>
+        </p:nvSpPr>
+        <p:spPr/>
+        <p:txBody>
+          <a:bodyPr/>
+          <a:lstStyle/>
+          <a:p>
+            <a:pPr>
+              <a:defRPr/>
+            </a:pPr>
+            <a:fld id="{BAE6B6CE-84D6-AA47-BFFB-BF474964ABC4}" type="slidenum">
+              <a:rPr lang="en-US" smtClean="0"/>
+              <a:pPr>
+                <a:defRPr/>
+              </a:pPr>
+              <a:t>20</a:t>
+            </a:fld>
+            <a:endParaRPr lang="en-US" dirty="0"/>
+          </a:p>
+        </p:txBody>
+      </p:sp>
+    </p:spTree>
+    <p:extLst>
+      <p:ext uri="{BB962C8B-B14F-4D97-AF65-F5344CB8AC3E}">
+        <p14:creationId xmlns:p14="http://schemas.microsoft.com/office/powerpoint/2010/main" val="1225404146"/>
+      </p:ext>
+    </p:extLst>
+  </p:cSld>
+  <p:clrMapOvr>
+    <a:masterClrMapping/>
+  </p:clrMapOvr>
+</p:notes>
+</file>
+
+<file path=ppt/notesSlides/notesSlide21.xml><?xml version="1.0" encoding="utf-8"?>
+<p:notes xmlns:a="http://schemas.openxmlformats.org/drawingml/2006/main" xmlns:r="http://schemas.openxmlformats.org/officeDocument/2006/relationships" xmlns:p="http://schemas.openxmlformats.org/presentationml/2006/main">
+  <p:cSld>
+    <p:spTree>
+      <p:nvGrpSpPr>
+        <p:cNvPr id="1" name=""/>
+        <p:cNvGrpSpPr/>
+        <p:nvPr/>
+      </p:nvGrpSpPr>
+      <p:grpSpPr>
+        <a:xfrm>
+          <a:off x="0" y="0"/>
+          <a:ext cx="0" cy="0"/>
+          <a:chOff x="0" y="0"/>
+          <a:chExt cx="0" cy="0"/>
+        </a:xfrm>
+      </p:grpSpPr>
+      <p:sp>
+        <p:nvSpPr>
+          <p:cNvPr id="2" name="Slide Image Placeholder 1"/>
+          <p:cNvSpPr>
+            <a:spLocks noGrp="1" noRot="1" noChangeAspect="1"/>
+          </p:cNvSpPr>
+          <p:nvPr>
+            <p:ph type="sldImg"/>
+          </p:nvPr>
+        </p:nvSpPr>
+        <p:spPr/>
+      </p:sp>
+      <p:sp>
+        <p:nvSpPr>
+          <p:cNvPr id="3" name="Notes Placeholder 2"/>
+          <p:cNvSpPr>
+            <a:spLocks noGrp="1"/>
+          </p:cNvSpPr>
+          <p:nvPr>
+            <p:ph type="body" idx="1"/>
+          </p:nvPr>
+        </p:nvSpPr>
+        <p:spPr/>
+        <p:txBody>
+          <a:bodyPr/>
+          <a:lstStyle/>
+          <a:p>
+            <a:endParaRPr lang="en-US"/>
+          </a:p>
+        </p:txBody>
+      </p:sp>
+      <p:sp>
+        <p:nvSpPr>
+          <p:cNvPr id="4" name="Slide Number Placeholder 3"/>
+          <p:cNvSpPr>
+            <a:spLocks noGrp="1"/>
+          </p:cNvSpPr>
+          <p:nvPr>
+            <p:ph type="sldNum" sz="quarter" idx="10"/>
+          </p:nvPr>
+        </p:nvSpPr>
+        <p:spPr/>
+        <p:txBody>
+          <a:bodyPr/>
+          <a:lstStyle/>
+          <a:p>
+            <a:pPr>
+              <a:defRPr/>
+            </a:pPr>
+            <a:fld id="{BAE6B6CE-84D6-AA47-BFFB-BF474964ABC4}" type="slidenum">
+              <a:rPr lang="en-US" smtClean="0"/>
+              <a:pPr>
+                <a:defRPr/>
+              </a:pPr>
+              <a:t>21</a:t>
+            </a:fld>
+            <a:endParaRPr lang="en-US" dirty="0"/>
+          </a:p>
+        </p:txBody>
+      </p:sp>
+    </p:spTree>
+    <p:extLst>
+      <p:ext uri="{BB962C8B-B14F-4D97-AF65-F5344CB8AC3E}">
+        <p14:creationId xmlns:p14="http://schemas.microsoft.com/office/powerpoint/2010/main" val="3015462520"/>
+      </p:ext>
+    </p:extLst>
+  </p:cSld>
+  <p:clrMapOvr>
+    <a:masterClrMapping/>
+  </p:clrMapOvr>
+</p:notes>
+</file>
+
+<file path=ppt/notesSlides/notesSlide22.xml><?xml version="1.0" encoding="utf-8"?>
+<p:notes xmlns:a="http://schemas.openxmlformats.org/drawingml/2006/main" xmlns:r="http://schemas.openxmlformats.org/officeDocument/2006/relationships" xmlns:p="http://schemas.openxmlformats.org/presentationml/2006/main">
+  <p:cSld>
+    <p:spTree>
+      <p:nvGrpSpPr>
+        <p:cNvPr id="1" name=""/>
+        <p:cNvGrpSpPr/>
+        <p:nvPr/>
+      </p:nvGrpSpPr>
+      <p:grpSpPr>
+        <a:xfrm>
+          <a:off x="0" y="0"/>
+          <a:ext cx="0" cy="0"/>
+          <a:chOff x="0" y="0"/>
+          <a:chExt cx="0" cy="0"/>
+        </a:xfrm>
+      </p:grpSpPr>
+      <p:sp>
+        <p:nvSpPr>
+          <p:cNvPr id="2" name="Slide Image Placeholder 1"/>
+          <p:cNvSpPr>
+            <a:spLocks noGrp="1" noRot="1" noChangeAspect="1"/>
+          </p:cNvSpPr>
+          <p:nvPr>
+            <p:ph type="sldImg"/>
+          </p:nvPr>
+        </p:nvSpPr>
+        <p:spPr/>
+      </p:sp>
+      <p:sp>
+        <p:nvSpPr>
+          <p:cNvPr id="3" name="Notes Placeholder 2"/>
+          <p:cNvSpPr>
+            <a:spLocks noGrp="1"/>
+          </p:cNvSpPr>
+          <p:nvPr>
+            <p:ph type="body" idx="1"/>
+          </p:nvPr>
+        </p:nvSpPr>
+        <p:spPr/>
+        <p:txBody>
+          <a:bodyPr/>
+          <a:lstStyle/>
+          <a:p>
+            <a:endParaRPr lang="en-US"/>
+          </a:p>
+        </p:txBody>
+      </p:sp>
+      <p:sp>
+        <p:nvSpPr>
+          <p:cNvPr id="4" name="Slide Number Placeholder 3"/>
+          <p:cNvSpPr>
+            <a:spLocks noGrp="1"/>
+          </p:cNvSpPr>
+          <p:nvPr>
+            <p:ph type="sldNum" sz="quarter" idx="10"/>
+          </p:nvPr>
+        </p:nvSpPr>
+        <p:spPr/>
+        <p:txBody>
+          <a:bodyPr/>
+          <a:lstStyle/>
+          <a:p>
+            <a:pPr>
+              <a:defRPr/>
+            </a:pPr>
+            <a:fld id="{BAE6B6CE-84D6-AA47-BFFB-BF474964ABC4}" type="slidenum">
+              <a:rPr lang="en-US" smtClean="0"/>
+              <a:pPr>
+                <a:defRPr/>
+              </a:pPr>
+              <a:t>22</a:t>
+            </a:fld>
+            <a:endParaRPr lang="en-US" dirty="0"/>
+          </a:p>
+        </p:txBody>
+      </p:sp>
+    </p:spTree>
+    <p:extLst>
+      <p:ext uri="{BB962C8B-B14F-4D97-AF65-F5344CB8AC3E}">
+        <p14:creationId xmlns:p14="http://schemas.microsoft.com/office/powerpoint/2010/main" val="1593350183"/>
+      </p:ext>
+    </p:extLst>
+  </p:cSld>
+  <p:clrMapOvr>
+    <a:masterClrMapping/>
+  </p:clrMapOvr>
+</p:notes>
+</file>
+
+<file path=ppt/notesSlides/notesSlide23.xml><?xml version="1.0" encoding="utf-8"?>
+<p:notes xmlns:a="http://schemas.openxmlformats.org/drawingml/2006/main" xmlns:r="http://schemas.openxmlformats.org/officeDocument/2006/relationships" xmlns:p="http://schemas.openxmlformats.org/presentationml/2006/main">
+  <p:cSld>
+    <p:spTree>
+      <p:nvGrpSpPr>
+        <p:cNvPr id="1" name=""/>
+        <p:cNvGrpSpPr/>
+        <p:nvPr/>
+      </p:nvGrpSpPr>
+      <p:grpSpPr>
+        <a:xfrm>
+          <a:off x="0" y="0"/>
+          <a:ext cx="0" cy="0"/>
+          <a:chOff x="0" y="0"/>
+          <a:chExt cx="0" cy="0"/>
+        </a:xfrm>
+      </p:grpSpPr>
+      <p:sp>
+        <p:nvSpPr>
+          <p:cNvPr id="2" name="Slide Image Placeholder 1"/>
+          <p:cNvSpPr>
+            <a:spLocks noGrp="1" noRot="1" noChangeAspect="1"/>
+          </p:cNvSpPr>
+          <p:nvPr>
+            <p:ph type="sldImg"/>
+          </p:nvPr>
+        </p:nvSpPr>
+        <p:spPr/>
+      </p:sp>
+      <p:sp>
+        <p:nvSpPr>
+          <p:cNvPr id="3" name="Notes Placeholder 2"/>
+          <p:cNvSpPr>
+            <a:spLocks noGrp="1"/>
+          </p:cNvSpPr>
+          <p:nvPr>
+            <p:ph type="body" idx="1"/>
+          </p:nvPr>
+        </p:nvSpPr>
+        <p:spPr/>
+        <p:txBody>
+          <a:bodyPr/>
+          <a:lstStyle/>
+          <a:p>
+            <a:endParaRPr lang="en-US"/>
+          </a:p>
+        </p:txBody>
+      </p:sp>
+      <p:sp>
+        <p:nvSpPr>
+          <p:cNvPr id="4" name="Slide Number Placeholder 3"/>
+          <p:cNvSpPr>
+            <a:spLocks noGrp="1"/>
+          </p:cNvSpPr>
+          <p:nvPr>
+            <p:ph type="sldNum" sz="quarter" idx="10"/>
+          </p:nvPr>
+        </p:nvSpPr>
+        <p:spPr/>
+        <p:txBody>
+          <a:bodyPr/>
+          <a:lstStyle/>
+          <a:p>
+            <a:pPr>
+              <a:defRPr/>
+            </a:pPr>
+            <a:fld id="{BAE6B6CE-84D6-AA47-BFFB-BF474964ABC4}" type="slidenum">
+              <a:rPr lang="en-US" smtClean="0"/>
+              <a:pPr>
+                <a:defRPr/>
+              </a:pPr>
+              <a:t>23</a:t>
+            </a:fld>
+            <a:endParaRPr lang="en-US" dirty="0"/>
+          </a:p>
+        </p:txBody>
+      </p:sp>
+    </p:spTree>
+    <p:extLst>
+      <p:ext uri="{BB962C8B-B14F-4D97-AF65-F5344CB8AC3E}">
+        <p14:creationId xmlns:p14="http://schemas.microsoft.com/office/powerpoint/2010/main" val="1898210057"/>
+      </p:ext>
+    </p:extLst>
+  </p:cSld>
+  <p:clrMapOvr>
+    <a:masterClrMapping/>
+  </p:clrMapOvr>
+</p:notes>
+</file>
+
+<file path=ppt/notesSlides/notesSlide24.xml><?xml version="1.0" encoding="utf-8"?>
+<p:notes xmlns:a="http://schemas.openxmlformats.org/drawingml/2006/main" xmlns:r="http://schemas.openxmlformats.org/officeDocument/2006/relationships" xmlns:p="http://schemas.openxmlformats.org/presentationml/2006/main">
+  <p:cSld>
+    <p:spTree>
+      <p:nvGrpSpPr>
+        <p:cNvPr id="1" name=""/>
+        <p:cNvGrpSpPr/>
+        <p:nvPr/>
+      </p:nvGrpSpPr>
+      <p:grpSpPr>
+        <a:xfrm>
+          <a:off x="0" y="0"/>
+          <a:ext cx="0" cy="0"/>
+          <a:chOff x="0" y="0"/>
+          <a:chExt cx="0" cy="0"/>
+        </a:xfrm>
+      </p:grpSpPr>
+      <p:sp>
+        <p:nvSpPr>
+          <p:cNvPr id="2" name="Slide Image Placeholder 1"/>
+          <p:cNvSpPr>
+            <a:spLocks noGrp="1" noRot="1" noChangeAspect="1"/>
+          </p:cNvSpPr>
+          <p:nvPr>
+            <p:ph type="sldImg"/>
+          </p:nvPr>
+        </p:nvSpPr>
+        <p:spPr/>
+      </p:sp>
+      <p:sp>
+        <p:nvSpPr>
+          <p:cNvPr id="3" name="Notes Placeholder 2"/>
+          <p:cNvSpPr>
+            <a:spLocks noGrp="1"/>
+          </p:cNvSpPr>
+          <p:nvPr>
+            <p:ph type="body" idx="1"/>
+          </p:nvPr>
+        </p:nvSpPr>
+        <p:spPr/>
+        <p:txBody>
+          <a:bodyPr/>
+          <a:lstStyle/>
+          <a:p>
+            <a:endParaRPr lang="en-US"/>
+          </a:p>
+        </p:txBody>
+      </p:sp>
+      <p:sp>
+        <p:nvSpPr>
+          <p:cNvPr id="4" name="Slide Number Placeholder 3"/>
+          <p:cNvSpPr>
+            <a:spLocks noGrp="1"/>
+          </p:cNvSpPr>
+          <p:nvPr>
+            <p:ph type="sldNum" sz="quarter" idx="10"/>
+          </p:nvPr>
+        </p:nvSpPr>
+        <p:spPr/>
+        <p:txBody>
+          <a:bodyPr/>
+          <a:lstStyle/>
+          <a:p>
+            <a:pPr>
+              <a:defRPr/>
+            </a:pPr>
+            <a:fld id="{BAE6B6CE-84D6-AA47-BFFB-BF474964ABC4}" type="slidenum">
+              <a:rPr lang="en-US" smtClean="0"/>
+              <a:pPr>
+                <a:defRPr/>
+              </a:pPr>
+              <a:t>24</a:t>
+            </a:fld>
+            <a:endParaRPr lang="en-US" dirty="0"/>
+          </a:p>
+        </p:txBody>
+      </p:sp>
+    </p:spTree>
+    <p:extLst>
+      <p:ext uri="{BB962C8B-B14F-4D97-AF65-F5344CB8AC3E}">
+        <p14:creationId xmlns:p14="http://schemas.microsoft.com/office/powerpoint/2010/main" val="3341342622"/>
+      </p:ext>
+    </p:extLst>
+  </p:cSld>
+  <p:clrMapOvr>
+    <a:masterClrMapping/>
+  </p:clrMapOvr>
+</p:notes>
+</file>
+
+<file path=ppt/notesSlides/notesSlide25.xml><?xml version="1.0" encoding="utf-8"?>
+<p:notes xmlns:a="http://schemas.openxmlformats.org/drawingml/2006/main" xmlns:r="http://schemas.openxmlformats.org/officeDocument/2006/relationships" xmlns:p="http://schemas.openxmlformats.org/presentationml/2006/main">
+  <p:cSld>
+    <p:spTree>
+      <p:nvGrpSpPr>
+        <p:cNvPr id="1" name=""/>
+        <p:cNvGrpSpPr/>
+        <p:nvPr/>
+      </p:nvGrpSpPr>
+      <p:grpSpPr>
+        <a:xfrm>
+          <a:off x="0" y="0"/>
+          <a:ext cx="0" cy="0"/>
+          <a:chOff x="0" y="0"/>
+          <a:chExt cx="0" cy="0"/>
+        </a:xfrm>
+      </p:grpSpPr>
+      <p:sp>
+        <p:nvSpPr>
+          <p:cNvPr id="2" name="Slide Image Placeholder 1"/>
+          <p:cNvSpPr>
+            <a:spLocks noGrp="1" noRot="1" noChangeAspect="1"/>
+          </p:cNvSpPr>
+          <p:nvPr>
+            <p:ph type="sldImg"/>
+          </p:nvPr>
+        </p:nvSpPr>
+        <p:spPr/>
+      </p:sp>
+      <p:sp>
+        <p:nvSpPr>
+          <p:cNvPr id="3" name="Notes Placeholder 2"/>
+          <p:cNvSpPr>
+            <a:spLocks noGrp="1"/>
+          </p:cNvSpPr>
+          <p:nvPr>
+            <p:ph type="body" idx="1"/>
+          </p:nvPr>
+        </p:nvSpPr>
+        <p:spPr/>
+        <p:txBody>
+          <a:bodyPr/>
+          <a:lstStyle/>
+          <a:p>
+            <a:endParaRPr lang="en-US"/>
+          </a:p>
+        </p:txBody>
+      </p:sp>
+      <p:sp>
+        <p:nvSpPr>
+          <p:cNvPr id="4" name="Slide Number Placeholder 3"/>
+          <p:cNvSpPr>
+            <a:spLocks noGrp="1"/>
+          </p:cNvSpPr>
+          <p:nvPr>
+            <p:ph type="sldNum" sz="quarter" idx="10"/>
+          </p:nvPr>
+        </p:nvSpPr>
+        <p:spPr/>
+        <p:txBody>
+          <a:bodyPr/>
+          <a:lstStyle/>
+          <a:p>
+            <a:pPr>
+              <a:defRPr/>
+            </a:pPr>
+            <a:fld id="{BAE6B6CE-84D6-AA47-BFFB-BF474964ABC4}" type="slidenum">
+              <a:rPr lang="en-US" smtClean="0"/>
+              <a:pPr>
+                <a:defRPr/>
+              </a:pPr>
+              <a:t>25</a:t>
+            </a:fld>
+            <a:endParaRPr lang="en-US" dirty="0"/>
+          </a:p>
+        </p:txBody>
+      </p:sp>
+    </p:spTree>
+    <p:extLst>
+      <p:ext uri="{BB962C8B-B14F-4D97-AF65-F5344CB8AC3E}">
+        <p14:creationId xmlns:p14="http://schemas.microsoft.com/office/powerpoint/2010/main" val="1650871966"/>
+      </p:ext>
+    </p:extLst>
+  </p:cSld>
+  <p:clrMapOvr>
+    <a:masterClrMapping/>
+  </p:clrMapOvr>
+</p:notes>
+</file>
+
+<file path=ppt/notesSlides/notesSlide26.xml><?xml version="1.0" encoding="utf-8"?>
+<p:notes xmlns:a="http://schemas.openxmlformats.org/drawingml/2006/main" xmlns:r="http://schemas.openxmlformats.org/officeDocument/2006/relationships" xmlns:p="http://schemas.openxmlformats.org/presentationml/2006/main">
+  <p:cSld>
+    <p:spTree>
+      <p:nvGrpSpPr>
+        <p:cNvPr id="1" name=""/>
+        <p:cNvGrpSpPr/>
+        <p:nvPr/>
+      </p:nvGrpSpPr>
+      <p:grpSpPr>
+        <a:xfrm>
+          <a:off x="0" y="0"/>
+          <a:ext cx="0" cy="0"/>
+          <a:chOff x="0" y="0"/>
+          <a:chExt cx="0" cy="0"/>
+        </a:xfrm>
+      </p:grpSpPr>
+      <p:sp>
+        <p:nvSpPr>
+          <p:cNvPr id="2" name="Slide Image Placeholder 1"/>
+          <p:cNvSpPr>
+            <a:spLocks noGrp="1" noRot="1" noChangeAspect="1"/>
+          </p:cNvSpPr>
+          <p:nvPr>
+            <p:ph type="sldImg"/>
+          </p:nvPr>
+        </p:nvSpPr>
+        <p:spPr/>
+      </p:sp>
+      <p:sp>
+        <p:nvSpPr>
+          <p:cNvPr id="3" name="Notes Placeholder 2"/>
+          <p:cNvSpPr>
+            <a:spLocks noGrp="1"/>
+          </p:cNvSpPr>
+          <p:nvPr>
+            <p:ph type="body" idx="1"/>
+          </p:nvPr>
+        </p:nvSpPr>
+        <p:spPr/>
+        <p:txBody>
+          <a:bodyPr/>
+          <a:lstStyle/>
+          <a:p>
+            <a:endParaRPr lang="en-US"/>
+          </a:p>
+        </p:txBody>
+      </p:sp>
+      <p:sp>
+        <p:nvSpPr>
+          <p:cNvPr id="4" name="Slide Number Placeholder 3"/>
+          <p:cNvSpPr>
+            <a:spLocks noGrp="1"/>
+          </p:cNvSpPr>
+          <p:nvPr>
+            <p:ph type="sldNum" sz="quarter" idx="10"/>
+          </p:nvPr>
+        </p:nvSpPr>
+        <p:spPr/>
+        <p:txBody>
+          <a:bodyPr/>
+          <a:lstStyle/>
+          <a:p>
+            <a:pPr>
+              <a:defRPr/>
+            </a:pPr>
+            <a:fld id="{BAE6B6CE-84D6-AA47-BFFB-BF474964ABC4}" type="slidenum">
+              <a:rPr lang="en-US" smtClean="0"/>
+              <a:pPr>
+                <a:defRPr/>
+              </a:pPr>
+              <a:t>26</a:t>
+            </a:fld>
+            <a:endParaRPr lang="en-US" dirty="0"/>
+          </a:p>
+        </p:txBody>
+      </p:sp>
+    </p:spTree>
+    <p:extLst>
+      <p:ext uri="{BB962C8B-B14F-4D97-AF65-F5344CB8AC3E}">
+        <p14:creationId xmlns:p14="http://schemas.microsoft.com/office/powerpoint/2010/main" val="55566546"/>
+      </p:ext>
+    </p:extLst>
+  </p:cSld>
+  <p:clrMapOvr>
+    <a:masterClrMapping/>
+  </p:clrMapOvr>
+</p:notes>
+</file>
+
+<file path=ppt/notesSlides/notesSlide27.xml><?xml version="1.0" encoding="utf-8"?>
+<p:notes xmlns:a="http://schemas.openxmlformats.org/drawingml/2006/main" xmlns:r="http://schemas.openxmlformats.org/officeDocument/2006/relationships" xmlns:p="http://schemas.openxmlformats.org/presentationml/2006/main">
+  <p:cSld>
+    <p:spTree>
+      <p:nvGrpSpPr>
+        <p:cNvPr id="1" name=""/>
+        <p:cNvGrpSpPr/>
+        <p:nvPr/>
+      </p:nvGrpSpPr>
+      <p:grpSpPr>
+        <a:xfrm>
+          <a:off x="0" y="0"/>
+          <a:ext cx="0" cy="0"/>
+          <a:chOff x="0" y="0"/>
+          <a:chExt cx="0" cy="0"/>
+        </a:xfrm>
+      </p:grpSpPr>
+      <p:sp>
+        <p:nvSpPr>
+          <p:cNvPr id="2" name="Slide Image Placeholder 1"/>
+          <p:cNvSpPr>
+            <a:spLocks noGrp="1" noRot="1" noChangeAspect="1"/>
+          </p:cNvSpPr>
+          <p:nvPr>
+            <p:ph type="sldImg"/>
+          </p:nvPr>
+        </p:nvSpPr>
+        <p:spPr/>
+      </p:sp>
+      <p:sp>
+        <p:nvSpPr>
+          <p:cNvPr id="3" name="Notes Placeholder 2"/>
+          <p:cNvSpPr>
+            <a:spLocks noGrp="1"/>
+          </p:cNvSpPr>
+          <p:nvPr>
+            <p:ph type="body" idx="1"/>
+          </p:nvPr>
+        </p:nvSpPr>
+        <p:spPr/>
+        <p:txBody>
+          <a:bodyPr/>
+          <a:lstStyle/>
+          <a:p>
+            <a:endParaRPr lang="en-US"/>
+          </a:p>
+        </p:txBody>
+      </p:sp>
+      <p:sp>
+        <p:nvSpPr>
+          <p:cNvPr id="4" name="Slide Number Placeholder 3"/>
+          <p:cNvSpPr>
+            <a:spLocks noGrp="1"/>
+          </p:cNvSpPr>
+          <p:nvPr>
+            <p:ph type="sldNum" sz="quarter" idx="10"/>
+          </p:nvPr>
+        </p:nvSpPr>
+        <p:spPr/>
+        <p:txBody>
+          <a:bodyPr/>
+          <a:lstStyle/>
+          <a:p>
+            <a:pPr>
+              <a:defRPr/>
+            </a:pPr>
+            <a:fld id="{BAE6B6CE-84D6-AA47-BFFB-BF474964ABC4}" type="slidenum">
+              <a:rPr lang="en-US" smtClean="0"/>
+              <a:pPr>
+                <a:defRPr/>
+              </a:pPr>
+              <a:t>27</a:t>
+            </a:fld>
+            <a:endParaRPr lang="en-US" dirty="0"/>
+          </a:p>
+        </p:txBody>
+      </p:sp>
+    </p:spTree>
+    <p:extLst>
+      <p:ext uri="{BB962C8B-B14F-4D97-AF65-F5344CB8AC3E}">
+        <p14:creationId xmlns:p14="http://schemas.microsoft.com/office/powerpoint/2010/main" val="1284745316"/>
+      </p:ext>
+    </p:extLst>
+  </p:cSld>
+  <p:clrMapOvr>
+    <a:masterClrMapping/>
+  </p:clrMapOvr>
+</p:notes>
+</file>
+
+<file path=ppt/notesSlides/notesSlide28.xml><?xml version="1.0" encoding="utf-8"?>
+<p:notes xmlns:a="http://schemas.openxmlformats.org/drawingml/2006/main" xmlns:r="http://schemas.openxmlformats.org/officeDocument/2006/relationships" xmlns:p="http://schemas.openxmlformats.org/presentationml/2006/main">
+  <p:cSld>
+    <p:spTree>
+      <p:nvGrpSpPr>
+        <p:cNvPr id="1" name=""/>
+        <p:cNvGrpSpPr/>
+        <p:nvPr/>
+      </p:nvGrpSpPr>
+      <p:grpSpPr>
+        <a:xfrm>
+          <a:off x="0" y="0"/>
+          <a:ext cx="0" cy="0"/>
+          <a:chOff x="0" y="0"/>
+          <a:chExt cx="0" cy="0"/>
+        </a:xfrm>
+      </p:grpSpPr>
+      <p:sp>
+        <p:nvSpPr>
+          <p:cNvPr id="2" name="Slide Image Placeholder 1"/>
+          <p:cNvSpPr>
+            <a:spLocks noGrp="1" noRot="1" noChangeAspect="1"/>
+          </p:cNvSpPr>
+          <p:nvPr>
+            <p:ph type="sldImg"/>
+          </p:nvPr>
+        </p:nvSpPr>
+        <p:spPr/>
+      </p:sp>
+      <p:sp>
+        <p:nvSpPr>
+          <p:cNvPr id="3" name="Notes Placeholder 2"/>
+          <p:cNvSpPr>
+            <a:spLocks noGrp="1"/>
+          </p:cNvSpPr>
+          <p:nvPr>
+            <p:ph type="body" idx="1"/>
+          </p:nvPr>
+        </p:nvSpPr>
+        <p:spPr/>
+        <p:txBody>
+          <a:bodyPr/>
+          <a:lstStyle/>
+          <a:p>
+            <a:endParaRPr lang="en-US"/>
+          </a:p>
+        </p:txBody>
+      </p:sp>
+      <p:sp>
+        <p:nvSpPr>
+          <p:cNvPr id="4" name="Slide Number Placeholder 3"/>
+          <p:cNvSpPr>
+            <a:spLocks noGrp="1"/>
+          </p:cNvSpPr>
+          <p:nvPr>
+            <p:ph type="sldNum" sz="quarter" idx="10"/>
+          </p:nvPr>
+        </p:nvSpPr>
+        <p:spPr/>
+        <p:txBody>
+          <a:bodyPr/>
+          <a:lstStyle/>
+          <a:p>
+            <a:pPr>
+              <a:defRPr/>
+            </a:pPr>
+            <a:fld id="{BAE6B6CE-84D6-AA47-BFFB-BF474964ABC4}" type="slidenum">
+              <a:rPr lang="en-US" smtClean="0"/>
+              <a:pPr>
+                <a:defRPr/>
+              </a:pPr>
+              <a:t>28</a:t>
+            </a:fld>
+            <a:endParaRPr lang="en-US" dirty="0"/>
+          </a:p>
+        </p:txBody>
+      </p:sp>
+    </p:spTree>
+    <p:extLst>
+      <p:ext uri="{BB962C8B-B14F-4D97-AF65-F5344CB8AC3E}">
+        <p14:creationId xmlns:p14="http://schemas.microsoft.com/office/powerpoint/2010/main" val="1455382614"/>
+      </p:ext>
+    </p:extLst>
+  </p:cSld>
+  <p:clrMapOvr>
+    <a:masterClrMapping/>
+  </p:clrMapOvr>
+</p:notes>
+</file>
+
+<file path=ppt/notesSlides/notesSlide3.xml><?xml version="1.0" encoding="utf-8"?>
+<p:notes xmlns:a="http://schemas.openxmlformats.org/drawingml/2006/main" xmlns:r="http://schemas.openxmlformats.org/officeDocument/2006/relationships" xmlns:p="http://schemas.openxmlformats.org/presentationml/2006/main">
+  <p:cSld>
+    <p:spTree>
+      <p:nvGrpSpPr>
+        <p:cNvPr id="1" name=""/>
+        <p:cNvGrpSpPr/>
+        <p:nvPr/>
+      </p:nvGrpSpPr>
+      <p:grpSpPr>
+        <a:xfrm>
+          <a:off x="0" y="0"/>
+          <a:ext cx="0" cy="0"/>
+          <a:chOff x="0" y="0"/>
+          <a:chExt cx="0" cy="0"/>
+        </a:xfrm>
+      </p:grpSpPr>
+      <p:sp>
+        <p:nvSpPr>
+          <p:cNvPr id="2" name="Slide Image Placeholder 1"/>
+          <p:cNvSpPr>
+            <a:spLocks noGrp="1" noRot="1" noChangeAspect="1"/>
+          </p:cNvSpPr>
+          <p:nvPr>
+            <p:ph type="sldImg"/>
+          </p:nvPr>
+        </p:nvSpPr>
+        <p:spPr/>
+      </p:sp>
+      <p:sp>
+        <p:nvSpPr>
+          <p:cNvPr id="3" name="Notes Placeholder 2"/>
+          <p:cNvSpPr>
+            <a:spLocks noGrp="1"/>
+          </p:cNvSpPr>
+          <p:nvPr>
+            <p:ph type="body" idx="1"/>
+          </p:nvPr>
+        </p:nvSpPr>
+        <p:spPr/>
+        <p:txBody>
+          <a:bodyPr/>
+          <a:lstStyle/>
+          <a:p>
+            <a:endParaRPr lang="en-US"/>
+          </a:p>
+        </p:txBody>
+      </p:sp>
+      <p:sp>
+        <p:nvSpPr>
+          <p:cNvPr id="4" name="Slide Number Placeholder 3"/>
+          <p:cNvSpPr>
+            <a:spLocks noGrp="1"/>
+          </p:cNvSpPr>
+          <p:nvPr>
+            <p:ph type="sldNum" sz="quarter" idx="10"/>
+          </p:nvPr>
+        </p:nvSpPr>
+        <p:spPr/>
+        <p:txBody>
+          <a:bodyPr/>
+          <a:lstStyle/>
+          <a:p>
+            <a:pPr>
+              <a:defRPr/>
+            </a:pPr>
+            <a:fld id="{BAE6B6CE-84D6-AA47-BFFB-BF474964ABC4}" type="slidenum">
+              <a:rPr lang="en-US" smtClean="0"/>
+              <a:pPr>
+                <a:defRPr/>
+              </a:pPr>
+              <a:t>3</a:t>
+            </a:fld>
+            <a:endParaRPr lang="en-US" dirty="0"/>
+          </a:p>
+        </p:txBody>
+      </p:sp>
+    </p:spTree>
+    <p:extLst>
+      <p:ext uri="{BB962C8B-B14F-4D97-AF65-F5344CB8AC3E}">
+        <p14:creationId xmlns:p14="http://schemas.microsoft.com/office/powerpoint/2010/main" val="3706948251"/>
+      </p:ext>
+    </p:extLst>
+  </p:cSld>
+  <p:clrMapOvr>
+    <a:masterClrMapping/>
+  </p:clrMapOvr>
+</p:notes>
+</file>
+
+<file path=ppt/notesSlides/notesSlide4.xml><?xml version="1.0" encoding="utf-8"?>
+<p:notes xmlns:a="http://schemas.openxmlformats.org/drawingml/2006/main" xmlns:r="http://schemas.openxmlformats.org/officeDocument/2006/relationships" xmlns:p="http://schemas.openxmlformats.org/presentationml/2006/main">
+  <p:cSld>
+    <p:spTree>
+      <p:nvGrpSpPr>
+        <p:cNvPr id="1" name=""/>
+        <p:cNvGrpSpPr/>
+        <p:nvPr/>
+      </p:nvGrpSpPr>
+      <p:grpSpPr>
+        <a:xfrm>
+          <a:off x="0" y="0"/>
+          <a:ext cx="0" cy="0"/>
+          <a:chOff x="0" y="0"/>
+          <a:chExt cx="0" cy="0"/>
+        </a:xfrm>
+      </p:grpSpPr>
+      <p:sp>
+        <p:nvSpPr>
+          <p:cNvPr id="2" name="Slide Image Placeholder 1"/>
+          <p:cNvSpPr>
+            <a:spLocks noGrp="1" noRot="1" noChangeAspect="1"/>
+          </p:cNvSpPr>
+          <p:nvPr>
+            <p:ph type="sldImg"/>
+          </p:nvPr>
+        </p:nvSpPr>
+        <p:spPr/>
+      </p:sp>
+      <p:sp>
+        <p:nvSpPr>
+          <p:cNvPr id="3" name="Notes Placeholder 2"/>
+          <p:cNvSpPr>
+            <a:spLocks noGrp="1"/>
+          </p:cNvSpPr>
+          <p:nvPr>
+            <p:ph type="body" idx="1"/>
+          </p:nvPr>
+        </p:nvSpPr>
+        <p:spPr/>
+        <p:txBody>
+          <a:bodyPr/>
+          <a:lstStyle/>
+          <a:p>
+            <a:endParaRPr lang="en-US"/>
+          </a:p>
+        </p:txBody>
+      </p:sp>
+      <p:sp>
+        <p:nvSpPr>
+          <p:cNvPr id="4" name="Slide Number Placeholder 3"/>
+          <p:cNvSpPr>
+            <a:spLocks noGrp="1"/>
+          </p:cNvSpPr>
+          <p:nvPr>
+            <p:ph type="sldNum" sz="quarter" idx="10"/>
+          </p:nvPr>
+        </p:nvSpPr>
+        <p:spPr/>
+        <p:txBody>
+          <a:bodyPr/>
+          <a:lstStyle/>
+          <a:p>
+            <a:pPr>
+              <a:defRPr/>
+            </a:pPr>
+            <a:fld id="{BAE6B6CE-84D6-AA47-BFFB-BF474964ABC4}" type="slidenum">
+              <a:rPr lang="en-US" smtClean="0"/>
+              <a:pPr>
+                <a:defRPr/>
+              </a:pPr>
+              <a:t>4</a:t>
+            </a:fld>
+            <a:endParaRPr lang="en-US" dirty="0"/>
+          </a:p>
+        </p:txBody>
+      </p:sp>
+    </p:spTree>
+    <p:extLst>
+      <p:ext uri="{BB962C8B-B14F-4D97-AF65-F5344CB8AC3E}">
+        <p14:creationId xmlns:p14="http://schemas.microsoft.com/office/powerpoint/2010/main" val="2333579578"/>
+      </p:ext>
+    </p:extLst>
+  </p:cSld>
+  <p:clrMapOvr>
+    <a:masterClrMapping/>
+  </p:clrMapOvr>
+</p:notes>
+</file>
+
+<file path=ppt/notesSlides/notesSlide5.xml><?xml version="1.0" encoding="utf-8"?>
+<p:notes xmlns:a="http://schemas.openxmlformats.org/drawingml/2006/main" xmlns:r="http://schemas.openxmlformats.org/officeDocument/2006/relationships" xmlns:p="http://schemas.openxmlformats.org/presentationml/2006/main">
+  <p:cSld>
+    <p:spTree>
+      <p:nvGrpSpPr>
+        <p:cNvPr id="1" name=""/>
+        <p:cNvGrpSpPr/>
+        <p:nvPr/>
+      </p:nvGrpSpPr>
+      <p:grpSpPr>
+        <a:xfrm>
+          <a:off x="0" y="0"/>
+          <a:ext cx="0" cy="0"/>
+          <a:chOff x="0" y="0"/>
+          <a:chExt cx="0" cy="0"/>
+        </a:xfrm>
+      </p:grpSpPr>
+      <p:sp>
+        <p:nvSpPr>
+          <p:cNvPr id="2" name="Slide Image Placeholder 1"/>
+          <p:cNvSpPr>
+            <a:spLocks noGrp="1" noRot="1" noChangeAspect="1"/>
+          </p:cNvSpPr>
+          <p:nvPr>
+            <p:ph type="sldImg"/>
+          </p:nvPr>
+        </p:nvSpPr>
+        <p:spPr/>
+      </p:sp>
+      <p:sp>
+        <p:nvSpPr>
+          <p:cNvPr id="3" name="Notes Placeholder 2"/>
+          <p:cNvSpPr>
+            <a:spLocks noGrp="1"/>
+          </p:cNvSpPr>
+          <p:nvPr>
+            <p:ph type="body" idx="1"/>
+          </p:nvPr>
+        </p:nvSpPr>
+        <p:spPr/>
+        <p:txBody>
+          <a:bodyPr/>
+          <a:lstStyle/>
+          <a:p>
+            <a:endParaRPr lang="en-US"/>
+          </a:p>
+        </p:txBody>
+      </p:sp>
+      <p:sp>
+        <p:nvSpPr>
+          <p:cNvPr id="4" name="Slide Number Placeholder 3"/>
+          <p:cNvSpPr>
+            <a:spLocks noGrp="1"/>
+          </p:cNvSpPr>
+          <p:nvPr>
+            <p:ph type="sldNum" sz="quarter" idx="10"/>
+          </p:nvPr>
+        </p:nvSpPr>
+        <p:spPr/>
+        <p:txBody>
+          <a:bodyPr/>
+          <a:lstStyle/>
+          <a:p>
+            <a:pPr>
+              <a:defRPr/>
+            </a:pPr>
+            <a:fld id="{BAE6B6CE-84D6-AA47-BFFB-BF474964ABC4}" type="slidenum">
+              <a:rPr lang="en-US" smtClean="0"/>
+              <a:pPr>
+                <a:defRPr/>
+              </a:pPr>
+              <a:t>5</a:t>
+            </a:fld>
+            <a:endParaRPr lang="en-US" dirty="0"/>
+          </a:p>
+        </p:txBody>
+      </p:sp>
+    </p:spTree>
+    <p:extLst>
+      <p:ext uri="{BB962C8B-B14F-4D97-AF65-F5344CB8AC3E}">
+        <p14:creationId xmlns:p14="http://schemas.microsoft.com/office/powerpoint/2010/main" val="713294201"/>
+      </p:ext>
+    </p:extLst>
+  </p:cSld>
+  <p:clrMapOvr>
+    <a:masterClrMapping/>
+  </p:clrMapOvr>
+</p:notes>
+</file>
+
+<file path=ppt/notesSlides/notesSlide6.xml><?xml version="1.0" encoding="utf-8"?>
+<p:notes xmlns:a="http://schemas.openxmlformats.org/drawingml/2006/main" xmlns:r="http://schemas.openxmlformats.org/officeDocument/2006/relationships" xmlns:p="http://schemas.openxmlformats.org/presentationml/2006/main">
+  <p:cSld>
+    <p:spTree>
+      <p:nvGrpSpPr>
+        <p:cNvPr id="1" name=""/>
+        <p:cNvGrpSpPr/>
+        <p:nvPr/>
+      </p:nvGrpSpPr>
+      <p:grpSpPr>
+        <a:xfrm>
+          <a:off x="0" y="0"/>
+          <a:ext cx="0" cy="0"/>
+          <a:chOff x="0" y="0"/>
+          <a:chExt cx="0" cy="0"/>
+        </a:xfrm>
+      </p:grpSpPr>
+      <p:sp>
+        <p:nvSpPr>
+          <p:cNvPr id="2" name="Slide Image Placeholder 1"/>
+          <p:cNvSpPr>
+            <a:spLocks noGrp="1" noRot="1" noChangeAspect="1"/>
+          </p:cNvSpPr>
+          <p:nvPr>
+            <p:ph type="sldImg"/>
+          </p:nvPr>
+        </p:nvSpPr>
+        <p:spPr/>
+      </p:sp>
+      <p:sp>
+        <p:nvSpPr>
+          <p:cNvPr id="3" name="Notes Placeholder 2"/>
+          <p:cNvSpPr>
+            <a:spLocks noGrp="1"/>
+          </p:cNvSpPr>
+          <p:nvPr>
+            <p:ph type="body" idx="1"/>
+          </p:nvPr>
+        </p:nvSpPr>
+        <p:spPr/>
+        <p:txBody>
+          <a:bodyPr/>
+          <a:lstStyle/>
+          <a:p>
+            <a:endParaRPr lang="en-US"/>
+          </a:p>
+        </p:txBody>
+      </p:sp>
+      <p:sp>
+        <p:nvSpPr>
+          <p:cNvPr id="4" name="Slide Number Placeholder 3"/>
+          <p:cNvSpPr>
+            <a:spLocks noGrp="1"/>
+          </p:cNvSpPr>
+          <p:nvPr>
+            <p:ph type="sldNum" sz="quarter" idx="10"/>
+          </p:nvPr>
+        </p:nvSpPr>
+        <p:spPr/>
+        <p:txBody>
+          <a:bodyPr/>
+          <a:lstStyle/>
+          <a:p>
+            <a:pPr>
+              <a:defRPr/>
+            </a:pPr>
+            <a:fld id="{BAE6B6CE-84D6-AA47-BFFB-BF474964ABC4}" type="slidenum">
+              <a:rPr lang="en-US" smtClean="0"/>
+              <a:pPr>
+                <a:defRPr/>
+              </a:pPr>
+              <a:t>6</a:t>
+            </a:fld>
+            <a:endParaRPr lang="en-US" dirty="0"/>
+          </a:p>
+        </p:txBody>
+      </p:sp>
+    </p:spTree>
+    <p:extLst>
+      <p:ext uri="{BB962C8B-B14F-4D97-AF65-F5344CB8AC3E}">
+        <p14:creationId xmlns:p14="http://schemas.microsoft.com/office/powerpoint/2010/main" val="613641686"/>
+      </p:ext>
+    </p:extLst>
+  </p:cSld>
+  <p:clrMapOvr>
+    <a:masterClrMapping/>
+  </p:clrMapOvr>
+</p:notes>
+</file>
+
+<file path=ppt/notesSlides/notesSlide7.xml><?xml version="1.0" encoding="utf-8"?>
+<p:notes xmlns:a="http://schemas.openxmlformats.org/drawingml/2006/main" xmlns:r="http://schemas.openxmlformats.org/officeDocument/2006/relationships" xmlns:p="http://schemas.openxmlformats.org/presentationml/2006/main">
+  <p:cSld>
+    <p:spTree>
+      <p:nvGrpSpPr>
+        <p:cNvPr id="1" name=""/>
+        <p:cNvGrpSpPr/>
+        <p:nvPr/>
+      </p:nvGrpSpPr>
+      <p:grpSpPr>
+        <a:xfrm>
+          <a:off x="0" y="0"/>
+          <a:ext cx="0" cy="0"/>
+          <a:chOff x="0" y="0"/>
+          <a:chExt cx="0" cy="0"/>
+        </a:xfrm>
+      </p:grpSpPr>
+      <p:sp>
+        <p:nvSpPr>
+          <p:cNvPr id="2" name="Slide Image Placeholder 1"/>
+          <p:cNvSpPr>
+            <a:spLocks noGrp="1" noRot="1" noChangeAspect="1"/>
+          </p:cNvSpPr>
+          <p:nvPr>
+            <p:ph type="sldImg"/>
+          </p:nvPr>
+        </p:nvSpPr>
+        <p:spPr/>
+      </p:sp>
+      <p:sp>
+        <p:nvSpPr>
+          <p:cNvPr id="3" name="Notes Placeholder 2"/>
+          <p:cNvSpPr>
+            <a:spLocks noGrp="1"/>
+          </p:cNvSpPr>
+          <p:nvPr>
+            <p:ph type="body" idx="1"/>
+          </p:nvPr>
+        </p:nvSpPr>
+        <p:spPr/>
+        <p:txBody>
+          <a:bodyPr/>
+          <a:lstStyle/>
+          <a:p>
+            <a:endParaRPr lang="en-US"/>
+          </a:p>
+        </p:txBody>
+      </p:sp>
+      <p:sp>
+        <p:nvSpPr>
+          <p:cNvPr id="4" name="Slide Number Placeholder 3"/>
+          <p:cNvSpPr>
+            <a:spLocks noGrp="1"/>
+          </p:cNvSpPr>
+          <p:nvPr>
+            <p:ph type="sldNum" sz="quarter" idx="10"/>
+          </p:nvPr>
+        </p:nvSpPr>
+        <p:spPr/>
+        <p:txBody>
+          <a:bodyPr/>
+          <a:lstStyle/>
+          <a:p>
+            <a:pPr>
+              <a:defRPr/>
+            </a:pPr>
+            <a:fld id="{BAE6B6CE-84D6-AA47-BFFB-BF474964ABC4}" type="slidenum">
+              <a:rPr lang="en-US" smtClean="0"/>
+              <a:pPr>
+                <a:defRPr/>
+              </a:pPr>
+              <a:t>7</a:t>
+            </a:fld>
+            <a:endParaRPr lang="en-US" dirty="0"/>
+          </a:p>
+        </p:txBody>
+      </p:sp>
+    </p:spTree>
+    <p:extLst>
+      <p:ext uri="{BB962C8B-B14F-4D97-AF65-F5344CB8AC3E}">
+        <p14:creationId xmlns:p14="http://schemas.microsoft.com/office/powerpoint/2010/main" val="2345513981"/>
+      </p:ext>
+    </p:extLst>
+  </p:cSld>
+  <p:clrMapOvr>
+    <a:masterClrMapping/>
+  </p:clrMapOvr>
+</p:notes>
+</file>
+
+<file path=ppt/notesSlides/notesSlide8.xml><?xml version="1.0" encoding="utf-8"?>
+<p:notes xmlns:a="http://schemas.openxmlformats.org/drawingml/2006/main" xmlns:r="http://schemas.openxmlformats.org/officeDocument/2006/relationships" xmlns:p="http://schemas.openxmlformats.org/presentationml/2006/main">
+  <p:cSld>
+    <p:spTree>
+      <p:nvGrpSpPr>
+        <p:cNvPr id="1" name=""/>
+        <p:cNvGrpSpPr/>
+        <p:nvPr/>
+      </p:nvGrpSpPr>
+      <p:grpSpPr>
+        <a:xfrm>
+          <a:off x="0" y="0"/>
+          <a:ext cx="0" cy="0"/>
+          <a:chOff x="0" y="0"/>
+          <a:chExt cx="0" cy="0"/>
+        </a:xfrm>
+      </p:grpSpPr>
+      <p:sp>
+        <p:nvSpPr>
+          <p:cNvPr id="2" name="Slide Image Placeholder 1"/>
+          <p:cNvSpPr>
+            <a:spLocks noGrp="1" noRot="1" noChangeAspect="1"/>
+          </p:cNvSpPr>
+          <p:nvPr>
+            <p:ph type="sldImg"/>
+          </p:nvPr>
+        </p:nvSpPr>
+        <p:spPr/>
+      </p:sp>
+      <p:sp>
+        <p:nvSpPr>
+          <p:cNvPr id="3" name="Notes Placeholder 2"/>
+          <p:cNvSpPr>
+            <a:spLocks noGrp="1"/>
+          </p:cNvSpPr>
+          <p:nvPr>
+            <p:ph type="body" idx="1"/>
+          </p:nvPr>
+        </p:nvSpPr>
+        <p:spPr/>
+        <p:txBody>
+          <a:bodyPr/>
+          <a:lstStyle/>
+          <a:p>
+            <a:endParaRPr lang="en-US"/>
+          </a:p>
+        </p:txBody>
+      </p:sp>
+      <p:sp>
+        <p:nvSpPr>
+          <p:cNvPr id="4" name="Slide Number Placeholder 3"/>
+          <p:cNvSpPr>
+            <a:spLocks noGrp="1"/>
+          </p:cNvSpPr>
+          <p:nvPr>
+            <p:ph type="sldNum" sz="quarter" idx="10"/>
+          </p:nvPr>
+        </p:nvSpPr>
+        <p:spPr/>
+        <p:txBody>
+          <a:bodyPr/>
+          <a:lstStyle/>
+          <a:p>
+            <a:pPr>
+              <a:defRPr/>
+            </a:pPr>
+            <a:fld id="{BAE6B6CE-84D6-AA47-BFFB-BF474964ABC4}" type="slidenum">
+              <a:rPr lang="en-US" smtClean="0"/>
+              <a:pPr>
+                <a:defRPr/>
+              </a:pPr>
+              <a:t>8</a:t>
+            </a:fld>
+            <a:endParaRPr lang="en-US" dirty="0"/>
+          </a:p>
+        </p:txBody>
+      </p:sp>
+    </p:spTree>
+    <p:extLst>
+      <p:ext uri="{BB962C8B-B14F-4D97-AF65-F5344CB8AC3E}">
+        <p14:creationId xmlns:p14="http://schemas.microsoft.com/office/powerpoint/2010/main" val="4146066748"/>
+      </p:ext>
+    </p:extLst>
+  </p:cSld>
+  <p:clrMapOvr>
+    <a:masterClrMapping/>
+  </p:clrMapOvr>
+</p:notes>
+</file>
+
+<file path=ppt/notesSlides/notesSlide9.xml><?xml version="1.0" encoding="utf-8"?>
+<p:notes xmlns:a="http://schemas.openxmlformats.org/drawingml/2006/main" xmlns:r="http://schemas.openxmlformats.org/officeDocument/2006/relationships" xmlns:p="http://schemas.openxmlformats.org/presentationml/2006/main">
+  <p:cSld>
+    <p:spTree>
+      <p:nvGrpSpPr>
+        <p:cNvPr id="1" name=""/>
+        <p:cNvGrpSpPr/>
+        <p:nvPr/>
+      </p:nvGrpSpPr>
+      <p:grpSpPr>
+        <a:xfrm>
+          <a:off x="0" y="0"/>
+          <a:ext cx="0" cy="0"/>
+          <a:chOff x="0" y="0"/>
+          <a:chExt cx="0" cy="0"/>
+        </a:xfrm>
+      </p:grpSpPr>
+      <p:sp>
+        <p:nvSpPr>
+          <p:cNvPr id="2" name="Slide Image Placeholder 1"/>
+          <p:cNvSpPr>
+            <a:spLocks noGrp="1" noRot="1" noChangeAspect="1"/>
+          </p:cNvSpPr>
+          <p:nvPr>
+            <p:ph type="sldImg"/>
+          </p:nvPr>
+        </p:nvSpPr>
+        <p:spPr/>
+      </p:sp>
+      <p:sp>
+        <p:nvSpPr>
+          <p:cNvPr id="3" name="Notes Placeholder 2"/>
+          <p:cNvSpPr>
+            <a:spLocks noGrp="1"/>
+          </p:cNvSpPr>
+          <p:nvPr>
+            <p:ph type="body" idx="1"/>
+          </p:nvPr>
+        </p:nvSpPr>
+        <p:spPr/>
+        <p:txBody>
+          <a:bodyPr/>
+          <a:lstStyle/>
+          <a:p>
+            <a:endParaRPr lang="en-US"/>
+          </a:p>
+        </p:txBody>
+      </p:sp>
+      <p:sp>
+        <p:nvSpPr>
+          <p:cNvPr id="4" name="Slide Number Placeholder 3"/>
+          <p:cNvSpPr>
+            <a:spLocks noGrp="1"/>
+          </p:cNvSpPr>
+          <p:nvPr>
+            <p:ph type="sldNum" sz="quarter" idx="10"/>
+          </p:nvPr>
+        </p:nvSpPr>
+        <p:spPr/>
+        <p:txBody>
+          <a:bodyPr/>
+          <a:lstStyle/>
+          <a:p>
+            <a:pPr>
+              <a:defRPr/>
+            </a:pPr>
+            <a:fld id="{BAE6B6CE-84D6-AA47-BFFB-BF474964ABC4}" type="slidenum">
+              <a:rPr lang="en-US" smtClean="0"/>
+              <a:pPr>
+                <a:defRPr/>
+              </a:pPr>
+              <a:t>9</a:t>
+            </a:fld>
+            <a:endParaRPr lang="en-US" dirty="0"/>
+          </a:p>
+        </p:txBody>
+      </p:sp>
+    </p:spTree>
+    <p:extLst>
+      <p:ext uri="{BB962C8B-B14F-4D97-AF65-F5344CB8AC3E}">
+        <p14:creationId xmlns:p14="http://schemas.microsoft.com/office/powerpoint/2010/main" val="4116491936"/>
+      </p:ext>
+    </p:extLst>
+  </p:cSld>
+  <p:clrMapOvr>
+    <a:masterClrMapping/>
+  </p:clrMapOvr>
+</p:notes>
 </file>
 
 <file path=ppt/slideLayouts/slideLayout1.xml><?xml version="1.0" encoding="utf-8"?>
@@ -8407,7 +10926,7 @@
           <p:nvPr/>
         </p:nvPicPr>
         <p:blipFill rotWithShape="1">
-          <a:blip r:embed="rId3"/>
+          <a:blip r:embed="rId4"/>
           <a:srcRect l="16360" r="17759"/>
           <a:stretch/>
         </p:blipFill>
@@ -8692,7 +11211,7 @@
           <p:nvPr/>
         </p:nvPicPr>
         <p:blipFill rotWithShape="1">
-          <a:blip r:embed="rId3"/>
+          <a:blip r:embed="rId4"/>
           <a:srcRect l="8000" r="9400"/>
           <a:stretch/>
         </p:blipFill>
@@ -9380,7 +11899,7 @@
           <p:nvPr/>
         </p:nvPicPr>
         <p:blipFill rotWithShape="1">
-          <a:blip r:embed="rId3"/>
+          <a:blip r:embed="rId4"/>
           <a:srcRect l="8000" r="9400"/>
           <a:stretch/>
         </p:blipFill>
@@ -9667,7 +12186,7 @@
           <p:nvPr/>
         </p:nvPicPr>
         <p:blipFill>
-          <a:blip r:embed="rId4"/>
+          <a:blip r:embed="rId5"/>
           <a:stretch>
             <a:fillRect/>
           </a:stretch>
@@ -9768,7 +12287,7 @@
           <p:nvPr/>
         </p:nvPicPr>
         <p:blipFill>
-          <a:blip r:embed="rId5"/>
+          <a:blip r:embed="rId6"/>
           <a:stretch>
             <a:fillRect/>
           </a:stretch>
@@ -10059,7 +12578,7 @@
           <p:nvPr/>
         </p:nvPicPr>
         <p:blipFill rotWithShape="1">
-          <a:blip r:embed="rId3"/>
+          <a:blip r:embed="rId4"/>
           <a:srcRect l="8000" r="9400"/>
           <a:stretch/>
         </p:blipFill>
@@ -10519,7 +13038,7 @@
           <p:nvPr/>
         </p:nvPicPr>
         <p:blipFill rotWithShape="1">
-          <a:blip r:embed="rId3"/>
+          <a:blip r:embed="rId4"/>
           <a:srcRect l="8000" r="9400"/>
           <a:stretch/>
         </p:blipFill>
@@ -10926,7 +13445,7 @@
           <p:nvPr/>
         </p:nvPicPr>
         <p:blipFill rotWithShape="1">
-          <a:blip r:embed="rId3"/>
+          <a:blip r:embed="rId4"/>
           <a:srcRect l="8000" r="9400"/>
           <a:stretch/>
         </p:blipFill>
@@ -11012,7 +13531,7 @@
           <p:nvPr/>
         </p:nvPicPr>
         <p:blipFill>
-          <a:blip r:embed="rId4"/>
+          <a:blip r:embed="rId5"/>
           <a:stretch>
             <a:fillRect/>
           </a:stretch>
@@ -11270,7 +13789,7 @@
           <p:nvPr/>
         </p:nvPicPr>
         <p:blipFill rotWithShape="1">
-          <a:blip r:embed="rId3"/>
+          <a:blip r:embed="rId4"/>
           <a:srcRect l="8000" r="9400"/>
           <a:stretch/>
         </p:blipFill>
@@ -11356,7 +13875,7 @@
           <p:nvPr/>
         </p:nvPicPr>
         <p:blipFill>
-          <a:blip r:embed="rId4"/>
+          <a:blip r:embed="rId5"/>
           <a:stretch>
             <a:fillRect/>
           </a:stretch>
@@ -11614,7 +14133,7 @@
           <p:nvPr/>
         </p:nvPicPr>
         <p:blipFill rotWithShape="1">
-          <a:blip r:embed="rId3"/>
+          <a:blip r:embed="rId4"/>
           <a:srcRect l="8000" r="9400"/>
           <a:stretch/>
         </p:blipFill>
@@ -11687,350 +14206,6 @@
       </p:sp>
       <p:pic>
         <p:nvPicPr>
-          <p:cNvPr id="3" name="Picture 2">
-            <a:extLst>
-              <a:ext uri="{FF2B5EF4-FFF2-40B4-BE49-F238E27FC236}">
-                <a16:creationId xmlns:a16="http://schemas.microsoft.com/office/drawing/2014/main" id="{F7237FAE-066C-4F49-9145-02B796B8F4D2}"/>
-              </a:ext>
-            </a:extLst>
-          </p:cNvPr>
-          <p:cNvPicPr>
-            <a:picLocks noChangeAspect="1"/>
-          </p:cNvPicPr>
-          <p:nvPr/>
-        </p:nvPicPr>
-        <p:blipFill>
-          <a:blip r:embed="rId4"/>
-          <a:stretch>
-            <a:fillRect/>
-          </a:stretch>
-        </p:blipFill>
-        <p:spPr>
-          <a:xfrm>
-            <a:off x="3572550" y="1219200"/>
-            <a:ext cx="5495250" cy="3988262"/>
-          </a:xfrm>
-          <a:prstGeom prst="rect">
-            <a:avLst/>
-          </a:prstGeom>
-          <a:ln>
-            <a:solidFill>
-              <a:srgbClr val="404040"/>
-            </a:solidFill>
-          </a:ln>
-        </p:spPr>
-        <p:style>
-          <a:lnRef idx="2">
-            <a:schemeClr val="dk1"/>
-          </a:lnRef>
-          <a:fillRef idx="1">
-            <a:schemeClr val="lt1"/>
-          </a:fillRef>
-          <a:effectRef idx="0">
-            <a:schemeClr val="dk1"/>
-          </a:effectRef>
-          <a:fontRef idx="minor">
-            <a:schemeClr val="dk1"/>
-          </a:fontRef>
-        </p:style>
-      </p:pic>
-    </p:spTree>
-    <p:custDataLst>
-      <p:tags r:id="rId1"/>
-    </p:custDataLst>
-    <p:extLst>
-      <p:ext uri="{BB962C8B-B14F-4D97-AF65-F5344CB8AC3E}">
-        <p14:creationId xmlns:p14="http://schemas.microsoft.com/office/powerpoint/2010/main" val="2820178029"/>
-      </p:ext>
-    </p:extLst>
-  </p:cSld>
-  <p:clrMapOvr>
-    <a:masterClrMapping/>
-  </p:clrMapOvr>
-</p:sld>
-</file>
-
-<file path=ppt/slides/slide17.xml><?xml version="1.0" encoding="utf-8"?>
-<p:sld xmlns:a="http://schemas.openxmlformats.org/drawingml/2006/main" xmlns:r="http://schemas.openxmlformats.org/officeDocument/2006/relationships" xmlns:p="http://schemas.openxmlformats.org/presentationml/2006/main">
-  <p:cSld>
-    <p:bg>
-      <p:bgPr>
-        <a:solidFill>
-          <a:schemeClr val="bg1">
-            <a:lumMod val="85000"/>
-          </a:schemeClr>
-        </a:solidFill>
-        <a:effectLst/>
-      </p:bgPr>
-    </p:bg>
-    <p:spTree>
-      <p:nvGrpSpPr>
-        <p:cNvPr id="1" name=""/>
-        <p:cNvGrpSpPr/>
-        <p:nvPr/>
-      </p:nvGrpSpPr>
-      <p:grpSpPr>
-        <a:xfrm>
-          <a:off x="0" y="0"/>
-          <a:ext cx="0" cy="0"/>
-          <a:chOff x="0" y="0"/>
-          <a:chExt cx="0" cy="0"/>
-        </a:xfrm>
-      </p:grpSpPr>
-      <p:sp>
-        <p:nvSpPr>
-          <p:cNvPr id="15" name="Rectangle 12">
-            <a:extLst>
-              <a:ext uri="{FF2B5EF4-FFF2-40B4-BE49-F238E27FC236}">
-                <a16:creationId xmlns:a16="http://schemas.microsoft.com/office/drawing/2014/main" id="{867D4867-5BA7-4462-B2F6-A23F4A622AA7}"/>
-              </a:ext>
-              <a:ext uri="{C183D7F6-B498-43B3-948B-1728B52AA6E4}">
-                <adec:decorative xmlns:adec="http://schemas.microsoft.com/office/drawing/2017/decorative" val="1"/>
-              </a:ext>
-            </a:extLst>
-          </p:cNvPr>
-          <p:cNvSpPr>
-            <a:spLocks noGrp="1" noRot="1" noChangeAspect="1" noMove="1" noResize="1" noEditPoints="1" noAdjustHandles="1" noChangeArrowheads="1" noChangeShapeType="1" noTextEdit="1"/>
-          </p:cNvSpPr>
-          <p:nvPr>
-            <p:extLst>
-              <p:ext uri="{386F3935-93C4-4BCD-93E2-E3B085C9AB24}">
-                <p16:designElem xmlns:p16="http://schemas.microsoft.com/office/powerpoint/2015/main" val="1"/>
-              </p:ext>
-            </p:extLst>
-          </p:nvPr>
-        </p:nvSpPr>
-        <p:spPr>
-          <a:xfrm>
-            <a:off x="0" y="0"/>
-            <a:ext cx="3490722" cy="6858000"/>
-          </a:xfrm>
-          <a:prstGeom prst="rect">
-            <a:avLst/>
-          </a:prstGeom>
-          <a:solidFill>
-            <a:schemeClr val="tx1">
-              <a:lumMod val="75000"/>
-              <a:lumOff val="25000"/>
-            </a:schemeClr>
-          </a:solidFill>
-          <a:ln>
-            <a:noFill/>
-          </a:ln>
-        </p:spPr>
-        <p:style>
-          <a:lnRef idx="0">
-            <a:scrgbClr r="0" g="0" b="0"/>
-          </a:lnRef>
-          <a:fillRef idx="0">
-            <a:scrgbClr r="0" g="0" b="0"/>
-          </a:fillRef>
-          <a:effectRef idx="0">
-            <a:scrgbClr r="0" g="0" b="0"/>
-          </a:effectRef>
-          <a:fontRef idx="minor">
-            <a:schemeClr val="lt1"/>
-          </a:fontRef>
-        </p:style>
-        <p:txBody>
-          <a:bodyPr rtlCol="0" anchor="ctr"/>
-          <a:lstStyle/>
-          <a:p>
-            <a:pPr marL="0" marR="0" lvl="0" indent="0" algn="ctr" defTabSz="457200" rtl="0" eaLnBrk="1" fontAlgn="base" latinLnBrk="0" hangingPunct="1">
-              <a:lnSpc>
-                <a:spcPct val="100000"/>
-              </a:lnSpc>
-              <a:spcBef>
-                <a:spcPct val="0"/>
-              </a:spcBef>
-              <a:spcAft>
-                <a:spcPct val="0"/>
-              </a:spcAft>
-              <a:buClrTx/>
-              <a:buSzTx/>
-              <a:buFontTx/>
-              <a:buNone/>
-              <a:tabLst/>
-              <a:defRPr/>
-            </a:pPr>
-            <a:endParaRPr kumimoji="0" lang="en-US" sz="2400" b="0" i="0" u="none" strike="noStrike" kern="1200" cap="none" spc="0" normalizeH="0" baseline="0" noProof="0">
-              <a:ln>
-                <a:noFill/>
-              </a:ln>
-              <a:solidFill>
-                <a:prstClr val="white"/>
-              </a:solidFill>
-              <a:effectLst/>
-              <a:uLnTx/>
-              <a:uFillTx/>
-              <a:latin typeface="Calibri"/>
-              <a:ea typeface="+mn-ea"/>
-              <a:cs typeface="+mn-cs"/>
-            </a:endParaRPr>
-          </a:p>
-        </p:txBody>
-      </p:sp>
-      <p:sp>
-        <p:nvSpPr>
-          <p:cNvPr id="2" name="Title 1"/>
-          <p:cNvSpPr>
-            <a:spLocks noGrp="1"/>
-          </p:cNvSpPr>
-          <p:nvPr>
-            <p:ph type="title"/>
-          </p:nvPr>
-        </p:nvSpPr>
-        <p:spPr>
-          <a:xfrm>
-            <a:off x="482600" y="643467"/>
-            <a:ext cx="2522980" cy="1597315"/>
-          </a:xfrm>
-          <a:noFill/>
-          <a:ln w="19050">
-            <a:solidFill>
-              <a:schemeClr val="bg1"/>
-            </a:solidFill>
-          </a:ln>
-        </p:spPr>
-        <p:txBody>
-          <a:bodyPr vert="horz" wrap="square" lIns="91440" tIns="45720" rIns="91440" bIns="45720" rtlCol="0" anchor="ctr">
-            <a:normAutofit/>
-          </a:bodyPr>
-          <a:lstStyle/>
-          <a:p>
-            <a:pPr defTabSz="914400" eaLnBrk="1" hangingPunct="1">
-              <a:lnSpc>
-                <a:spcPct val="90000"/>
-              </a:lnSpc>
-            </a:pPr>
-            <a:r>
-              <a:rPr lang="en-US" sz="2400" dirty="0">
-                <a:solidFill>
-                  <a:schemeClr val="bg1"/>
-                </a:solidFill>
-                <a:ea typeface="+mj-ea"/>
-                <a:cs typeface="+mj-cs"/>
-              </a:rPr>
-              <a:t>Visualize</a:t>
-            </a:r>
-            <a:br>
-              <a:rPr lang="en-US" sz="2400" dirty="0">
-                <a:solidFill>
-                  <a:schemeClr val="bg1"/>
-                </a:solidFill>
-                <a:ea typeface="+mj-ea"/>
-                <a:cs typeface="+mj-cs"/>
-              </a:rPr>
-            </a:br>
-            <a:r>
-              <a:rPr lang="en-US" sz="2400" dirty="0">
-                <a:solidFill>
-                  <a:schemeClr val="bg1"/>
-                </a:solidFill>
-                <a:ea typeface="+mj-ea"/>
-                <a:cs typeface="+mj-cs"/>
-              </a:rPr>
-              <a:t>Summarize</a:t>
-            </a:r>
-            <a:endParaRPr lang="en-US" sz="2400" kern="1200" dirty="0">
-              <a:solidFill>
-                <a:schemeClr val="bg1"/>
-              </a:solidFill>
-              <a:latin typeface="+mj-lt"/>
-              <a:ea typeface="+mj-ea"/>
-              <a:cs typeface="+mj-cs"/>
-            </a:endParaRPr>
-          </a:p>
-        </p:txBody>
-      </p:sp>
-      <p:pic>
-        <p:nvPicPr>
-          <p:cNvPr id="8" name="Picture 7">
-            <a:extLst>
-              <a:ext uri="{FF2B5EF4-FFF2-40B4-BE49-F238E27FC236}">
-                <a16:creationId xmlns:a16="http://schemas.microsoft.com/office/drawing/2014/main" id="{521D4292-9ECC-4DA5-8CC0-C561A0DA118E}"/>
-              </a:ext>
-            </a:extLst>
-          </p:cNvPr>
-          <p:cNvPicPr>
-            <a:picLocks noChangeAspect="1"/>
-          </p:cNvPicPr>
-          <p:nvPr/>
-        </p:nvPicPr>
-        <p:blipFill rotWithShape="1">
-          <a:blip r:embed="rId3"/>
-          <a:srcRect l="8000" r="9400"/>
-          <a:stretch/>
-        </p:blipFill>
-        <p:spPr>
-          <a:xfrm>
-            <a:off x="660103" y="3048000"/>
-            <a:ext cx="2167974" cy="2624666"/>
-          </a:xfrm>
-          <a:prstGeom prst="rect">
-            <a:avLst/>
-          </a:prstGeom>
-          <a:noFill/>
-        </p:spPr>
-      </p:pic>
-      <p:sp>
-        <p:nvSpPr>
-          <p:cNvPr id="6" name="TextBox 5">
-            <a:extLst>
-              <a:ext uri="{FF2B5EF4-FFF2-40B4-BE49-F238E27FC236}">
-                <a16:creationId xmlns:a16="http://schemas.microsoft.com/office/drawing/2014/main" id="{69E99881-16E9-4B85-86C1-D7DDED41197F}"/>
-              </a:ext>
-            </a:extLst>
-          </p:cNvPr>
-          <p:cNvSpPr txBox="1"/>
-          <p:nvPr/>
-        </p:nvSpPr>
-        <p:spPr>
-          <a:xfrm>
-            <a:off x="3810000" y="643467"/>
-            <a:ext cx="5257800" cy="461665"/>
-          </a:xfrm>
-          <a:prstGeom prst="rect">
-            <a:avLst/>
-          </a:prstGeom>
-          <a:noFill/>
-        </p:spPr>
-        <p:txBody>
-          <a:bodyPr wrap="square" rtlCol="0">
-            <a:spAutoFit/>
-          </a:bodyPr>
-          <a:lstStyle/>
-          <a:p>
-            <a:pPr marL="342900" marR="0" lvl="0" indent="-342900" algn="l" defTabSz="457200" rtl="0" eaLnBrk="1" fontAlgn="base" latinLnBrk="0" hangingPunct="1">
-              <a:lnSpc>
-                <a:spcPct val="100000"/>
-              </a:lnSpc>
-              <a:spcBef>
-                <a:spcPct val="0"/>
-              </a:spcBef>
-              <a:spcAft>
-                <a:spcPct val="0"/>
-              </a:spcAft>
-              <a:buClrTx/>
-              <a:buSzTx/>
-              <a:buFont typeface="Arial" panose="020B0604020202020204" pitchFamily="34" charset="0"/>
-              <a:buChar char="•"/>
-              <a:tabLst/>
-              <a:defRPr/>
-            </a:pPr>
-            <a:r>
-              <a:rPr lang="en-US" dirty="0">
-                <a:solidFill>
-                  <a:srgbClr val="404040"/>
-                </a:solidFill>
-              </a:rPr>
-              <a:t>Categorical and Numeric</a:t>
-            </a:r>
-          </a:p>
-        </p:txBody>
-      </p:sp>
-      <p:pic>
-        <p:nvPicPr>
           <p:cNvPr id="4" name="Picture 3">
             <a:extLst>
               <a:ext uri="{FF2B5EF4-FFF2-40B4-BE49-F238E27FC236}">
@@ -12044,7 +14219,7 @@
           <p:nvPr/>
         </p:nvPicPr>
         <p:blipFill>
-          <a:blip r:embed="rId4"/>
+          <a:blip r:embed="rId5"/>
           <a:stretch>
             <a:fillRect/>
           </a:stretch>
@@ -12094,7 +14269,7 @@
 </p:sld>
 </file>
 
-<file path=ppt/slides/slide18.xml><?xml version="1.0" encoding="utf-8"?>
+<file path=ppt/slides/slide17.xml><?xml version="1.0" encoding="utf-8"?>
 <p:sld xmlns:a="http://schemas.openxmlformats.org/drawingml/2006/main" xmlns:r="http://schemas.openxmlformats.org/officeDocument/2006/relationships" xmlns:p="http://schemas.openxmlformats.org/presentationml/2006/main">
   <p:cSld>
     <p:bg>
@@ -12302,7 +14477,7 @@
           <p:nvPr/>
         </p:nvPicPr>
         <p:blipFill rotWithShape="1">
-          <a:blip r:embed="rId3"/>
+          <a:blip r:embed="rId4"/>
           <a:srcRect l="8000" r="9400"/>
           <a:stretch/>
         </p:blipFill>
@@ -12388,7 +14563,7 @@
           <p:nvPr/>
         </p:nvPicPr>
         <p:blipFill>
-          <a:blip r:embed="rId4"/>
+          <a:blip r:embed="rId5"/>
           <a:stretch>
             <a:fillRect/>
           </a:stretch>
@@ -12437,7 +14612,7 @@
           <p:nvPr/>
         </p:nvPicPr>
         <p:blipFill>
-          <a:blip r:embed="rId5"/>
+          <a:blip r:embed="rId6"/>
           <a:stretch>
             <a:fillRect/>
           </a:stretch>
@@ -12487,7 +14662,7 @@
 </p:sld>
 </file>
 
-<file path=ppt/slides/slide19.xml><?xml version="1.0" encoding="utf-8"?>
+<file path=ppt/slides/slide18.xml><?xml version="1.0" encoding="utf-8"?>
 <p:sld xmlns:a="http://schemas.openxmlformats.org/drawingml/2006/main" xmlns:r="http://schemas.openxmlformats.org/officeDocument/2006/relationships" xmlns:p="http://schemas.openxmlformats.org/presentationml/2006/main">
   <p:cSld>
     <p:bg>
@@ -12695,7 +14870,7 @@
           <p:nvPr/>
         </p:nvPicPr>
         <p:blipFill rotWithShape="1">
-          <a:blip r:embed="rId3"/>
+          <a:blip r:embed="rId4"/>
           <a:srcRect l="8000" r="9400"/>
           <a:stretch/>
         </p:blipFill>
@@ -12781,7 +14956,7 @@
           <p:nvPr/>
         </p:nvPicPr>
         <p:blipFill>
-          <a:blip r:embed="rId4"/>
+          <a:blip r:embed="rId5"/>
           <a:stretch>
             <a:fillRect/>
           </a:stretch>
@@ -12831,7 +15006,7 @@
 </p:sld>
 </file>
 
-<file path=ppt/slides/slide2.xml><?xml version="1.0" encoding="utf-8"?>
+<file path=ppt/slides/slide19.xml><?xml version="1.0" encoding="utf-8"?>
 <p:sld xmlns:a="http://schemas.openxmlformats.org/drawingml/2006/main" xmlns:r="http://schemas.openxmlformats.org/officeDocument/2006/relationships" xmlns:p="http://schemas.openxmlformats.org/presentationml/2006/main">
   <p:cSld>
     <p:bg>
@@ -12858,520 +15033,6 @@
           <a:chExt cx="0" cy="0"/>
         </a:xfrm>
       </p:grpSpPr>
-      <p:sp>
-        <p:nvSpPr>
-          <p:cNvPr id="7" name="TextBox 6">
-            <a:extLst>
-              <a:ext uri="{FF2B5EF4-FFF2-40B4-BE49-F238E27FC236}">
-                <a16:creationId xmlns:a16="http://schemas.microsoft.com/office/drawing/2014/main" id="{C109A012-7651-4985-AA1B-FD88922E9EE4}"/>
-              </a:ext>
-            </a:extLst>
-          </p:cNvPr>
-          <p:cNvSpPr txBox="1"/>
-          <p:nvPr/>
-        </p:nvSpPr>
-        <p:spPr>
-          <a:xfrm>
-            <a:off x="4129278" y="548634"/>
-            <a:ext cx="4953000" cy="6001643"/>
-          </a:xfrm>
-          <a:prstGeom prst="rect">
-            <a:avLst/>
-          </a:prstGeom>
-          <a:noFill/>
-        </p:spPr>
-        <p:txBody>
-          <a:bodyPr wrap="square" rtlCol="0">
-            <a:spAutoFit/>
-          </a:bodyPr>
-          <a:lstStyle/>
-          <a:p>
-            <a:pPr marL="342900" marR="0" lvl="0" indent="-342900" algn="l" defTabSz="457200" rtl="0" eaLnBrk="1" fontAlgn="base" latinLnBrk="0" hangingPunct="1">
-              <a:lnSpc>
-                <a:spcPct val="100000"/>
-              </a:lnSpc>
-              <a:spcBef>
-                <a:spcPct val="0"/>
-              </a:spcBef>
-              <a:spcAft>
-                <a:spcPct val="0"/>
-              </a:spcAft>
-              <a:buClrTx/>
-              <a:buSzTx/>
-              <a:buFont typeface="Arial" panose="020B0604020202020204" pitchFamily="34" charset="0"/>
-              <a:buChar char="•"/>
-              <a:tabLst/>
-              <a:defRPr/>
-            </a:pPr>
-            <a:endParaRPr lang="en-US" dirty="0">
-              <a:solidFill>
-                <a:srgbClr val="404040"/>
-              </a:solidFill>
-            </a:endParaRPr>
-          </a:p>
-          <a:p>
-            <a:pPr marL="342900" marR="0" lvl="0" indent="-342900" algn="l" defTabSz="457200" rtl="0" eaLnBrk="1" fontAlgn="base" latinLnBrk="0" hangingPunct="1">
-              <a:lnSpc>
-                <a:spcPct val="100000"/>
-              </a:lnSpc>
-              <a:spcBef>
-                <a:spcPct val="0"/>
-              </a:spcBef>
-              <a:spcAft>
-                <a:spcPct val="0"/>
-              </a:spcAft>
-              <a:buClrTx/>
-              <a:buSzTx/>
-              <a:buFont typeface="Arial" panose="020B0604020202020204" pitchFamily="34" charset="0"/>
-              <a:buChar char="•"/>
-              <a:tabLst/>
-              <a:defRPr/>
-            </a:pPr>
-            <a:r>
-              <a:rPr lang="en-US" dirty="0">
-                <a:solidFill>
-                  <a:srgbClr val="404040"/>
-                </a:solidFill>
-              </a:rPr>
-              <a:t>Tenderly Read Chapter 5</a:t>
-            </a:r>
-          </a:p>
-          <a:p>
-            <a:pPr marR="0" lvl="0" algn="l" defTabSz="457200" rtl="0" eaLnBrk="1" fontAlgn="base" latinLnBrk="0" hangingPunct="1">
-              <a:lnSpc>
-                <a:spcPct val="100000"/>
-              </a:lnSpc>
-              <a:spcBef>
-                <a:spcPct val="0"/>
-              </a:spcBef>
-              <a:spcAft>
-                <a:spcPct val="0"/>
-              </a:spcAft>
-              <a:buClrTx/>
-              <a:buSzTx/>
-              <a:tabLst/>
-              <a:defRPr/>
-            </a:pPr>
-            <a:endParaRPr lang="en-US" dirty="0">
-              <a:solidFill>
-                <a:srgbClr val="404040"/>
-              </a:solidFill>
-            </a:endParaRPr>
-          </a:p>
-          <a:p>
-            <a:pPr marL="342900" marR="0" lvl="0" indent="-342900" algn="l" defTabSz="457200" rtl="0" eaLnBrk="1" fontAlgn="base" latinLnBrk="0" hangingPunct="1">
-              <a:lnSpc>
-                <a:spcPct val="100000"/>
-              </a:lnSpc>
-              <a:spcBef>
-                <a:spcPct val="0"/>
-              </a:spcBef>
-              <a:spcAft>
-                <a:spcPct val="0"/>
-              </a:spcAft>
-              <a:buClrTx/>
-              <a:buSzTx/>
-              <a:buFont typeface="Arial" panose="020B0604020202020204" pitchFamily="34" charset="0"/>
-              <a:buChar char="•"/>
-              <a:tabLst/>
-              <a:defRPr/>
-            </a:pPr>
-            <a:r>
-              <a:rPr lang="en-US" dirty="0">
-                <a:solidFill>
-                  <a:srgbClr val="404040"/>
-                </a:solidFill>
-              </a:rPr>
-              <a:t>Know the Process</a:t>
-            </a:r>
-          </a:p>
-          <a:p>
-            <a:pPr marL="342900" marR="0" lvl="0" indent="-342900" algn="l" defTabSz="457200" rtl="0" eaLnBrk="1" fontAlgn="base" latinLnBrk="0" hangingPunct="1">
-              <a:lnSpc>
-                <a:spcPct val="100000"/>
-              </a:lnSpc>
-              <a:spcBef>
-                <a:spcPct val="0"/>
-              </a:spcBef>
-              <a:spcAft>
-                <a:spcPct val="0"/>
-              </a:spcAft>
-              <a:buClrTx/>
-              <a:buSzTx/>
-              <a:buFont typeface="Arial" panose="020B0604020202020204" pitchFamily="34" charset="0"/>
-              <a:buChar char="•"/>
-              <a:tabLst/>
-              <a:defRPr/>
-            </a:pPr>
-            <a:endParaRPr kumimoji="0" lang="en-US" sz="2400" b="0" i="0" u="none" strike="noStrike" kern="1200" cap="none" spc="0" normalizeH="0" baseline="0" noProof="0" dirty="0">
-              <a:ln>
-                <a:noFill/>
-              </a:ln>
-              <a:solidFill>
-                <a:srgbClr val="404040"/>
-              </a:solidFill>
-              <a:effectLst/>
-              <a:uLnTx/>
-              <a:uFillTx/>
-              <a:latin typeface="Arial" charset="0"/>
-              <a:ea typeface="ＭＳ Ｐゴシック" charset="-128"/>
-            </a:endParaRPr>
-          </a:p>
-          <a:p>
-            <a:pPr marL="342900" marR="0" lvl="0" indent="-342900" algn="l" defTabSz="457200" rtl="0" eaLnBrk="1" fontAlgn="base" latinLnBrk="0" hangingPunct="1">
-              <a:lnSpc>
-                <a:spcPct val="100000"/>
-              </a:lnSpc>
-              <a:spcBef>
-                <a:spcPct val="0"/>
-              </a:spcBef>
-              <a:spcAft>
-                <a:spcPct val="0"/>
-              </a:spcAft>
-              <a:buClrTx/>
-              <a:buSzTx/>
-              <a:buFont typeface="Arial" panose="020B0604020202020204" pitchFamily="34" charset="0"/>
-              <a:buChar char="•"/>
-              <a:tabLst/>
-              <a:defRPr/>
-            </a:pPr>
-            <a:endParaRPr lang="en-US" dirty="0">
-              <a:solidFill>
-                <a:srgbClr val="404040"/>
-              </a:solidFill>
-            </a:endParaRPr>
-          </a:p>
-          <a:p>
-            <a:pPr marL="342900" marR="0" lvl="0" indent="-342900" algn="l" defTabSz="457200" rtl="0" eaLnBrk="1" fontAlgn="base" latinLnBrk="0" hangingPunct="1">
-              <a:lnSpc>
-                <a:spcPct val="100000"/>
-              </a:lnSpc>
-              <a:spcBef>
-                <a:spcPct val="0"/>
-              </a:spcBef>
-              <a:spcAft>
-                <a:spcPct val="0"/>
-              </a:spcAft>
-              <a:buClrTx/>
-              <a:buSzTx/>
-              <a:buFont typeface="Arial" panose="020B0604020202020204" pitchFamily="34" charset="0"/>
-              <a:buChar char="•"/>
-              <a:tabLst/>
-              <a:defRPr/>
-            </a:pPr>
-            <a:endParaRPr kumimoji="0" lang="en-US" sz="2400" b="0" i="0" u="none" strike="noStrike" kern="1200" cap="none" spc="0" normalizeH="0" baseline="0" noProof="0" dirty="0">
-              <a:ln>
-                <a:noFill/>
-              </a:ln>
-              <a:solidFill>
-                <a:srgbClr val="404040"/>
-              </a:solidFill>
-              <a:effectLst/>
-              <a:uLnTx/>
-              <a:uFillTx/>
-              <a:latin typeface="Arial" charset="0"/>
-              <a:ea typeface="ＭＳ Ｐゴシック" charset="-128"/>
-            </a:endParaRPr>
-          </a:p>
-          <a:p>
-            <a:pPr marL="342900" marR="0" lvl="0" indent="-342900" algn="l" defTabSz="457200" rtl="0" eaLnBrk="1" fontAlgn="base" latinLnBrk="0" hangingPunct="1">
-              <a:lnSpc>
-                <a:spcPct val="100000"/>
-              </a:lnSpc>
-              <a:spcBef>
-                <a:spcPct val="0"/>
-              </a:spcBef>
-              <a:spcAft>
-                <a:spcPct val="0"/>
-              </a:spcAft>
-              <a:buClrTx/>
-              <a:buSzTx/>
-              <a:buFont typeface="Arial" panose="020B0604020202020204" pitchFamily="34" charset="0"/>
-              <a:buChar char="•"/>
-              <a:tabLst/>
-              <a:defRPr/>
-            </a:pPr>
-            <a:endParaRPr lang="en-US" dirty="0">
-              <a:solidFill>
-                <a:srgbClr val="404040"/>
-              </a:solidFill>
-            </a:endParaRPr>
-          </a:p>
-          <a:p>
-            <a:pPr marR="0" lvl="0" algn="l" defTabSz="457200" rtl="0" eaLnBrk="1" fontAlgn="base" latinLnBrk="0" hangingPunct="1">
-              <a:lnSpc>
-                <a:spcPct val="100000"/>
-              </a:lnSpc>
-              <a:spcBef>
-                <a:spcPct val="0"/>
-              </a:spcBef>
-              <a:spcAft>
-                <a:spcPct val="0"/>
-              </a:spcAft>
-              <a:buClrTx/>
-              <a:buSzTx/>
-              <a:tabLst/>
-              <a:defRPr/>
-            </a:pPr>
-            <a:endParaRPr kumimoji="0" lang="en-US" sz="2400" b="0" i="0" u="none" strike="noStrike" kern="1200" cap="none" spc="0" normalizeH="0" baseline="0" noProof="0" dirty="0">
-              <a:ln>
-                <a:noFill/>
-              </a:ln>
-              <a:solidFill>
-                <a:srgbClr val="404040"/>
-              </a:solidFill>
-              <a:effectLst/>
-              <a:uLnTx/>
-              <a:uFillTx/>
-              <a:latin typeface="Arial" charset="0"/>
-              <a:ea typeface="ＭＳ Ｐゴシック" charset="-128"/>
-            </a:endParaRPr>
-          </a:p>
-          <a:p>
-            <a:pPr marL="342900" marR="0" lvl="0" indent="-342900" algn="l" defTabSz="457200" rtl="0" eaLnBrk="1" fontAlgn="base" latinLnBrk="0" hangingPunct="1">
-              <a:lnSpc>
-                <a:spcPct val="100000"/>
-              </a:lnSpc>
-              <a:spcBef>
-                <a:spcPct val="0"/>
-              </a:spcBef>
-              <a:spcAft>
-                <a:spcPct val="0"/>
-              </a:spcAft>
-              <a:buClrTx/>
-              <a:buSzTx/>
-              <a:buFont typeface="Arial" panose="020B0604020202020204" pitchFamily="34" charset="0"/>
-              <a:buChar char="•"/>
-              <a:tabLst/>
-              <a:defRPr/>
-            </a:pPr>
-            <a:endParaRPr lang="en-US" dirty="0">
-              <a:solidFill>
-                <a:srgbClr val="404040"/>
-              </a:solidFill>
-            </a:endParaRPr>
-          </a:p>
-          <a:p>
-            <a:pPr marL="342900" marR="0" lvl="0" indent="-342900" algn="l" defTabSz="457200" rtl="0" eaLnBrk="1" fontAlgn="base" latinLnBrk="0" hangingPunct="1">
-              <a:lnSpc>
-                <a:spcPct val="100000"/>
-              </a:lnSpc>
-              <a:spcBef>
-                <a:spcPct val="0"/>
-              </a:spcBef>
-              <a:spcAft>
-                <a:spcPct val="0"/>
-              </a:spcAft>
-              <a:buClrTx/>
-              <a:buSzTx/>
-              <a:buFont typeface="Arial" panose="020B0604020202020204" pitchFamily="34" charset="0"/>
-              <a:buChar char="•"/>
-              <a:tabLst/>
-              <a:defRPr/>
-            </a:pPr>
-            <a:endParaRPr kumimoji="0" lang="en-US" sz="2400" b="0" i="0" u="none" strike="noStrike" kern="1200" cap="none" spc="0" normalizeH="0" baseline="0" noProof="0" dirty="0">
-              <a:ln>
-                <a:noFill/>
-              </a:ln>
-              <a:solidFill>
-                <a:srgbClr val="404040"/>
-              </a:solidFill>
-              <a:effectLst/>
-              <a:uLnTx/>
-              <a:uFillTx/>
-              <a:latin typeface="Arial" charset="0"/>
-              <a:ea typeface="ＭＳ Ｐゴシック" charset="-128"/>
-            </a:endParaRPr>
-          </a:p>
-          <a:p>
-            <a:pPr marL="342900" marR="0" lvl="0" indent="-342900" algn="l" defTabSz="457200" rtl="0" eaLnBrk="1" fontAlgn="base" latinLnBrk="0" hangingPunct="1">
-              <a:lnSpc>
-                <a:spcPct val="100000"/>
-              </a:lnSpc>
-              <a:spcBef>
-                <a:spcPct val="0"/>
-              </a:spcBef>
-              <a:spcAft>
-                <a:spcPct val="0"/>
-              </a:spcAft>
-              <a:buClrTx/>
-              <a:buSzTx/>
-              <a:buFont typeface="Arial" panose="020B0604020202020204" pitchFamily="34" charset="0"/>
-              <a:buChar char="•"/>
-              <a:tabLst/>
-              <a:defRPr/>
-            </a:pPr>
-            <a:endParaRPr lang="en-US" dirty="0">
-              <a:solidFill>
-                <a:srgbClr val="404040"/>
-              </a:solidFill>
-            </a:endParaRPr>
-          </a:p>
-          <a:p>
-            <a:pPr marL="342900" marR="0" lvl="0" indent="-342900" algn="l" defTabSz="457200" rtl="0" eaLnBrk="1" fontAlgn="base" latinLnBrk="0" hangingPunct="1">
-              <a:lnSpc>
-                <a:spcPct val="100000"/>
-              </a:lnSpc>
-              <a:spcBef>
-                <a:spcPct val="0"/>
-              </a:spcBef>
-              <a:spcAft>
-                <a:spcPct val="0"/>
-              </a:spcAft>
-              <a:buClrTx/>
-              <a:buSzTx/>
-              <a:buFont typeface="Arial" panose="020B0604020202020204" pitchFamily="34" charset="0"/>
-              <a:buChar char="•"/>
-              <a:tabLst/>
-              <a:defRPr/>
-            </a:pPr>
-            <a:endParaRPr kumimoji="0" lang="en-US" sz="2400" b="0" i="0" u="none" strike="noStrike" kern="1200" cap="none" spc="0" normalizeH="0" baseline="0" noProof="0" dirty="0">
-              <a:ln>
-                <a:noFill/>
-              </a:ln>
-              <a:solidFill>
-                <a:srgbClr val="404040"/>
-              </a:solidFill>
-              <a:effectLst/>
-              <a:uLnTx/>
-              <a:uFillTx/>
-              <a:latin typeface="Arial" charset="0"/>
-              <a:ea typeface="ＭＳ Ｐゴシック" charset="-128"/>
-            </a:endParaRPr>
-          </a:p>
-          <a:p>
-            <a:pPr marR="0" lvl="0" algn="l" defTabSz="457200" rtl="0" eaLnBrk="1" fontAlgn="base" latinLnBrk="0" hangingPunct="1">
-              <a:lnSpc>
-                <a:spcPct val="100000"/>
-              </a:lnSpc>
-              <a:spcBef>
-                <a:spcPct val="0"/>
-              </a:spcBef>
-              <a:spcAft>
-                <a:spcPct val="0"/>
-              </a:spcAft>
-              <a:buClrTx/>
-              <a:buSzTx/>
-              <a:tabLst/>
-              <a:defRPr/>
-            </a:pPr>
-            <a:endParaRPr lang="en-US" dirty="0">
-              <a:solidFill>
-                <a:srgbClr val="404040"/>
-              </a:solidFill>
-            </a:endParaRPr>
-          </a:p>
-          <a:p>
-            <a:pPr marR="0" lvl="0" algn="l" defTabSz="457200" rtl="0" eaLnBrk="1" fontAlgn="base" latinLnBrk="0" hangingPunct="1">
-              <a:lnSpc>
-                <a:spcPct val="100000"/>
-              </a:lnSpc>
-              <a:spcBef>
-                <a:spcPct val="0"/>
-              </a:spcBef>
-              <a:spcAft>
-                <a:spcPct val="0"/>
-              </a:spcAft>
-              <a:buClrTx/>
-              <a:buSzTx/>
-              <a:tabLst/>
-              <a:defRPr/>
-            </a:pPr>
-            <a:endParaRPr lang="en-US" dirty="0">
-              <a:solidFill>
-                <a:srgbClr val="404040"/>
-              </a:solidFill>
-            </a:endParaRPr>
-          </a:p>
-          <a:p>
-            <a:pPr marL="342900" marR="0" lvl="0" indent="-342900" algn="l" defTabSz="457200" rtl="0" eaLnBrk="1" fontAlgn="base" latinLnBrk="0" hangingPunct="1">
-              <a:lnSpc>
-                <a:spcPct val="100000"/>
-              </a:lnSpc>
-              <a:spcBef>
-                <a:spcPct val="0"/>
-              </a:spcBef>
-              <a:spcAft>
-                <a:spcPct val="0"/>
-              </a:spcAft>
-              <a:buClrTx/>
-              <a:buSzTx/>
-              <a:buFont typeface="Arial" panose="020B0604020202020204" pitchFamily="34" charset="0"/>
-              <a:buChar char="•"/>
-              <a:tabLst/>
-              <a:defRPr/>
-            </a:pPr>
-            <a:r>
-              <a:rPr kumimoji="0" lang="en-US" sz="2400" b="0" i="0" u="none" strike="noStrike" kern="1200" cap="none" spc="0" normalizeH="0" baseline="0" noProof="0" dirty="0">
-                <a:ln>
-                  <a:noFill/>
-                </a:ln>
-                <a:solidFill>
-                  <a:srgbClr val="404040"/>
-                </a:solidFill>
-                <a:effectLst/>
-                <a:uLnTx/>
-                <a:uFillTx/>
-                <a:latin typeface="Arial" charset="0"/>
-                <a:ea typeface="ＭＳ Ｐゴシック" charset="-128"/>
-              </a:rPr>
-              <a:t>Respect the Process</a:t>
-            </a:r>
-          </a:p>
-        </p:txBody>
-      </p:sp>
-      <p:sp>
-        <p:nvSpPr>
-          <p:cNvPr id="24" name="Arrow: Right 23">
-            <a:extLst>
-              <a:ext uri="{FF2B5EF4-FFF2-40B4-BE49-F238E27FC236}">
-                <a16:creationId xmlns:a16="http://schemas.microsoft.com/office/drawing/2014/main" id="{5230E8AD-8F76-43F6-9DA5-66E3A07E28BE}"/>
-              </a:ext>
-            </a:extLst>
-          </p:cNvPr>
-          <p:cNvSpPr/>
-          <p:nvPr/>
-        </p:nvSpPr>
-        <p:spPr>
-          <a:xfrm rot="5400000">
-            <a:off x="5985160" y="4950223"/>
-            <a:ext cx="297878" cy="425896"/>
-          </a:xfrm>
-          <a:prstGeom prst="rightArrow">
-            <a:avLst/>
-          </a:prstGeom>
-          <a:solidFill>
-            <a:srgbClr val="404040"/>
-          </a:solidFill>
-          <a:ln>
-            <a:solidFill>
-              <a:srgbClr val="404040"/>
-            </a:solidFill>
-          </a:ln>
-        </p:spPr>
-        <p:style>
-          <a:lnRef idx="2">
-            <a:schemeClr val="dk1"/>
-          </a:lnRef>
-          <a:fillRef idx="1">
-            <a:schemeClr val="lt1"/>
-          </a:fillRef>
-          <a:effectRef idx="0">
-            <a:schemeClr val="dk1"/>
-          </a:effectRef>
-          <a:fontRef idx="minor">
-            <a:schemeClr val="dk1"/>
-          </a:fontRef>
-        </p:style>
-        <p:txBody>
-          <a:bodyPr rtlCol="0" anchor="ctr"/>
-          <a:lstStyle/>
-          <a:p>
-            <a:pPr algn="ctr"/>
-            <a:endParaRPr lang="en-US"/>
-          </a:p>
-        </p:txBody>
-      </p:sp>
       <p:sp>
         <p:nvSpPr>
           <p:cNvPr id="15" name="Rectangle 12">
@@ -13499,16 +15160,42 @@
               </a:lnSpc>
             </a:pPr>
             <a:r>
-              <a:rPr lang="en-US" sz="2400" kern="1200" dirty="0">
+              <a:rPr lang="en-US" sz="2400" dirty="0">
                 <a:solidFill>
                   <a:schemeClr val="bg1"/>
                 </a:solidFill>
-                <a:latin typeface="+mj-lt"/>
                 <a:ea typeface="+mj-ea"/>
                 <a:cs typeface="+mj-cs"/>
               </a:rPr>
-              <a:t>EDA Defined</a:t>
-            </a:r>
+              <a:t>Visualize</a:t>
+            </a:r>
+            <a:br>
+              <a:rPr lang="en-US" sz="2400" dirty="0">
+                <a:solidFill>
+                  <a:schemeClr val="bg1"/>
+                </a:solidFill>
+                <a:ea typeface="+mj-ea"/>
+                <a:cs typeface="+mj-cs"/>
+              </a:rPr>
+            </a:br>
+            <a:r>
+              <a:rPr lang="en-US" sz="2400" dirty="0">
+                <a:solidFill>
+                  <a:schemeClr val="bg1"/>
+                </a:solidFill>
+                <a:ea typeface="+mj-ea"/>
+                <a:cs typeface="+mj-cs"/>
+              </a:rPr>
+              <a:t>Summarize</a:t>
+            </a:r>
+            <a:endParaRPr lang="en-US" sz="2400" kern="1200" dirty="0">
+              <a:solidFill>
+                <a:schemeClr val="bg1"/>
+              </a:solidFill>
+              <a:latin typeface="+mj-lt"/>
+              <a:ea typeface="+mj-ea"/>
+              <a:cs typeface="+mj-cs"/>
+            </a:endParaRPr>
           </a:p>
         </p:txBody>
       </p:sp>
@@ -13527,7 +15214,7 @@
           <p:nvPr/>
         </p:nvPicPr>
         <p:blipFill rotWithShape="1">
-          <a:blip r:embed="rId3"/>
+          <a:blip r:embed="rId4"/>
           <a:srcRect l="8000" r="9400"/>
           <a:stretch/>
         </p:blipFill>
@@ -13544,10 +15231,10 @@
       </p:pic>
       <p:sp>
         <p:nvSpPr>
-          <p:cNvPr id="4" name="TextBox 3">
+          <p:cNvPr id="6" name="TextBox 5">
             <a:extLst>
               <a:ext uri="{FF2B5EF4-FFF2-40B4-BE49-F238E27FC236}">
-                <a16:creationId xmlns:a16="http://schemas.microsoft.com/office/drawing/2014/main" id="{9B70DD5F-80AF-47A6-9622-DF0880C2AE63}"/>
+                <a16:creationId xmlns:a16="http://schemas.microsoft.com/office/drawing/2014/main" id="{69E99881-16E9-4B85-86C1-D7DDED41197F}"/>
               </a:ext>
             </a:extLst>
           </p:cNvPr>
@@ -13557,7 +15244,7 @@
         <p:spPr>
           <a:xfrm>
             <a:off x="3810000" y="643467"/>
-            <a:ext cx="4953000" cy="461665"/>
+            <a:ext cx="5257800" cy="461665"/>
           </a:xfrm>
           <a:prstGeom prst="rect">
             <a:avLst/>
@@ -13587,915 +15274,6 @@
               <a:tabLst/>
               <a:defRPr/>
             </a:pPr>
-            <a:endParaRPr kumimoji="0" lang="en-US" sz="2400" b="0" i="0" u="none" strike="noStrike" kern="1200" cap="none" spc="0" normalizeH="0" baseline="0" noProof="0" dirty="0">
-              <a:ln>
-                <a:noFill/>
-              </a:ln>
-              <a:solidFill>
-                <a:srgbClr val="404040"/>
-              </a:solidFill>
-              <a:effectLst/>
-              <a:uLnTx/>
-              <a:uFillTx/>
-              <a:latin typeface="Arial" charset="0"/>
-              <a:ea typeface="ＭＳ Ｐゴシック" charset="-128"/>
-            </a:endParaRPr>
-          </a:p>
-        </p:txBody>
-      </p:sp>
-      <p:sp>
-        <p:nvSpPr>
-          <p:cNvPr id="6" name="TextBox 5">
-            <a:extLst>
-              <a:ext uri="{FF2B5EF4-FFF2-40B4-BE49-F238E27FC236}">
-                <a16:creationId xmlns:a16="http://schemas.microsoft.com/office/drawing/2014/main" id="{E828729A-F29C-423D-B49F-097B379344C5}"/>
-              </a:ext>
-            </a:extLst>
-          </p:cNvPr>
-          <p:cNvSpPr txBox="1"/>
-          <p:nvPr/>
-        </p:nvSpPr>
-        <p:spPr>
-          <a:xfrm>
-            <a:off x="4129278" y="548634"/>
-            <a:ext cx="4953000" cy="461665"/>
-          </a:xfrm>
-          <a:prstGeom prst="rect">
-            <a:avLst/>
-          </a:prstGeom>
-          <a:noFill/>
-        </p:spPr>
-        <p:txBody>
-          <a:bodyPr wrap="square" rtlCol="0">
-            <a:spAutoFit/>
-          </a:bodyPr>
-          <a:lstStyle/>
-          <a:p>
-            <a:pPr marL="342900" marR="0" lvl="0" indent="-342900" algn="l" defTabSz="457200" rtl="0" eaLnBrk="1" fontAlgn="base" latinLnBrk="0" hangingPunct="1">
-              <a:lnSpc>
-                <a:spcPct val="100000"/>
-              </a:lnSpc>
-              <a:spcBef>
-                <a:spcPct val="0"/>
-              </a:spcBef>
-              <a:spcAft>
-                <a:spcPct val="0"/>
-              </a:spcAft>
-              <a:buClrTx/>
-              <a:buSzTx/>
-              <a:buFont typeface="Arial" panose="020B0604020202020204" pitchFamily="34" charset="0"/>
-              <a:buChar char="•"/>
-              <a:tabLst/>
-              <a:defRPr/>
-            </a:pPr>
-            <a:endParaRPr kumimoji="0" lang="en-US" sz="2400" b="0" i="0" u="none" strike="noStrike" kern="1200" cap="none" spc="0" normalizeH="0" baseline="0" noProof="0" dirty="0">
-              <a:ln>
-                <a:noFill/>
-              </a:ln>
-              <a:solidFill>
-                <a:srgbClr val="404040"/>
-              </a:solidFill>
-              <a:effectLst/>
-              <a:uLnTx/>
-              <a:uFillTx/>
-              <a:latin typeface="Arial" charset="0"/>
-              <a:ea typeface="ＭＳ Ｐゴシック" charset="-128"/>
-            </a:endParaRPr>
-          </a:p>
-        </p:txBody>
-      </p:sp>
-      <p:sp>
-        <p:nvSpPr>
-          <p:cNvPr id="11" name="Arrow: Right 10">
-            <a:extLst>
-              <a:ext uri="{FF2B5EF4-FFF2-40B4-BE49-F238E27FC236}">
-                <a16:creationId xmlns:a16="http://schemas.microsoft.com/office/drawing/2014/main" id="{B94772A7-1D05-4306-8931-A8EDDE97EF1C}"/>
-              </a:ext>
-            </a:extLst>
-          </p:cNvPr>
-          <p:cNvSpPr/>
-          <p:nvPr/>
-        </p:nvSpPr>
-        <p:spPr>
-          <a:xfrm>
-            <a:off x="5968786" y="3124482"/>
-            <a:ext cx="508214" cy="312130"/>
-          </a:xfrm>
-          <a:prstGeom prst="rightArrow">
-            <a:avLst/>
-          </a:prstGeom>
-          <a:solidFill>
-            <a:srgbClr val="404040"/>
-          </a:solidFill>
-          <a:ln>
-            <a:solidFill>
-              <a:srgbClr val="404040"/>
-            </a:solidFill>
-          </a:ln>
-        </p:spPr>
-        <p:style>
-          <a:lnRef idx="2">
-            <a:schemeClr val="dk1"/>
-          </a:lnRef>
-          <a:fillRef idx="1">
-            <a:schemeClr val="lt1"/>
-          </a:fillRef>
-          <a:effectRef idx="0">
-            <a:schemeClr val="dk1"/>
-          </a:effectRef>
-          <a:fontRef idx="minor">
-            <a:schemeClr val="dk1"/>
-          </a:fontRef>
-        </p:style>
-        <p:txBody>
-          <a:bodyPr rtlCol="0" anchor="ctr"/>
-          <a:lstStyle/>
-          <a:p>
-            <a:pPr algn="ctr"/>
-            <a:endParaRPr lang="en-US"/>
-          </a:p>
-        </p:txBody>
-      </p:sp>
-      <p:sp>
-        <p:nvSpPr>
-          <p:cNvPr id="10" name="TextBox 9">
-            <a:extLst>
-              <a:ext uri="{FF2B5EF4-FFF2-40B4-BE49-F238E27FC236}">
-                <a16:creationId xmlns:a16="http://schemas.microsoft.com/office/drawing/2014/main" id="{0D62993A-DD69-4D89-B961-1E79B6B2D066}"/>
-              </a:ext>
-            </a:extLst>
-          </p:cNvPr>
-          <p:cNvSpPr txBox="1"/>
-          <p:nvPr/>
-        </p:nvSpPr>
-        <p:spPr>
-          <a:xfrm>
-            <a:off x="5715000" y="2205335"/>
-            <a:ext cx="838200" cy="461665"/>
-          </a:xfrm>
-          <a:prstGeom prst="rect">
-            <a:avLst/>
-          </a:prstGeom>
-          <a:solidFill>
-            <a:srgbClr val="404040"/>
-          </a:solidFill>
-        </p:spPr>
-        <p:style>
-          <a:lnRef idx="3">
-            <a:schemeClr val="lt1"/>
-          </a:lnRef>
-          <a:fillRef idx="1">
-            <a:schemeClr val="dk1"/>
-          </a:fillRef>
-          <a:effectRef idx="1">
-            <a:schemeClr val="dk1"/>
-          </a:effectRef>
-          <a:fontRef idx="minor">
-            <a:schemeClr val="lt1"/>
-          </a:fontRef>
-        </p:style>
-        <p:txBody>
-          <a:bodyPr wrap="square" rtlCol="0">
-            <a:spAutoFit/>
-          </a:bodyPr>
-          <a:lstStyle/>
-          <a:p>
-            <a:pPr algn="ctr"/>
-            <a:r>
-              <a:rPr lang="en-US" dirty="0">
-                <a:solidFill>
-                  <a:schemeClr val="bg1"/>
-                </a:solidFill>
-              </a:rPr>
-              <a:t>Data</a:t>
-            </a:r>
-          </a:p>
-        </p:txBody>
-      </p:sp>
-      <p:sp>
-        <p:nvSpPr>
-          <p:cNvPr id="14" name="TextBox 13">
-            <a:extLst>
-              <a:ext uri="{FF2B5EF4-FFF2-40B4-BE49-F238E27FC236}">
-                <a16:creationId xmlns:a16="http://schemas.microsoft.com/office/drawing/2014/main" id="{6CDDE778-2871-4CD6-A2F3-24F7D09262F5}"/>
-              </a:ext>
-            </a:extLst>
-          </p:cNvPr>
-          <p:cNvSpPr txBox="1"/>
-          <p:nvPr/>
-        </p:nvSpPr>
-        <p:spPr>
-          <a:xfrm>
-            <a:off x="6553200" y="2901874"/>
-            <a:ext cx="1790700" cy="830997"/>
-          </a:xfrm>
-          <a:prstGeom prst="rect">
-            <a:avLst/>
-          </a:prstGeom>
-          <a:solidFill>
-            <a:srgbClr val="404040"/>
-          </a:solidFill>
-        </p:spPr>
-        <p:style>
-          <a:lnRef idx="3">
-            <a:schemeClr val="lt1"/>
-          </a:lnRef>
-          <a:fillRef idx="1">
-            <a:schemeClr val="dk1"/>
-          </a:fillRef>
-          <a:effectRef idx="1">
-            <a:schemeClr val="dk1"/>
-          </a:effectRef>
-          <a:fontRef idx="minor">
-            <a:schemeClr val="lt1"/>
-          </a:fontRef>
-        </p:style>
-        <p:txBody>
-          <a:bodyPr wrap="square" rtlCol="0">
-            <a:spAutoFit/>
-          </a:bodyPr>
-          <a:lstStyle/>
-          <a:p>
-            <a:pPr algn="ctr"/>
-            <a:r>
-              <a:rPr lang="en-US" dirty="0">
-                <a:solidFill>
-                  <a:schemeClr val="bg1"/>
-                </a:solidFill>
-              </a:rPr>
-              <a:t>Visualize Summarize</a:t>
-            </a:r>
-          </a:p>
-        </p:txBody>
-      </p:sp>
-      <p:sp>
-        <p:nvSpPr>
-          <p:cNvPr id="16" name="TextBox 15">
-            <a:extLst>
-              <a:ext uri="{FF2B5EF4-FFF2-40B4-BE49-F238E27FC236}">
-                <a16:creationId xmlns:a16="http://schemas.microsoft.com/office/drawing/2014/main" id="{4D9A7C38-2DC0-4DA9-AF0A-97B393E48E37}"/>
-              </a:ext>
-            </a:extLst>
-          </p:cNvPr>
-          <p:cNvSpPr txBox="1"/>
-          <p:nvPr/>
-        </p:nvSpPr>
-        <p:spPr>
-          <a:xfrm>
-            <a:off x="3924300" y="2900767"/>
-            <a:ext cx="1790700" cy="832104"/>
-          </a:xfrm>
-          <a:prstGeom prst="rect">
-            <a:avLst/>
-          </a:prstGeom>
-          <a:solidFill>
-            <a:srgbClr val="404040"/>
-          </a:solidFill>
-        </p:spPr>
-        <p:style>
-          <a:lnRef idx="3">
-            <a:schemeClr val="lt1"/>
-          </a:lnRef>
-          <a:fillRef idx="1">
-            <a:schemeClr val="dk1"/>
-          </a:fillRef>
-          <a:effectRef idx="1">
-            <a:schemeClr val="dk1"/>
-          </a:effectRef>
-          <a:fontRef idx="minor">
-            <a:schemeClr val="lt1"/>
-          </a:fontRef>
-        </p:style>
-        <p:txBody>
-          <a:bodyPr wrap="square" rtlCol="0" anchor="ctr">
-            <a:spAutoFit/>
-          </a:bodyPr>
-          <a:lstStyle/>
-          <a:p>
-            <a:pPr algn="ctr"/>
-            <a:r>
-              <a:rPr lang="en-US" dirty="0">
-                <a:solidFill>
-                  <a:schemeClr val="bg1"/>
-                </a:solidFill>
-              </a:rPr>
-              <a:t>Question</a:t>
-            </a:r>
-          </a:p>
-        </p:txBody>
-      </p:sp>
-      <p:sp>
-        <p:nvSpPr>
-          <p:cNvPr id="12" name="Arrow: Bent 11">
-            <a:extLst>
-              <a:ext uri="{FF2B5EF4-FFF2-40B4-BE49-F238E27FC236}">
-                <a16:creationId xmlns:a16="http://schemas.microsoft.com/office/drawing/2014/main" id="{28534295-256D-4E22-87AD-09F57304AADB}"/>
-              </a:ext>
-            </a:extLst>
-          </p:cNvPr>
-          <p:cNvSpPr/>
-          <p:nvPr/>
-        </p:nvSpPr>
-        <p:spPr>
-          <a:xfrm rot="16200000" flipH="1">
-            <a:off x="4978165" y="2182402"/>
-            <a:ext cx="368640" cy="876170"/>
-          </a:xfrm>
-          <a:prstGeom prst="bentArrow">
-            <a:avLst/>
-          </a:prstGeom>
-          <a:solidFill>
-            <a:srgbClr val="404040"/>
-          </a:solidFill>
-          <a:ln>
-            <a:solidFill>
-              <a:srgbClr val="404040"/>
-            </a:solidFill>
-          </a:ln>
-        </p:spPr>
-        <p:style>
-          <a:lnRef idx="2">
-            <a:schemeClr val="dk1"/>
-          </a:lnRef>
-          <a:fillRef idx="1">
-            <a:schemeClr val="lt1"/>
-          </a:fillRef>
-          <a:effectRef idx="0">
-            <a:schemeClr val="dk1"/>
-          </a:effectRef>
-          <a:fontRef idx="minor">
-            <a:schemeClr val="dk1"/>
-          </a:fontRef>
-        </p:style>
-        <p:txBody>
-          <a:bodyPr rtlCol="0" anchor="ctr"/>
-          <a:lstStyle/>
-          <a:p>
-            <a:pPr algn="ctr"/>
-            <a:endParaRPr lang="en-US">
-              <a:solidFill>
-                <a:schemeClr val="tx1"/>
-              </a:solidFill>
-            </a:endParaRPr>
-          </a:p>
-        </p:txBody>
-      </p:sp>
-      <p:sp>
-        <p:nvSpPr>
-          <p:cNvPr id="18" name="Arrow: Right 17">
-            <a:extLst>
-              <a:ext uri="{FF2B5EF4-FFF2-40B4-BE49-F238E27FC236}">
-                <a16:creationId xmlns:a16="http://schemas.microsoft.com/office/drawing/2014/main" id="{15FC01B8-E5FF-44C4-BAA1-386B2373D5D8}"/>
-              </a:ext>
-            </a:extLst>
-          </p:cNvPr>
-          <p:cNvSpPr/>
-          <p:nvPr/>
-        </p:nvSpPr>
-        <p:spPr>
-          <a:xfrm rot="10800000">
-            <a:off x="5791200" y="3124479"/>
-            <a:ext cx="508214" cy="312130"/>
-          </a:xfrm>
-          <a:prstGeom prst="rightArrow">
-            <a:avLst/>
-          </a:prstGeom>
-          <a:solidFill>
-            <a:srgbClr val="404040"/>
-          </a:solidFill>
-          <a:ln>
-            <a:solidFill>
-              <a:srgbClr val="404040"/>
-            </a:solidFill>
-          </a:ln>
-        </p:spPr>
-        <p:style>
-          <a:lnRef idx="2">
-            <a:schemeClr val="dk1"/>
-          </a:lnRef>
-          <a:fillRef idx="1">
-            <a:schemeClr val="lt1"/>
-          </a:fillRef>
-          <a:effectRef idx="0">
-            <a:schemeClr val="dk1"/>
-          </a:effectRef>
-          <a:fontRef idx="minor">
-            <a:schemeClr val="dk1"/>
-          </a:fontRef>
-        </p:style>
-        <p:txBody>
-          <a:bodyPr rtlCol="0" anchor="ctr"/>
-          <a:lstStyle/>
-          <a:p>
-            <a:pPr algn="ctr"/>
-            <a:endParaRPr lang="en-US"/>
-          </a:p>
-        </p:txBody>
-      </p:sp>
-      <p:sp>
-        <p:nvSpPr>
-          <p:cNvPr id="19" name="Arrow: Bent 18">
-            <a:extLst>
-              <a:ext uri="{FF2B5EF4-FFF2-40B4-BE49-F238E27FC236}">
-                <a16:creationId xmlns:a16="http://schemas.microsoft.com/office/drawing/2014/main" id="{3949D8AA-764D-42A2-ACF7-E39CAD2E7A84}"/>
-              </a:ext>
-            </a:extLst>
-          </p:cNvPr>
-          <p:cNvSpPr/>
-          <p:nvPr/>
-        </p:nvSpPr>
-        <p:spPr>
-          <a:xfrm rot="5400000">
-            <a:off x="6921395" y="2162032"/>
-            <a:ext cx="368640" cy="876170"/>
-          </a:xfrm>
-          <a:prstGeom prst="bentArrow">
-            <a:avLst/>
-          </a:prstGeom>
-          <a:solidFill>
-            <a:srgbClr val="404040"/>
-          </a:solidFill>
-          <a:ln>
-            <a:solidFill>
-              <a:srgbClr val="404040"/>
-            </a:solidFill>
-          </a:ln>
-        </p:spPr>
-        <p:style>
-          <a:lnRef idx="2">
-            <a:schemeClr val="dk1"/>
-          </a:lnRef>
-          <a:fillRef idx="1">
-            <a:schemeClr val="lt1"/>
-          </a:fillRef>
-          <a:effectRef idx="0">
-            <a:schemeClr val="dk1"/>
-          </a:effectRef>
-          <a:fontRef idx="minor">
-            <a:schemeClr val="dk1"/>
-          </a:fontRef>
-        </p:style>
-        <p:txBody>
-          <a:bodyPr rtlCol="0" anchor="ctr"/>
-          <a:lstStyle/>
-          <a:p>
-            <a:pPr algn="ctr"/>
-            <a:endParaRPr lang="en-US">
-              <a:solidFill>
-                <a:schemeClr val="tx1"/>
-              </a:solidFill>
-            </a:endParaRPr>
-          </a:p>
-        </p:txBody>
-      </p:sp>
-      <p:sp>
-        <p:nvSpPr>
-          <p:cNvPr id="22" name="Arrow: Right 21">
-            <a:extLst>
-              <a:ext uri="{FF2B5EF4-FFF2-40B4-BE49-F238E27FC236}">
-                <a16:creationId xmlns:a16="http://schemas.microsoft.com/office/drawing/2014/main" id="{7E1A448E-894D-4B7E-B4D5-73C1DF144736}"/>
-              </a:ext>
-            </a:extLst>
-          </p:cNvPr>
-          <p:cNvSpPr/>
-          <p:nvPr/>
-        </p:nvSpPr>
-        <p:spPr>
-          <a:xfrm rot="5400000">
-            <a:off x="5640769" y="3637125"/>
-            <a:ext cx="986660" cy="425896"/>
-          </a:xfrm>
-          <a:prstGeom prst="rightArrow">
-            <a:avLst/>
-          </a:prstGeom>
-          <a:solidFill>
-            <a:srgbClr val="404040"/>
-          </a:solidFill>
-          <a:ln>
-            <a:solidFill>
-              <a:srgbClr val="404040"/>
-            </a:solidFill>
-          </a:ln>
-        </p:spPr>
-        <p:style>
-          <a:lnRef idx="2">
-            <a:schemeClr val="dk1"/>
-          </a:lnRef>
-          <a:fillRef idx="1">
-            <a:schemeClr val="lt1"/>
-          </a:fillRef>
-          <a:effectRef idx="0">
-            <a:schemeClr val="dk1"/>
-          </a:effectRef>
-          <a:fontRef idx="minor">
-            <a:schemeClr val="dk1"/>
-          </a:fontRef>
-        </p:style>
-        <p:txBody>
-          <a:bodyPr rtlCol="0" anchor="ctr"/>
-          <a:lstStyle/>
-          <a:p>
-            <a:pPr algn="ctr"/>
-            <a:endParaRPr lang="en-US"/>
-          </a:p>
-        </p:txBody>
-      </p:sp>
-      <p:sp>
-        <p:nvSpPr>
-          <p:cNvPr id="23" name="TextBox 22">
-            <a:extLst>
-              <a:ext uri="{FF2B5EF4-FFF2-40B4-BE49-F238E27FC236}">
-                <a16:creationId xmlns:a16="http://schemas.microsoft.com/office/drawing/2014/main" id="{6D8A4343-3A50-4EF3-BE1D-E43A0F9192A7}"/>
-              </a:ext>
-            </a:extLst>
-          </p:cNvPr>
-          <p:cNvSpPr txBox="1"/>
-          <p:nvPr/>
-        </p:nvSpPr>
-        <p:spPr>
-          <a:xfrm>
-            <a:off x="5595120" y="4449076"/>
-            <a:ext cx="1077961" cy="461665"/>
-          </a:xfrm>
-          <a:prstGeom prst="rect">
-            <a:avLst/>
-          </a:prstGeom>
-          <a:solidFill>
-            <a:srgbClr val="404040"/>
-          </a:solidFill>
-        </p:spPr>
-        <p:style>
-          <a:lnRef idx="3">
-            <a:schemeClr val="lt1"/>
-          </a:lnRef>
-          <a:fillRef idx="1">
-            <a:schemeClr val="dk1"/>
-          </a:fillRef>
-          <a:effectRef idx="1">
-            <a:schemeClr val="dk1"/>
-          </a:effectRef>
-          <a:fontRef idx="minor">
-            <a:schemeClr val="lt1"/>
-          </a:fontRef>
-        </p:style>
-        <p:txBody>
-          <a:bodyPr wrap="square" rtlCol="0">
-            <a:spAutoFit/>
-          </a:bodyPr>
-          <a:lstStyle/>
-          <a:p>
-            <a:pPr algn="ctr"/>
-            <a:r>
-              <a:rPr lang="en-US" dirty="0">
-                <a:solidFill>
-                  <a:schemeClr val="bg1"/>
-                </a:solidFill>
-              </a:rPr>
-              <a:t>Model</a:t>
-            </a:r>
-          </a:p>
-        </p:txBody>
-      </p:sp>
-      <p:sp>
-        <p:nvSpPr>
-          <p:cNvPr id="25" name="TextBox 24">
-            <a:extLst>
-              <a:ext uri="{FF2B5EF4-FFF2-40B4-BE49-F238E27FC236}">
-                <a16:creationId xmlns:a16="http://schemas.microsoft.com/office/drawing/2014/main" id="{9DF86A32-10CA-4F7C-AE6C-D82C5AC822E6}"/>
-              </a:ext>
-            </a:extLst>
-          </p:cNvPr>
-          <p:cNvSpPr txBox="1"/>
-          <p:nvPr/>
-        </p:nvSpPr>
-        <p:spPr>
-          <a:xfrm>
-            <a:off x="5709549" y="5415601"/>
-            <a:ext cx="838200" cy="461665"/>
-          </a:xfrm>
-          <a:prstGeom prst="rect">
-            <a:avLst/>
-          </a:prstGeom>
-          <a:solidFill>
-            <a:srgbClr val="404040"/>
-          </a:solidFill>
-        </p:spPr>
-        <p:style>
-          <a:lnRef idx="3">
-            <a:schemeClr val="lt1"/>
-          </a:lnRef>
-          <a:fillRef idx="1">
-            <a:schemeClr val="dk1"/>
-          </a:fillRef>
-          <a:effectRef idx="1">
-            <a:schemeClr val="dk1"/>
-          </a:effectRef>
-          <a:fontRef idx="minor">
-            <a:schemeClr val="lt1"/>
-          </a:fontRef>
-        </p:style>
-        <p:txBody>
-          <a:bodyPr wrap="square" rtlCol="0">
-            <a:spAutoFit/>
-          </a:bodyPr>
-          <a:lstStyle/>
-          <a:p>
-            <a:pPr algn="ctr"/>
-            <a:r>
-              <a:rPr lang="en-US" dirty="0">
-                <a:solidFill>
-                  <a:schemeClr val="bg1"/>
-                </a:solidFill>
-              </a:rPr>
-              <a:t>Data</a:t>
-            </a:r>
-          </a:p>
-        </p:txBody>
-      </p:sp>
-    </p:spTree>
-    <p:custDataLst>
-      <p:tags r:id="rId1"/>
-    </p:custDataLst>
-    <p:extLst>
-      <p:ext uri="{BB962C8B-B14F-4D97-AF65-F5344CB8AC3E}">
-        <p14:creationId xmlns:p14="http://schemas.microsoft.com/office/powerpoint/2010/main" val="229741462"/>
-      </p:ext>
-    </p:extLst>
-  </p:cSld>
-  <p:clrMapOvr>
-    <a:masterClrMapping/>
-  </p:clrMapOvr>
-</p:sld>
-</file>
-
-<file path=ppt/slides/slide20.xml><?xml version="1.0" encoding="utf-8"?>
-<p:sld xmlns:a="http://schemas.openxmlformats.org/drawingml/2006/main" xmlns:r="http://schemas.openxmlformats.org/officeDocument/2006/relationships" xmlns:p="http://schemas.openxmlformats.org/presentationml/2006/main">
-  <p:cSld>
-    <p:bg>
-      <p:bgPr>
-        <a:solidFill>
-          <a:schemeClr val="bg1">
-            <a:lumMod val="85000"/>
-          </a:schemeClr>
-        </a:solidFill>
-        <a:effectLst/>
-      </p:bgPr>
-    </p:bg>
-    <p:spTree>
-      <p:nvGrpSpPr>
-        <p:cNvPr id="1" name=""/>
-        <p:cNvGrpSpPr/>
-        <p:nvPr/>
-      </p:nvGrpSpPr>
-      <p:grpSpPr>
-        <a:xfrm>
-          <a:off x="0" y="0"/>
-          <a:ext cx="0" cy="0"/>
-          <a:chOff x="0" y="0"/>
-          <a:chExt cx="0" cy="0"/>
-        </a:xfrm>
-      </p:grpSpPr>
-      <p:sp>
-        <p:nvSpPr>
-          <p:cNvPr id="15" name="Rectangle 12">
-            <a:extLst>
-              <a:ext uri="{FF2B5EF4-FFF2-40B4-BE49-F238E27FC236}">
-                <a16:creationId xmlns:a16="http://schemas.microsoft.com/office/drawing/2014/main" id="{867D4867-5BA7-4462-B2F6-A23F4A622AA7}"/>
-              </a:ext>
-              <a:ext uri="{C183D7F6-B498-43B3-948B-1728B52AA6E4}">
-                <adec:decorative xmlns:adec="http://schemas.microsoft.com/office/drawing/2017/decorative" val="1"/>
-              </a:ext>
-            </a:extLst>
-          </p:cNvPr>
-          <p:cNvSpPr>
-            <a:spLocks noGrp="1" noRot="1" noChangeAspect="1" noMove="1" noResize="1" noEditPoints="1" noAdjustHandles="1" noChangeArrowheads="1" noChangeShapeType="1" noTextEdit="1"/>
-          </p:cNvSpPr>
-          <p:nvPr>
-            <p:extLst>
-              <p:ext uri="{386F3935-93C4-4BCD-93E2-E3B085C9AB24}">
-                <p16:designElem xmlns:p16="http://schemas.microsoft.com/office/powerpoint/2015/main" val="1"/>
-              </p:ext>
-            </p:extLst>
-          </p:nvPr>
-        </p:nvSpPr>
-        <p:spPr>
-          <a:xfrm>
-            <a:off x="0" y="0"/>
-            <a:ext cx="3490722" cy="6858000"/>
-          </a:xfrm>
-          <a:prstGeom prst="rect">
-            <a:avLst/>
-          </a:prstGeom>
-          <a:solidFill>
-            <a:schemeClr val="tx1">
-              <a:lumMod val="75000"/>
-              <a:lumOff val="25000"/>
-            </a:schemeClr>
-          </a:solidFill>
-          <a:ln>
-            <a:noFill/>
-          </a:ln>
-        </p:spPr>
-        <p:style>
-          <a:lnRef idx="0">
-            <a:scrgbClr r="0" g="0" b="0"/>
-          </a:lnRef>
-          <a:fillRef idx="0">
-            <a:scrgbClr r="0" g="0" b="0"/>
-          </a:fillRef>
-          <a:effectRef idx="0">
-            <a:scrgbClr r="0" g="0" b="0"/>
-          </a:effectRef>
-          <a:fontRef idx="minor">
-            <a:schemeClr val="lt1"/>
-          </a:fontRef>
-        </p:style>
-        <p:txBody>
-          <a:bodyPr rtlCol="0" anchor="ctr"/>
-          <a:lstStyle/>
-          <a:p>
-            <a:pPr marL="0" marR="0" lvl="0" indent="0" algn="ctr" defTabSz="457200" rtl="0" eaLnBrk="1" fontAlgn="base" latinLnBrk="0" hangingPunct="1">
-              <a:lnSpc>
-                <a:spcPct val="100000"/>
-              </a:lnSpc>
-              <a:spcBef>
-                <a:spcPct val="0"/>
-              </a:spcBef>
-              <a:spcAft>
-                <a:spcPct val="0"/>
-              </a:spcAft>
-              <a:buClrTx/>
-              <a:buSzTx/>
-              <a:buFontTx/>
-              <a:buNone/>
-              <a:tabLst/>
-              <a:defRPr/>
-            </a:pPr>
-            <a:endParaRPr kumimoji="0" lang="en-US" sz="2400" b="0" i="0" u="none" strike="noStrike" kern="1200" cap="none" spc="0" normalizeH="0" baseline="0" noProof="0">
-              <a:ln>
-                <a:noFill/>
-              </a:ln>
-              <a:solidFill>
-                <a:prstClr val="white"/>
-              </a:solidFill>
-              <a:effectLst/>
-              <a:uLnTx/>
-              <a:uFillTx/>
-              <a:latin typeface="Calibri"/>
-              <a:ea typeface="+mn-ea"/>
-              <a:cs typeface="+mn-cs"/>
-            </a:endParaRPr>
-          </a:p>
-        </p:txBody>
-      </p:sp>
-      <p:sp>
-        <p:nvSpPr>
-          <p:cNvPr id="2" name="Title 1"/>
-          <p:cNvSpPr>
-            <a:spLocks noGrp="1"/>
-          </p:cNvSpPr>
-          <p:nvPr>
-            <p:ph type="title"/>
-          </p:nvPr>
-        </p:nvSpPr>
-        <p:spPr>
-          <a:xfrm>
-            <a:off x="482600" y="643467"/>
-            <a:ext cx="2522980" cy="1597315"/>
-          </a:xfrm>
-          <a:noFill/>
-          <a:ln w="19050">
-            <a:solidFill>
-              <a:schemeClr val="bg1"/>
-            </a:solidFill>
-          </a:ln>
-        </p:spPr>
-        <p:txBody>
-          <a:bodyPr vert="horz" wrap="square" lIns="91440" tIns="45720" rIns="91440" bIns="45720" rtlCol="0" anchor="ctr">
-            <a:normAutofit/>
-          </a:bodyPr>
-          <a:lstStyle/>
-          <a:p>
-            <a:pPr defTabSz="914400" eaLnBrk="1" hangingPunct="1">
-              <a:lnSpc>
-                <a:spcPct val="90000"/>
-              </a:lnSpc>
-            </a:pPr>
-            <a:r>
-              <a:rPr lang="en-US" sz="2400" dirty="0">
-                <a:solidFill>
-                  <a:schemeClr val="bg1"/>
-                </a:solidFill>
-                <a:ea typeface="+mj-ea"/>
-                <a:cs typeface="+mj-cs"/>
-              </a:rPr>
-              <a:t>Visualize</a:t>
-            </a:r>
-            <a:br>
-              <a:rPr lang="en-US" sz="2400" dirty="0">
-                <a:solidFill>
-                  <a:schemeClr val="bg1"/>
-                </a:solidFill>
-                <a:ea typeface="+mj-ea"/>
-                <a:cs typeface="+mj-cs"/>
-              </a:rPr>
-            </a:br>
-            <a:r>
-              <a:rPr lang="en-US" sz="2400" dirty="0">
-                <a:solidFill>
-                  <a:schemeClr val="bg1"/>
-                </a:solidFill>
-                <a:ea typeface="+mj-ea"/>
-                <a:cs typeface="+mj-cs"/>
-              </a:rPr>
-              <a:t>Summarize</a:t>
-            </a:r>
-            <a:endParaRPr lang="en-US" sz="2400" kern="1200" dirty="0">
-              <a:solidFill>
-                <a:schemeClr val="bg1"/>
-              </a:solidFill>
-              <a:latin typeface="+mj-lt"/>
-              <a:ea typeface="+mj-ea"/>
-              <a:cs typeface="+mj-cs"/>
-            </a:endParaRPr>
-          </a:p>
-        </p:txBody>
-      </p:sp>
-      <p:pic>
-        <p:nvPicPr>
-          <p:cNvPr id="8" name="Picture 7">
-            <a:extLst>
-              <a:ext uri="{FF2B5EF4-FFF2-40B4-BE49-F238E27FC236}">
-                <a16:creationId xmlns:a16="http://schemas.microsoft.com/office/drawing/2014/main" id="{521D4292-9ECC-4DA5-8CC0-C561A0DA118E}"/>
-              </a:ext>
-            </a:extLst>
-          </p:cNvPr>
-          <p:cNvPicPr>
-            <a:picLocks noChangeAspect="1"/>
-          </p:cNvPicPr>
-          <p:nvPr/>
-        </p:nvPicPr>
-        <p:blipFill rotWithShape="1">
-          <a:blip r:embed="rId3"/>
-          <a:srcRect l="8000" r="9400"/>
-          <a:stretch/>
-        </p:blipFill>
-        <p:spPr>
-          <a:xfrm>
-            <a:off x="660103" y="3048000"/>
-            <a:ext cx="2167974" cy="2624666"/>
-          </a:xfrm>
-          <a:prstGeom prst="rect">
-            <a:avLst/>
-          </a:prstGeom>
-          <a:noFill/>
-        </p:spPr>
-      </p:pic>
-      <p:sp>
-        <p:nvSpPr>
-          <p:cNvPr id="6" name="TextBox 5">
-            <a:extLst>
-              <a:ext uri="{FF2B5EF4-FFF2-40B4-BE49-F238E27FC236}">
-                <a16:creationId xmlns:a16="http://schemas.microsoft.com/office/drawing/2014/main" id="{69E99881-16E9-4B85-86C1-D7DDED41197F}"/>
-              </a:ext>
-            </a:extLst>
-          </p:cNvPr>
-          <p:cNvSpPr txBox="1"/>
-          <p:nvPr/>
-        </p:nvSpPr>
-        <p:spPr>
-          <a:xfrm>
-            <a:off x="3810000" y="643467"/>
-            <a:ext cx="5257800" cy="461665"/>
-          </a:xfrm>
-          <a:prstGeom prst="rect">
-            <a:avLst/>
-          </a:prstGeom>
-          <a:noFill/>
-        </p:spPr>
-        <p:txBody>
-          <a:bodyPr wrap="square" rtlCol="0">
-            <a:spAutoFit/>
-          </a:bodyPr>
-          <a:lstStyle/>
-          <a:p>
-            <a:pPr marL="342900" marR="0" lvl="0" indent="-342900" algn="l" defTabSz="457200" rtl="0" eaLnBrk="1" fontAlgn="base" latinLnBrk="0" hangingPunct="1">
-              <a:lnSpc>
-                <a:spcPct val="100000"/>
-              </a:lnSpc>
-              <a:spcBef>
-                <a:spcPct val="0"/>
-              </a:spcBef>
-              <a:spcAft>
-                <a:spcPct val="0"/>
-              </a:spcAft>
-              <a:buClrTx/>
-              <a:buSzTx/>
-              <a:buFont typeface="Arial" panose="020B0604020202020204" pitchFamily="34" charset="0"/>
-              <a:buChar char="•"/>
-              <a:tabLst/>
-              <a:defRPr/>
-            </a:pPr>
             <a:r>
               <a:rPr lang="en-US" dirty="0">
                 <a:solidFill>
@@ -14522,7 +15300,7 @@
           <p:nvPr/>
         </p:nvPicPr>
         <p:blipFill>
-          <a:blip r:embed="rId4"/>
+          <a:blip r:embed="rId5"/>
           <a:stretch>
             <a:fillRect/>
           </a:stretch>
@@ -14572,7 +15350,7 @@
 </p:sld>
 </file>
 
-<file path=ppt/slides/slide21.xml><?xml version="1.0" encoding="utf-8"?>
+<file path=ppt/slides/slide2.xml><?xml version="1.0" encoding="utf-8"?>
 <p:sld xmlns:a="http://schemas.openxmlformats.org/drawingml/2006/main" xmlns:r="http://schemas.openxmlformats.org/officeDocument/2006/relationships" xmlns:p="http://schemas.openxmlformats.org/presentationml/2006/main">
   <p:cSld>
     <p:bg>
@@ -14599,6 +15377,520 @@
           <a:chExt cx="0" cy="0"/>
         </a:xfrm>
       </p:grpSpPr>
+      <p:sp>
+        <p:nvSpPr>
+          <p:cNvPr id="7" name="TextBox 6">
+            <a:extLst>
+              <a:ext uri="{FF2B5EF4-FFF2-40B4-BE49-F238E27FC236}">
+                <a16:creationId xmlns:a16="http://schemas.microsoft.com/office/drawing/2014/main" id="{C109A012-7651-4985-AA1B-FD88922E9EE4}"/>
+              </a:ext>
+            </a:extLst>
+          </p:cNvPr>
+          <p:cNvSpPr txBox="1"/>
+          <p:nvPr/>
+        </p:nvSpPr>
+        <p:spPr>
+          <a:xfrm>
+            <a:off x="4129278" y="548634"/>
+            <a:ext cx="4953000" cy="6001643"/>
+          </a:xfrm>
+          <a:prstGeom prst="rect">
+            <a:avLst/>
+          </a:prstGeom>
+          <a:noFill/>
+        </p:spPr>
+        <p:txBody>
+          <a:bodyPr wrap="square" rtlCol="0">
+            <a:spAutoFit/>
+          </a:bodyPr>
+          <a:lstStyle/>
+          <a:p>
+            <a:pPr marL="342900" marR="0" lvl="0" indent="-342900" algn="l" defTabSz="457200" rtl="0" eaLnBrk="1" fontAlgn="base" latinLnBrk="0" hangingPunct="1">
+              <a:lnSpc>
+                <a:spcPct val="100000"/>
+              </a:lnSpc>
+              <a:spcBef>
+                <a:spcPct val="0"/>
+              </a:spcBef>
+              <a:spcAft>
+                <a:spcPct val="0"/>
+              </a:spcAft>
+              <a:buClrTx/>
+              <a:buSzTx/>
+              <a:buFont typeface="Arial" panose="020B0604020202020204" pitchFamily="34" charset="0"/>
+              <a:buChar char="•"/>
+              <a:tabLst/>
+              <a:defRPr/>
+            </a:pPr>
+            <a:endParaRPr lang="en-US" dirty="0">
+              <a:solidFill>
+                <a:srgbClr val="404040"/>
+              </a:solidFill>
+            </a:endParaRPr>
+          </a:p>
+          <a:p>
+            <a:pPr marL="342900" marR="0" lvl="0" indent="-342900" algn="l" defTabSz="457200" rtl="0" eaLnBrk="1" fontAlgn="base" latinLnBrk="0" hangingPunct="1">
+              <a:lnSpc>
+                <a:spcPct val="100000"/>
+              </a:lnSpc>
+              <a:spcBef>
+                <a:spcPct val="0"/>
+              </a:spcBef>
+              <a:spcAft>
+                <a:spcPct val="0"/>
+              </a:spcAft>
+              <a:buClrTx/>
+              <a:buSzTx/>
+              <a:buFont typeface="Arial" panose="020B0604020202020204" pitchFamily="34" charset="0"/>
+              <a:buChar char="•"/>
+              <a:tabLst/>
+              <a:defRPr/>
+            </a:pPr>
+            <a:r>
+              <a:rPr lang="en-US" dirty="0">
+                <a:solidFill>
+                  <a:srgbClr val="404040"/>
+                </a:solidFill>
+              </a:rPr>
+              <a:t>Tenderly Read Chapter 5</a:t>
+            </a:r>
+          </a:p>
+          <a:p>
+            <a:pPr marR="0" lvl="0" algn="l" defTabSz="457200" rtl="0" eaLnBrk="1" fontAlgn="base" latinLnBrk="0" hangingPunct="1">
+              <a:lnSpc>
+                <a:spcPct val="100000"/>
+              </a:lnSpc>
+              <a:spcBef>
+                <a:spcPct val="0"/>
+              </a:spcBef>
+              <a:spcAft>
+                <a:spcPct val="0"/>
+              </a:spcAft>
+              <a:buClrTx/>
+              <a:buSzTx/>
+              <a:tabLst/>
+              <a:defRPr/>
+            </a:pPr>
+            <a:endParaRPr lang="en-US" dirty="0">
+              <a:solidFill>
+                <a:srgbClr val="404040"/>
+              </a:solidFill>
+            </a:endParaRPr>
+          </a:p>
+          <a:p>
+            <a:pPr marL="342900" marR="0" lvl="0" indent="-342900" algn="l" defTabSz="457200" rtl="0" eaLnBrk="1" fontAlgn="base" latinLnBrk="0" hangingPunct="1">
+              <a:lnSpc>
+                <a:spcPct val="100000"/>
+              </a:lnSpc>
+              <a:spcBef>
+                <a:spcPct val="0"/>
+              </a:spcBef>
+              <a:spcAft>
+                <a:spcPct val="0"/>
+              </a:spcAft>
+              <a:buClrTx/>
+              <a:buSzTx/>
+              <a:buFont typeface="Arial" panose="020B0604020202020204" pitchFamily="34" charset="0"/>
+              <a:buChar char="•"/>
+              <a:tabLst/>
+              <a:defRPr/>
+            </a:pPr>
+            <a:r>
+              <a:rPr lang="en-US" dirty="0">
+                <a:solidFill>
+                  <a:srgbClr val="404040"/>
+                </a:solidFill>
+              </a:rPr>
+              <a:t>Know the Process</a:t>
+            </a:r>
+          </a:p>
+          <a:p>
+            <a:pPr marL="342900" marR="0" lvl="0" indent="-342900" algn="l" defTabSz="457200" rtl="0" eaLnBrk="1" fontAlgn="base" latinLnBrk="0" hangingPunct="1">
+              <a:lnSpc>
+                <a:spcPct val="100000"/>
+              </a:lnSpc>
+              <a:spcBef>
+                <a:spcPct val="0"/>
+              </a:spcBef>
+              <a:spcAft>
+                <a:spcPct val="0"/>
+              </a:spcAft>
+              <a:buClrTx/>
+              <a:buSzTx/>
+              <a:buFont typeface="Arial" panose="020B0604020202020204" pitchFamily="34" charset="0"/>
+              <a:buChar char="•"/>
+              <a:tabLst/>
+              <a:defRPr/>
+            </a:pPr>
+            <a:endParaRPr kumimoji="0" lang="en-US" sz="2400" b="0" i="0" u="none" strike="noStrike" kern="1200" cap="none" spc="0" normalizeH="0" baseline="0" noProof="0" dirty="0">
+              <a:ln>
+                <a:noFill/>
+              </a:ln>
+              <a:solidFill>
+                <a:srgbClr val="404040"/>
+              </a:solidFill>
+              <a:effectLst/>
+              <a:uLnTx/>
+              <a:uFillTx/>
+              <a:latin typeface="Arial" charset="0"/>
+              <a:ea typeface="ＭＳ Ｐゴシック" charset="-128"/>
+            </a:endParaRPr>
+          </a:p>
+          <a:p>
+            <a:pPr marL="342900" marR="0" lvl="0" indent="-342900" algn="l" defTabSz="457200" rtl="0" eaLnBrk="1" fontAlgn="base" latinLnBrk="0" hangingPunct="1">
+              <a:lnSpc>
+                <a:spcPct val="100000"/>
+              </a:lnSpc>
+              <a:spcBef>
+                <a:spcPct val="0"/>
+              </a:spcBef>
+              <a:spcAft>
+                <a:spcPct val="0"/>
+              </a:spcAft>
+              <a:buClrTx/>
+              <a:buSzTx/>
+              <a:buFont typeface="Arial" panose="020B0604020202020204" pitchFamily="34" charset="0"/>
+              <a:buChar char="•"/>
+              <a:tabLst/>
+              <a:defRPr/>
+            </a:pPr>
+            <a:endParaRPr lang="en-US" dirty="0">
+              <a:solidFill>
+                <a:srgbClr val="404040"/>
+              </a:solidFill>
+            </a:endParaRPr>
+          </a:p>
+          <a:p>
+            <a:pPr marL="342900" marR="0" lvl="0" indent="-342900" algn="l" defTabSz="457200" rtl="0" eaLnBrk="1" fontAlgn="base" latinLnBrk="0" hangingPunct="1">
+              <a:lnSpc>
+                <a:spcPct val="100000"/>
+              </a:lnSpc>
+              <a:spcBef>
+                <a:spcPct val="0"/>
+              </a:spcBef>
+              <a:spcAft>
+                <a:spcPct val="0"/>
+              </a:spcAft>
+              <a:buClrTx/>
+              <a:buSzTx/>
+              <a:buFont typeface="Arial" panose="020B0604020202020204" pitchFamily="34" charset="0"/>
+              <a:buChar char="•"/>
+              <a:tabLst/>
+              <a:defRPr/>
+            </a:pPr>
+            <a:endParaRPr kumimoji="0" lang="en-US" sz="2400" b="0" i="0" u="none" strike="noStrike" kern="1200" cap="none" spc="0" normalizeH="0" baseline="0" noProof="0" dirty="0">
+              <a:ln>
+                <a:noFill/>
+              </a:ln>
+              <a:solidFill>
+                <a:srgbClr val="404040"/>
+              </a:solidFill>
+              <a:effectLst/>
+              <a:uLnTx/>
+              <a:uFillTx/>
+              <a:latin typeface="Arial" charset="0"/>
+              <a:ea typeface="ＭＳ Ｐゴシック" charset="-128"/>
+            </a:endParaRPr>
+          </a:p>
+          <a:p>
+            <a:pPr marL="342900" marR="0" lvl="0" indent="-342900" algn="l" defTabSz="457200" rtl="0" eaLnBrk="1" fontAlgn="base" latinLnBrk="0" hangingPunct="1">
+              <a:lnSpc>
+                <a:spcPct val="100000"/>
+              </a:lnSpc>
+              <a:spcBef>
+                <a:spcPct val="0"/>
+              </a:spcBef>
+              <a:spcAft>
+                <a:spcPct val="0"/>
+              </a:spcAft>
+              <a:buClrTx/>
+              <a:buSzTx/>
+              <a:buFont typeface="Arial" panose="020B0604020202020204" pitchFamily="34" charset="0"/>
+              <a:buChar char="•"/>
+              <a:tabLst/>
+              <a:defRPr/>
+            </a:pPr>
+            <a:endParaRPr lang="en-US" dirty="0">
+              <a:solidFill>
+                <a:srgbClr val="404040"/>
+              </a:solidFill>
+            </a:endParaRPr>
+          </a:p>
+          <a:p>
+            <a:pPr marR="0" lvl="0" algn="l" defTabSz="457200" rtl="0" eaLnBrk="1" fontAlgn="base" latinLnBrk="0" hangingPunct="1">
+              <a:lnSpc>
+                <a:spcPct val="100000"/>
+              </a:lnSpc>
+              <a:spcBef>
+                <a:spcPct val="0"/>
+              </a:spcBef>
+              <a:spcAft>
+                <a:spcPct val="0"/>
+              </a:spcAft>
+              <a:buClrTx/>
+              <a:buSzTx/>
+              <a:tabLst/>
+              <a:defRPr/>
+            </a:pPr>
+            <a:endParaRPr kumimoji="0" lang="en-US" sz="2400" b="0" i="0" u="none" strike="noStrike" kern="1200" cap="none" spc="0" normalizeH="0" baseline="0" noProof="0" dirty="0">
+              <a:ln>
+                <a:noFill/>
+              </a:ln>
+              <a:solidFill>
+                <a:srgbClr val="404040"/>
+              </a:solidFill>
+              <a:effectLst/>
+              <a:uLnTx/>
+              <a:uFillTx/>
+              <a:latin typeface="Arial" charset="0"/>
+              <a:ea typeface="ＭＳ Ｐゴシック" charset="-128"/>
+            </a:endParaRPr>
+          </a:p>
+          <a:p>
+            <a:pPr marL="342900" marR="0" lvl="0" indent="-342900" algn="l" defTabSz="457200" rtl="0" eaLnBrk="1" fontAlgn="base" latinLnBrk="0" hangingPunct="1">
+              <a:lnSpc>
+                <a:spcPct val="100000"/>
+              </a:lnSpc>
+              <a:spcBef>
+                <a:spcPct val="0"/>
+              </a:spcBef>
+              <a:spcAft>
+                <a:spcPct val="0"/>
+              </a:spcAft>
+              <a:buClrTx/>
+              <a:buSzTx/>
+              <a:buFont typeface="Arial" panose="020B0604020202020204" pitchFamily="34" charset="0"/>
+              <a:buChar char="•"/>
+              <a:tabLst/>
+              <a:defRPr/>
+            </a:pPr>
+            <a:endParaRPr lang="en-US" dirty="0">
+              <a:solidFill>
+                <a:srgbClr val="404040"/>
+              </a:solidFill>
+            </a:endParaRPr>
+          </a:p>
+          <a:p>
+            <a:pPr marL="342900" marR="0" lvl="0" indent="-342900" algn="l" defTabSz="457200" rtl="0" eaLnBrk="1" fontAlgn="base" latinLnBrk="0" hangingPunct="1">
+              <a:lnSpc>
+                <a:spcPct val="100000"/>
+              </a:lnSpc>
+              <a:spcBef>
+                <a:spcPct val="0"/>
+              </a:spcBef>
+              <a:spcAft>
+                <a:spcPct val="0"/>
+              </a:spcAft>
+              <a:buClrTx/>
+              <a:buSzTx/>
+              <a:buFont typeface="Arial" panose="020B0604020202020204" pitchFamily="34" charset="0"/>
+              <a:buChar char="•"/>
+              <a:tabLst/>
+              <a:defRPr/>
+            </a:pPr>
+            <a:endParaRPr kumimoji="0" lang="en-US" sz="2400" b="0" i="0" u="none" strike="noStrike" kern="1200" cap="none" spc="0" normalizeH="0" baseline="0" noProof="0" dirty="0">
+              <a:ln>
+                <a:noFill/>
+              </a:ln>
+              <a:solidFill>
+                <a:srgbClr val="404040"/>
+              </a:solidFill>
+              <a:effectLst/>
+              <a:uLnTx/>
+              <a:uFillTx/>
+              <a:latin typeface="Arial" charset="0"/>
+              <a:ea typeface="ＭＳ Ｐゴシック" charset="-128"/>
+            </a:endParaRPr>
+          </a:p>
+          <a:p>
+            <a:pPr marL="342900" marR="0" lvl="0" indent="-342900" algn="l" defTabSz="457200" rtl="0" eaLnBrk="1" fontAlgn="base" latinLnBrk="0" hangingPunct="1">
+              <a:lnSpc>
+                <a:spcPct val="100000"/>
+              </a:lnSpc>
+              <a:spcBef>
+                <a:spcPct val="0"/>
+              </a:spcBef>
+              <a:spcAft>
+                <a:spcPct val="0"/>
+              </a:spcAft>
+              <a:buClrTx/>
+              <a:buSzTx/>
+              <a:buFont typeface="Arial" panose="020B0604020202020204" pitchFamily="34" charset="0"/>
+              <a:buChar char="•"/>
+              <a:tabLst/>
+              <a:defRPr/>
+            </a:pPr>
+            <a:endParaRPr lang="en-US" dirty="0">
+              <a:solidFill>
+                <a:srgbClr val="404040"/>
+              </a:solidFill>
+            </a:endParaRPr>
+          </a:p>
+          <a:p>
+            <a:pPr marL="342900" marR="0" lvl="0" indent="-342900" algn="l" defTabSz="457200" rtl="0" eaLnBrk="1" fontAlgn="base" latinLnBrk="0" hangingPunct="1">
+              <a:lnSpc>
+                <a:spcPct val="100000"/>
+              </a:lnSpc>
+              <a:spcBef>
+                <a:spcPct val="0"/>
+              </a:spcBef>
+              <a:spcAft>
+                <a:spcPct val="0"/>
+              </a:spcAft>
+              <a:buClrTx/>
+              <a:buSzTx/>
+              <a:buFont typeface="Arial" panose="020B0604020202020204" pitchFamily="34" charset="0"/>
+              <a:buChar char="•"/>
+              <a:tabLst/>
+              <a:defRPr/>
+            </a:pPr>
+            <a:endParaRPr kumimoji="0" lang="en-US" sz="2400" b="0" i="0" u="none" strike="noStrike" kern="1200" cap="none" spc="0" normalizeH="0" baseline="0" noProof="0" dirty="0">
+              <a:ln>
+                <a:noFill/>
+              </a:ln>
+              <a:solidFill>
+                <a:srgbClr val="404040"/>
+              </a:solidFill>
+              <a:effectLst/>
+              <a:uLnTx/>
+              <a:uFillTx/>
+              <a:latin typeface="Arial" charset="0"/>
+              <a:ea typeface="ＭＳ Ｐゴシック" charset="-128"/>
+            </a:endParaRPr>
+          </a:p>
+          <a:p>
+            <a:pPr marR="0" lvl="0" algn="l" defTabSz="457200" rtl="0" eaLnBrk="1" fontAlgn="base" latinLnBrk="0" hangingPunct="1">
+              <a:lnSpc>
+                <a:spcPct val="100000"/>
+              </a:lnSpc>
+              <a:spcBef>
+                <a:spcPct val="0"/>
+              </a:spcBef>
+              <a:spcAft>
+                <a:spcPct val="0"/>
+              </a:spcAft>
+              <a:buClrTx/>
+              <a:buSzTx/>
+              <a:tabLst/>
+              <a:defRPr/>
+            </a:pPr>
+            <a:endParaRPr lang="en-US" dirty="0">
+              <a:solidFill>
+                <a:srgbClr val="404040"/>
+              </a:solidFill>
+            </a:endParaRPr>
+          </a:p>
+          <a:p>
+            <a:pPr marR="0" lvl="0" algn="l" defTabSz="457200" rtl="0" eaLnBrk="1" fontAlgn="base" latinLnBrk="0" hangingPunct="1">
+              <a:lnSpc>
+                <a:spcPct val="100000"/>
+              </a:lnSpc>
+              <a:spcBef>
+                <a:spcPct val="0"/>
+              </a:spcBef>
+              <a:spcAft>
+                <a:spcPct val="0"/>
+              </a:spcAft>
+              <a:buClrTx/>
+              <a:buSzTx/>
+              <a:tabLst/>
+              <a:defRPr/>
+            </a:pPr>
+            <a:endParaRPr lang="en-US" dirty="0">
+              <a:solidFill>
+                <a:srgbClr val="404040"/>
+              </a:solidFill>
+            </a:endParaRPr>
+          </a:p>
+          <a:p>
+            <a:pPr marL="342900" marR="0" lvl="0" indent="-342900" algn="l" defTabSz="457200" rtl="0" eaLnBrk="1" fontAlgn="base" latinLnBrk="0" hangingPunct="1">
+              <a:lnSpc>
+                <a:spcPct val="100000"/>
+              </a:lnSpc>
+              <a:spcBef>
+                <a:spcPct val="0"/>
+              </a:spcBef>
+              <a:spcAft>
+                <a:spcPct val="0"/>
+              </a:spcAft>
+              <a:buClrTx/>
+              <a:buSzTx/>
+              <a:buFont typeface="Arial" panose="020B0604020202020204" pitchFamily="34" charset="0"/>
+              <a:buChar char="•"/>
+              <a:tabLst/>
+              <a:defRPr/>
+            </a:pPr>
+            <a:r>
+              <a:rPr kumimoji="0" lang="en-US" sz="2400" b="0" i="0" u="none" strike="noStrike" kern="1200" cap="none" spc="0" normalizeH="0" baseline="0" noProof="0" dirty="0">
+                <a:ln>
+                  <a:noFill/>
+                </a:ln>
+                <a:solidFill>
+                  <a:srgbClr val="404040"/>
+                </a:solidFill>
+                <a:effectLst/>
+                <a:uLnTx/>
+                <a:uFillTx/>
+                <a:latin typeface="Arial" charset="0"/>
+                <a:ea typeface="ＭＳ Ｐゴシック" charset="-128"/>
+              </a:rPr>
+              <a:t>Respect the Process</a:t>
+            </a:r>
+          </a:p>
+        </p:txBody>
+      </p:sp>
+      <p:sp>
+        <p:nvSpPr>
+          <p:cNvPr id="24" name="Arrow: Right 23">
+            <a:extLst>
+              <a:ext uri="{FF2B5EF4-FFF2-40B4-BE49-F238E27FC236}">
+                <a16:creationId xmlns:a16="http://schemas.microsoft.com/office/drawing/2014/main" id="{5230E8AD-8F76-43F6-9DA5-66E3A07E28BE}"/>
+              </a:ext>
+            </a:extLst>
+          </p:cNvPr>
+          <p:cNvSpPr/>
+          <p:nvPr/>
+        </p:nvSpPr>
+        <p:spPr>
+          <a:xfrm rot="5400000">
+            <a:off x="5985160" y="4950223"/>
+            <a:ext cx="297878" cy="425896"/>
+          </a:xfrm>
+          <a:prstGeom prst="rightArrow">
+            <a:avLst/>
+          </a:prstGeom>
+          <a:solidFill>
+            <a:srgbClr val="404040"/>
+          </a:solidFill>
+          <a:ln>
+            <a:solidFill>
+              <a:srgbClr val="404040"/>
+            </a:solidFill>
+          </a:ln>
+        </p:spPr>
+        <p:style>
+          <a:lnRef idx="2">
+            <a:schemeClr val="dk1"/>
+          </a:lnRef>
+          <a:fillRef idx="1">
+            <a:schemeClr val="lt1"/>
+          </a:fillRef>
+          <a:effectRef idx="0">
+            <a:schemeClr val="dk1"/>
+          </a:effectRef>
+          <a:fontRef idx="minor">
+            <a:schemeClr val="dk1"/>
+          </a:fontRef>
+        </p:style>
+        <p:txBody>
+          <a:bodyPr rtlCol="0" anchor="ctr"/>
+          <a:lstStyle/>
+          <a:p>
+            <a:pPr algn="ctr"/>
+            <a:endParaRPr lang="en-US"/>
+          </a:p>
+        </p:txBody>
+      </p:sp>
       <p:sp>
         <p:nvSpPr>
           <p:cNvPr id="15" name="Rectangle 12">
@@ -14726,42 +16018,16 @@
               </a:lnSpc>
             </a:pPr>
             <a:r>
-              <a:rPr lang="en-US" sz="2400" dirty="0">
+              <a:rPr lang="en-US" sz="2400" kern="1200" dirty="0">
                 <a:solidFill>
                   <a:schemeClr val="bg1"/>
                 </a:solidFill>
+                <a:latin typeface="+mj-lt"/>
                 <a:ea typeface="+mj-ea"/>
                 <a:cs typeface="+mj-cs"/>
               </a:rPr>
-              <a:t>Visualize</a:t>
-            </a:r>
-            <a:br>
-              <a:rPr lang="en-US" sz="2400" dirty="0">
-                <a:solidFill>
-                  <a:schemeClr val="bg1"/>
-                </a:solidFill>
-                <a:ea typeface="+mj-ea"/>
-                <a:cs typeface="+mj-cs"/>
-              </a:rPr>
-            </a:br>
-            <a:r>
-              <a:rPr lang="en-US" sz="2400" dirty="0">
-                <a:solidFill>
-                  <a:schemeClr val="bg1"/>
-                </a:solidFill>
-                <a:ea typeface="+mj-ea"/>
-                <a:cs typeface="+mj-cs"/>
-              </a:rPr>
-              <a:t>Summarize</a:t>
-            </a:r>
-            <a:endParaRPr lang="en-US" sz="2400" kern="1200" dirty="0">
-              <a:solidFill>
-                <a:schemeClr val="bg1"/>
-              </a:solidFill>
-              <a:latin typeface="+mj-lt"/>
-              <a:ea typeface="+mj-ea"/>
-              <a:cs typeface="+mj-cs"/>
-            </a:endParaRPr>
+              <a:t>EDA Defined</a:t>
+            </a:r>
           </a:p>
         </p:txBody>
       </p:sp>
@@ -14780,7 +16046,7 @@
           <p:nvPr/>
         </p:nvPicPr>
         <p:blipFill rotWithShape="1">
-          <a:blip r:embed="rId3"/>
+          <a:blip r:embed="rId4"/>
           <a:srcRect l="8000" r="9400"/>
           <a:stretch/>
         </p:blipFill>
@@ -14797,10 +16063,10 @@
       </p:pic>
       <p:sp>
         <p:nvSpPr>
-          <p:cNvPr id="6" name="TextBox 5">
+          <p:cNvPr id="4" name="TextBox 3">
             <a:extLst>
               <a:ext uri="{FF2B5EF4-FFF2-40B4-BE49-F238E27FC236}">
-                <a16:creationId xmlns:a16="http://schemas.microsoft.com/office/drawing/2014/main" id="{69E99881-16E9-4B85-86C1-D7DDED41197F}"/>
+                <a16:creationId xmlns:a16="http://schemas.microsoft.com/office/drawing/2014/main" id="{9B70DD5F-80AF-47A6-9622-DF0880C2AE63}"/>
               </a:ext>
             </a:extLst>
           </p:cNvPr>
@@ -14810,7 +16076,7 @@
         <p:spPr>
           <a:xfrm>
             <a:off x="3810000" y="643467"/>
-            <a:ext cx="5257800" cy="461665"/>
+            <a:ext cx="4953000" cy="461665"/>
           </a:xfrm>
           <a:prstGeom prst="rect">
             <a:avLst/>
@@ -14840,6 +16106,915 @@
               <a:tabLst/>
               <a:defRPr/>
             </a:pPr>
+            <a:endParaRPr kumimoji="0" lang="en-US" sz="2400" b="0" i="0" u="none" strike="noStrike" kern="1200" cap="none" spc="0" normalizeH="0" baseline="0" noProof="0" dirty="0">
+              <a:ln>
+                <a:noFill/>
+              </a:ln>
+              <a:solidFill>
+                <a:srgbClr val="404040"/>
+              </a:solidFill>
+              <a:effectLst/>
+              <a:uLnTx/>
+              <a:uFillTx/>
+              <a:latin typeface="Arial" charset="0"/>
+              <a:ea typeface="ＭＳ Ｐゴシック" charset="-128"/>
+            </a:endParaRPr>
+          </a:p>
+        </p:txBody>
+      </p:sp>
+      <p:sp>
+        <p:nvSpPr>
+          <p:cNvPr id="6" name="TextBox 5">
+            <a:extLst>
+              <a:ext uri="{FF2B5EF4-FFF2-40B4-BE49-F238E27FC236}">
+                <a16:creationId xmlns:a16="http://schemas.microsoft.com/office/drawing/2014/main" id="{E828729A-F29C-423D-B49F-097B379344C5}"/>
+              </a:ext>
+            </a:extLst>
+          </p:cNvPr>
+          <p:cNvSpPr txBox="1"/>
+          <p:nvPr/>
+        </p:nvSpPr>
+        <p:spPr>
+          <a:xfrm>
+            <a:off x="4129278" y="548634"/>
+            <a:ext cx="4953000" cy="461665"/>
+          </a:xfrm>
+          <a:prstGeom prst="rect">
+            <a:avLst/>
+          </a:prstGeom>
+          <a:noFill/>
+        </p:spPr>
+        <p:txBody>
+          <a:bodyPr wrap="square" rtlCol="0">
+            <a:spAutoFit/>
+          </a:bodyPr>
+          <a:lstStyle/>
+          <a:p>
+            <a:pPr marL="342900" marR="0" lvl="0" indent="-342900" algn="l" defTabSz="457200" rtl="0" eaLnBrk="1" fontAlgn="base" latinLnBrk="0" hangingPunct="1">
+              <a:lnSpc>
+                <a:spcPct val="100000"/>
+              </a:lnSpc>
+              <a:spcBef>
+                <a:spcPct val="0"/>
+              </a:spcBef>
+              <a:spcAft>
+                <a:spcPct val="0"/>
+              </a:spcAft>
+              <a:buClrTx/>
+              <a:buSzTx/>
+              <a:buFont typeface="Arial" panose="020B0604020202020204" pitchFamily="34" charset="0"/>
+              <a:buChar char="•"/>
+              <a:tabLst/>
+              <a:defRPr/>
+            </a:pPr>
+            <a:endParaRPr kumimoji="0" lang="en-US" sz="2400" b="0" i="0" u="none" strike="noStrike" kern="1200" cap="none" spc="0" normalizeH="0" baseline="0" noProof="0" dirty="0">
+              <a:ln>
+                <a:noFill/>
+              </a:ln>
+              <a:solidFill>
+                <a:srgbClr val="404040"/>
+              </a:solidFill>
+              <a:effectLst/>
+              <a:uLnTx/>
+              <a:uFillTx/>
+              <a:latin typeface="Arial" charset="0"/>
+              <a:ea typeface="ＭＳ Ｐゴシック" charset="-128"/>
+            </a:endParaRPr>
+          </a:p>
+        </p:txBody>
+      </p:sp>
+      <p:sp>
+        <p:nvSpPr>
+          <p:cNvPr id="11" name="Arrow: Right 10">
+            <a:extLst>
+              <a:ext uri="{FF2B5EF4-FFF2-40B4-BE49-F238E27FC236}">
+                <a16:creationId xmlns:a16="http://schemas.microsoft.com/office/drawing/2014/main" id="{B94772A7-1D05-4306-8931-A8EDDE97EF1C}"/>
+              </a:ext>
+            </a:extLst>
+          </p:cNvPr>
+          <p:cNvSpPr/>
+          <p:nvPr/>
+        </p:nvSpPr>
+        <p:spPr>
+          <a:xfrm>
+            <a:off x="5968786" y="3124482"/>
+            <a:ext cx="508214" cy="312130"/>
+          </a:xfrm>
+          <a:prstGeom prst="rightArrow">
+            <a:avLst/>
+          </a:prstGeom>
+          <a:solidFill>
+            <a:srgbClr val="404040"/>
+          </a:solidFill>
+          <a:ln>
+            <a:solidFill>
+              <a:srgbClr val="404040"/>
+            </a:solidFill>
+          </a:ln>
+        </p:spPr>
+        <p:style>
+          <a:lnRef idx="2">
+            <a:schemeClr val="dk1"/>
+          </a:lnRef>
+          <a:fillRef idx="1">
+            <a:schemeClr val="lt1"/>
+          </a:fillRef>
+          <a:effectRef idx="0">
+            <a:schemeClr val="dk1"/>
+          </a:effectRef>
+          <a:fontRef idx="minor">
+            <a:schemeClr val="dk1"/>
+          </a:fontRef>
+        </p:style>
+        <p:txBody>
+          <a:bodyPr rtlCol="0" anchor="ctr"/>
+          <a:lstStyle/>
+          <a:p>
+            <a:pPr algn="ctr"/>
+            <a:endParaRPr lang="en-US"/>
+          </a:p>
+        </p:txBody>
+      </p:sp>
+      <p:sp>
+        <p:nvSpPr>
+          <p:cNvPr id="10" name="TextBox 9">
+            <a:extLst>
+              <a:ext uri="{FF2B5EF4-FFF2-40B4-BE49-F238E27FC236}">
+                <a16:creationId xmlns:a16="http://schemas.microsoft.com/office/drawing/2014/main" id="{0D62993A-DD69-4D89-B961-1E79B6B2D066}"/>
+              </a:ext>
+            </a:extLst>
+          </p:cNvPr>
+          <p:cNvSpPr txBox="1"/>
+          <p:nvPr/>
+        </p:nvSpPr>
+        <p:spPr>
+          <a:xfrm>
+            <a:off x="5715000" y="2205335"/>
+            <a:ext cx="838200" cy="461665"/>
+          </a:xfrm>
+          <a:prstGeom prst="rect">
+            <a:avLst/>
+          </a:prstGeom>
+          <a:solidFill>
+            <a:srgbClr val="404040"/>
+          </a:solidFill>
+        </p:spPr>
+        <p:style>
+          <a:lnRef idx="3">
+            <a:schemeClr val="lt1"/>
+          </a:lnRef>
+          <a:fillRef idx="1">
+            <a:schemeClr val="dk1"/>
+          </a:fillRef>
+          <a:effectRef idx="1">
+            <a:schemeClr val="dk1"/>
+          </a:effectRef>
+          <a:fontRef idx="minor">
+            <a:schemeClr val="lt1"/>
+          </a:fontRef>
+        </p:style>
+        <p:txBody>
+          <a:bodyPr wrap="square" rtlCol="0">
+            <a:spAutoFit/>
+          </a:bodyPr>
+          <a:lstStyle/>
+          <a:p>
+            <a:pPr algn="ctr"/>
+            <a:r>
+              <a:rPr lang="en-US" dirty="0">
+                <a:solidFill>
+                  <a:schemeClr val="bg1"/>
+                </a:solidFill>
+              </a:rPr>
+              <a:t>Data</a:t>
+            </a:r>
+          </a:p>
+        </p:txBody>
+      </p:sp>
+      <p:sp>
+        <p:nvSpPr>
+          <p:cNvPr id="14" name="TextBox 13">
+            <a:extLst>
+              <a:ext uri="{FF2B5EF4-FFF2-40B4-BE49-F238E27FC236}">
+                <a16:creationId xmlns:a16="http://schemas.microsoft.com/office/drawing/2014/main" id="{6CDDE778-2871-4CD6-A2F3-24F7D09262F5}"/>
+              </a:ext>
+            </a:extLst>
+          </p:cNvPr>
+          <p:cNvSpPr txBox="1"/>
+          <p:nvPr/>
+        </p:nvSpPr>
+        <p:spPr>
+          <a:xfrm>
+            <a:off x="6553200" y="2901874"/>
+            <a:ext cx="1790700" cy="830997"/>
+          </a:xfrm>
+          <a:prstGeom prst="rect">
+            <a:avLst/>
+          </a:prstGeom>
+          <a:solidFill>
+            <a:srgbClr val="404040"/>
+          </a:solidFill>
+        </p:spPr>
+        <p:style>
+          <a:lnRef idx="3">
+            <a:schemeClr val="lt1"/>
+          </a:lnRef>
+          <a:fillRef idx="1">
+            <a:schemeClr val="dk1"/>
+          </a:fillRef>
+          <a:effectRef idx="1">
+            <a:schemeClr val="dk1"/>
+          </a:effectRef>
+          <a:fontRef idx="minor">
+            <a:schemeClr val="lt1"/>
+          </a:fontRef>
+        </p:style>
+        <p:txBody>
+          <a:bodyPr wrap="square" rtlCol="0">
+            <a:spAutoFit/>
+          </a:bodyPr>
+          <a:lstStyle/>
+          <a:p>
+            <a:pPr algn="ctr"/>
+            <a:r>
+              <a:rPr lang="en-US" dirty="0">
+                <a:solidFill>
+                  <a:schemeClr val="bg1"/>
+                </a:solidFill>
+              </a:rPr>
+              <a:t>Visualize Summarize</a:t>
+            </a:r>
+          </a:p>
+        </p:txBody>
+      </p:sp>
+      <p:sp>
+        <p:nvSpPr>
+          <p:cNvPr id="16" name="TextBox 15">
+            <a:extLst>
+              <a:ext uri="{FF2B5EF4-FFF2-40B4-BE49-F238E27FC236}">
+                <a16:creationId xmlns:a16="http://schemas.microsoft.com/office/drawing/2014/main" id="{4D9A7C38-2DC0-4DA9-AF0A-97B393E48E37}"/>
+              </a:ext>
+            </a:extLst>
+          </p:cNvPr>
+          <p:cNvSpPr txBox="1"/>
+          <p:nvPr/>
+        </p:nvSpPr>
+        <p:spPr>
+          <a:xfrm>
+            <a:off x="3924300" y="2900767"/>
+            <a:ext cx="1790700" cy="832104"/>
+          </a:xfrm>
+          <a:prstGeom prst="rect">
+            <a:avLst/>
+          </a:prstGeom>
+          <a:solidFill>
+            <a:srgbClr val="404040"/>
+          </a:solidFill>
+        </p:spPr>
+        <p:style>
+          <a:lnRef idx="3">
+            <a:schemeClr val="lt1"/>
+          </a:lnRef>
+          <a:fillRef idx="1">
+            <a:schemeClr val="dk1"/>
+          </a:fillRef>
+          <a:effectRef idx="1">
+            <a:schemeClr val="dk1"/>
+          </a:effectRef>
+          <a:fontRef idx="minor">
+            <a:schemeClr val="lt1"/>
+          </a:fontRef>
+        </p:style>
+        <p:txBody>
+          <a:bodyPr wrap="square" rtlCol="0" anchor="ctr">
+            <a:spAutoFit/>
+          </a:bodyPr>
+          <a:lstStyle/>
+          <a:p>
+            <a:pPr algn="ctr"/>
+            <a:r>
+              <a:rPr lang="en-US" dirty="0">
+                <a:solidFill>
+                  <a:schemeClr val="bg1"/>
+                </a:solidFill>
+              </a:rPr>
+              <a:t>Question</a:t>
+            </a:r>
+          </a:p>
+        </p:txBody>
+      </p:sp>
+      <p:sp>
+        <p:nvSpPr>
+          <p:cNvPr id="12" name="Arrow: Bent 11">
+            <a:extLst>
+              <a:ext uri="{FF2B5EF4-FFF2-40B4-BE49-F238E27FC236}">
+                <a16:creationId xmlns:a16="http://schemas.microsoft.com/office/drawing/2014/main" id="{28534295-256D-4E22-87AD-09F57304AADB}"/>
+              </a:ext>
+            </a:extLst>
+          </p:cNvPr>
+          <p:cNvSpPr/>
+          <p:nvPr/>
+        </p:nvSpPr>
+        <p:spPr>
+          <a:xfrm rot="16200000" flipH="1">
+            <a:off x="4978165" y="2182402"/>
+            <a:ext cx="368640" cy="876170"/>
+          </a:xfrm>
+          <a:prstGeom prst="bentArrow">
+            <a:avLst/>
+          </a:prstGeom>
+          <a:solidFill>
+            <a:srgbClr val="404040"/>
+          </a:solidFill>
+          <a:ln>
+            <a:solidFill>
+              <a:srgbClr val="404040"/>
+            </a:solidFill>
+          </a:ln>
+        </p:spPr>
+        <p:style>
+          <a:lnRef idx="2">
+            <a:schemeClr val="dk1"/>
+          </a:lnRef>
+          <a:fillRef idx="1">
+            <a:schemeClr val="lt1"/>
+          </a:fillRef>
+          <a:effectRef idx="0">
+            <a:schemeClr val="dk1"/>
+          </a:effectRef>
+          <a:fontRef idx="minor">
+            <a:schemeClr val="dk1"/>
+          </a:fontRef>
+        </p:style>
+        <p:txBody>
+          <a:bodyPr rtlCol="0" anchor="ctr"/>
+          <a:lstStyle/>
+          <a:p>
+            <a:pPr algn="ctr"/>
+            <a:endParaRPr lang="en-US">
+              <a:solidFill>
+                <a:schemeClr val="tx1"/>
+              </a:solidFill>
+            </a:endParaRPr>
+          </a:p>
+        </p:txBody>
+      </p:sp>
+      <p:sp>
+        <p:nvSpPr>
+          <p:cNvPr id="18" name="Arrow: Right 17">
+            <a:extLst>
+              <a:ext uri="{FF2B5EF4-FFF2-40B4-BE49-F238E27FC236}">
+                <a16:creationId xmlns:a16="http://schemas.microsoft.com/office/drawing/2014/main" id="{15FC01B8-E5FF-44C4-BAA1-386B2373D5D8}"/>
+              </a:ext>
+            </a:extLst>
+          </p:cNvPr>
+          <p:cNvSpPr/>
+          <p:nvPr/>
+        </p:nvSpPr>
+        <p:spPr>
+          <a:xfrm rot="10800000">
+            <a:off x="5791200" y="3124479"/>
+            <a:ext cx="508214" cy="312130"/>
+          </a:xfrm>
+          <a:prstGeom prst="rightArrow">
+            <a:avLst/>
+          </a:prstGeom>
+          <a:solidFill>
+            <a:srgbClr val="404040"/>
+          </a:solidFill>
+          <a:ln>
+            <a:solidFill>
+              <a:srgbClr val="404040"/>
+            </a:solidFill>
+          </a:ln>
+        </p:spPr>
+        <p:style>
+          <a:lnRef idx="2">
+            <a:schemeClr val="dk1"/>
+          </a:lnRef>
+          <a:fillRef idx="1">
+            <a:schemeClr val="lt1"/>
+          </a:fillRef>
+          <a:effectRef idx="0">
+            <a:schemeClr val="dk1"/>
+          </a:effectRef>
+          <a:fontRef idx="minor">
+            <a:schemeClr val="dk1"/>
+          </a:fontRef>
+        </p:style>
+        <p:txBody>
+          <a:bodyPr rtlCol="0" anchor="ctr"/>
+          <a:lstStyle/>
+          <a:p>
+            <a:pPr algn="ctr"/>
+            <a:endParaRPr lang="en-US"/>
+          </a:p>
+        </p:txBody>
+      </p:sp>
+      <p:sp>
+        <p:nvSpPr>
+          <p:cNvPr id="19" name="Arrow: Bent 18">
+            <a:extLst>
+              <a:ext uri="{FF2B5EF4-FFF2-40B4-BE49-F238E27FC236}">
+                <a16:creationId xmlns:a16="http://schemas.microsoft.com/office/drawing/2014/main" id="{3949D8AA-764D-42A2-ACF7-E39CAD2E7A84}"/>
+              </a:ext>
+            </a:extLst>
+          </p:cNvPr>
+          <p:cNvSpPr/>
+          <p:nvPr/>
+        </p:nvSpPr>
+        <p:spPr>
+          <a:xfrm rot="5400000">
+            <a:off x="6921395" y="2162032"/>
+            <a:ext cx="368640" cy="876170"/>
+          </a:xfrm>
+          <a:prstGeom prst="bentArrow">
+            <a:avLst/>
+          </a:prstGeom>
+          <a:solidFill>
+            <a:srgbClr val="404040"/>
+          </a:solidFill>
+          <a:ln>
+            <a:solidFill>
+              <a:srgbClr val="404040"/>
+            </a:solidFill>
+          </a:ln>
+        </p:spPr>
+        <p:style>
+          <a:lnRef idx="2">
+            <a:schemeClr val="dk1"/>
+          </a:lnRef>
+          <a:fillRef idx="1">
+            <a:schemeClr val="lt1"/>
+          </a:fillRef>
+          <a:effectRef idx="0">
+            <a:schemeClr val="dk1"/>
+          </a:effectRef>
+          <a:fontRef idx="minor">
+            <a:schemeClr val="dk1"/>
+          </a:fontRef>
+        </p:style>
+        <p:txBody>
+          <a:bodyPr rtlCol="0" anchor="ctr"/>
+          <a:lstStyle/>
+          <a:p>
+            <a:pPr algn="ctr"/>
+            <a:endParaRPr lang="en-US">
+              <a:solidFill>
+                <a:schemeClr val="tx1"/>
+              </a:solidFill>
+            </a:endParaRPr>
+          </a:p>
+        </p:txBody>
+      </p:sp>
+      <p:sp>
+        <p:nvSpPr>
+          <p:cNvPr id="22" name="Arrow: Right 21">
+            <a:extLst>
+              <a:ext uri="{FF2B5EF4-FFF2-40B4-BE49-F238E27FC236}">
+                <a16:creationId xmlns:a16="http://schemas.microsoft.com/office/drawing/2014/main" id="{7E1A448E-894D-4B7E-B4D5-73C1DF144736}"/>
+              </a:ext>
+            </a:extLst>
+          </p:cNvPr>
+          <p:cNvSpPr/>
+          <p:nvPr/>
+        </p:nvSpPr>
+        <p:spPr>
+          <a:xfrm rot="5400000">
+            <a:off x="5640769" y="3637125"/>
+            <a:ext cx="986660" cy="425896"/>
+          </a:xfrm>
+          <a:prstGeom prst="rightArrow">
+            <a:avLst/>
+          </a:prstGeom>
+          <a:solidFill>
+            <a:srgbClr val="404040"/>
+          </a:solidFill>
+          <a:ln>
+            <a:solidFill>
+              <a:srgbClr val="404040"/>
+            </a:solidFill>
+          </a:ln>
+        </p:spPr>
+        <p:style>
+          <a:lnRef idx="2">
+            <a:schemeClr val="dk1"/>
+          </a:lnRef>
+          <a:fillRef idx="1">
+            <a:schemeClr val="lt1"/>
+          </a:fillRef>
+          <a:effectRef idx="0">
+            <a:schemeClr val="dk1"/>
+          </a:effectRef>
+          <a:fontRef idx="minor">
+            <a:schemeClr val="dk1"/>
+          </a:fontRef>
+        </p:style>
+        <p:txBody>
+          <a:bodyPr rtlCol="0" anchor="ctr"/>
+          <a:lstStyle/>
+          <a:p>
+            <a:pPr algn="ctr"/>
+            <a:endParaRPr lang="en-US"/>
+          </a:p>
+        </p:txBody>
+      </p:sp>
+      <p:sp>
+        <p:nvSpPr>
+          <p:cNvPr id="23" name="TextBox 22">
+            <a:extLst>
+              <a:ext uri="{FF2B5EF4-FFF2-40B4-BE49-F238E27FC236}">
+                <a16:creationId xmlns:a16="http://schemas.microsoft.com/office/drawing/2014/main" id="{6D8A4343-3A50-4EF3-BE1D-E43A0F9192A7}"/>
+              </a:ext>
+            </a:extLst>
+          </p:cNvPr>
+          <p:cNvSpPr txBox="1"/>
+          <p:nvPr/>
+        </p:nvSpPr>
+        <p:spPr>
+          <a:xfrm>
+            <a:off x="5595120" y="4449076"/>
+            <a:ext cx="1077961" cy="461665"/>
+          </a:xfrm>
+          <a:prstGeom prst="rect">
+            <a:avLst/>
+          </a:prstGeom>
+          <a:solidFill>
+            <a:srgbClr val="404040"/>
+          </a:solidFill>
+        </p:spPr>
+        <p:style>
+          <a:lnRef idx="3">
+            <a:schemeClr val="lt1"/>
+          </a:lnRef>
+          <a:fillRef idx="1">
+            <a:schemeClr val="dk1"/>
+          </a:fillRef>
+          <a:effectRef idx="1">
+            <a:schemeClr val="dk1"/>
+          </a:effectRef>
+          <a:fontRef idx="minor">
+            <a:schemeClr val="lt1"/>
+          </a:fontRef>
+        </p:style>
+        <p:txBody>
+          <a:bodyPr wrap="square" rtlCol="0">
+            <a:spAutoFit/>
+          </a:bodyPr>
+          <a:lstStyle/>
+          <a:p>
+            <a:pPr algn="ctr"/>
+            <a:r>
+              <a:rPr lang="en-US" dirty="0">
+                <a:solidFill>
+                  <a:schemeClr val="bg1"/>
+                </a:solidFill>
+              </a:rPr>
+              <a:t>Model</a:t>
+            </a:r>
+          </a:p>
+        </p:txBody>
+      </p:sp>
+      <p:sp>
+        <p:nvSpPr>
+          <p:cNvPr id="25" name="TextBox 24">
+            <a:extLst>
+              <a:ext uri="{FF2B5EF4-FFF2-40B4-BE49-F238E27FC236}">
+                <a16:creationId xmlns:a16="http://schemas.microsoft.com/office/drawing/2014/main" id="{9DF86A32-10CA-4F7C-AE6C-D82C5AC822E6}"/>
+              </a:ext>
+            </a:extLst>
+          </p:cNvPr>
+          <p:cNvSpPr txBox="1"/>
+          <p:nvPr/>
+        </p:nvSpPr>
+        <p:spPr>
+          <a:xfrm>
+            <a:off x="5709549" y="5415601"/>
+            <a:ext cx="838200" cy="461665"/>
+          </a:xfrm>
+          <a:prstGeom prst="rect">
+            <a:avLst/>
+          </a:prstGeom>
+          <a:solidFill>
+            <a:srgbClr val="404040"/>
+          </a:solidFill>
+        </p:spPr>
+        <p:style>
+          <a:lnRef idx="3">
+            <a:schemeClr val="lt1"/>
+          </a:lnRef>
+          <a:fillRef idx="1">
+            <a:schemeClr val="dk1"/>
+          </a:fillRef>
+          <a:effectRef idx="1">
+            <a:schemeClr val="dk1"/>
+          </a:effectRef>
+          <a:fontRef idx="minor">
+            <a:schemeClr val="lt1"/>
+          </a:fontRef>
+        </p:style>
+        <p:txBody>
+          <a:bodyPr wrap="square" rtlCol="0">
+            <a:spAutoFit/>
+          </a:bodyPr>
+          <a:lstStyle/>
+          <a:p>
+            <a:pPr algn="ctr"/>
+            <a:r>
+              <a:rPr lang="en-US" dirty="0">
+                <a:solidFill>
+                  <a:schemeClr val="bg1"/>
+                </a:solidFill>
+              </a:rPr>
+              <a:t>Data</a:t>
+            </a:r>
+          </a:p>
+        </p:txBody>
+      </p:sp>
+    </p:spTree>
+    <p:custDataLst>
+      <p:tags r:id="rId1"/>
+    </p:custDataLst>
+    <p:extLst>
+      <p:ext uri="{BB962C8B-B14F-4D97-AF65-F5344CB8AC3E}">
+        <p14:creationId xmlns:p14="http://schemas.microsoft.com/office/powerpoint/2010/main" val="229741462"/>
+      </p:ext>
+    </p:extLst>
+  </p:cSld>
+  <p:clrMapOvr>
+    <a:masterClrMapping/>
+  </p:clrMapOvr>
+</p:sld>
+</file>
+
+<file path=ppt/slides/slide20.xml><?xml version="1.0" encoding="utf-8"?>
+<p:sld xmlns:a="http://schemas.openxmlformats.org/drawingml/2006/main" xmlns:r="http://schemas.openxmlformats.org/officeDocument/2006/relationships" xmlns:p="http://schemas.openxmlformats.org/presentationml/2006/main">
+  <p:cSld>
+    <p:bg>
+      <p:bgPr>
+        <a:solidFill>
+          <a:schemeClr val="bg1">
+            <a:lumMod val="85000"/>
+          </a:schemeClr>
+        </a:solidFill>
+        <a:effectLst/>
+      </p:bgPr>
+    </p:bg>
+    <p:spTree>
+      <p:nvGrpSpPr>
+        <p:cNvPr id="1" name=""/>
+        <p:cNvGrpSpPr/>
+        <p:nvPr/>
+      </p:nvGrpSpPr>
+      <p:grpSpPr>
+        <a:xfrm>
+          <a:off x="0" y="0"/>
+          <a:ext cx="0" cy="0"/>
+          <a:chOff x="0" y="0"/>
+          <a:chExt cx="0" cy="0"/>
+        </a:xfrm>
+      </p:grpSpPr>
+      <p:sp>
+        <p:nvSpPr>
+          <p:cNvPr id="15" name="Rectangle 12">
+            <a:extLst>
+              <a:ext uri="{FF2B5EF4-FFF2-40B4-BE49-F238E27FC236}">
+                <a16:creationId xmlns:a16="http://schemas.microsoft.com/office/drawing/2014/main" id="{867D4867-5BA7-4462-B2F6-A23F4A622AA7}"/>
+              </a:ext>
+              <a:ext uri="{C183D7F6-B498-43B3-948B-1728B52AA6E4}">
+                <adec:decorative xmlns:adec="http://schemas.microsoft.com/office/drawing/2017/decorative" val="1"/>
+              </a:ext>
+            </a:extLst>
+          </p:cNvPr>
+          <p:cNvSpPr>
+            <a:spLocks noGrp="1" noRot="1" noChangeAspect="1" noMove="1" noResize="1" noEditPoints="1" noAdjustHandles="1" noChangeArrowheads="1" noChangeShapeType="1" noTextEdit="1"/>
+          </p:cNvSpPr>
+          <p:nvPr>
+            <p:extLst>
+              <p:ext uri="{386F3935-93C4-4BCD-93E2-E3B085C9AB24}">
+                <p16:designElem xmlns:p16="http://schemas.microsoft.com/office/powerpoint/2015/main" val="1"/>
+              </p:ext>
+            </p:extLst>
+          </p:nvPr>
+        </p:nvSpPr>
+        <p:spPr>
+          <a:xfrm>
+            <a:off x="0" y="0"/>
+            <a:ext cx="3490722" cy="6858000"/>
+          </a:xfrm>
+          <a:prstGeom prst="rect">
+            <a:avLst/>
+          </a:prstGeom>
+          <a:solidFill>
+            <a:schemeClr val="tx1">
+              <a:lumMod val="75000"/>
+              <a:lumOff val="25000"/>
+            </a:schemeClr>
+          </a:solidFill>
+          <a:ln>
+            <a:noFill/>
+          </a:ln>
+        </p:spPr>
+        <p:style>
+          <a:lnRef idx="0">
+            <a:scrgbClr r="0" g="0" b="0"/>
+          </a:lnRef>
+          <a:fillRef idx="0">
+            <a:scrgbClr r="0" g="0" b="0"/>
+          </a:fillRef>
+          <a:effectRef idx="0">
+            <a:scrgbClr r="0" g="0" b="0"/>
+          </a:effectRef>
+          <a:fontRef idx="minor">
+            <a:schemeClr val="lt1"/>
+          </a:fontRef>
+        </p:style>
+        <p:txBody>
+          <a:bodyPr rtlCol="0" anchor="ctr"/>
+          <a:lstStyle/>
+          <a:p>
+            <a:pPr marL="0" marR="0" lvl="0" indent="0" algn="ctr" defTabSz="457200" rtl="0" eaLnBrk="1" fontAlgn="base" latinLnBrk="0" hangingPunct="1">
+              <a:lnSpc>
+                <a:spcPct val="100000"/>
+              </a:lnSpc>
+              <a:spcBef>
+                <a:spcPct val="0"/>
+              </a:spcBef>
+              <a:spcAft>
+                <a:spcPct val="0"/>
+              </a:spcAft>
+              <a:buClrTx/>
+              <a:buSzTx/>
+              <a:buFontTx/>
+              <a:buNone/>
+              <a:tabLst/>
+              <a:defRPr/>
+            </a:pPr>
+            <a:endParaRPr kumimoji="0" lang="en-US" sz="2400" b="0" i="0" u="none" strike="noStrike" kern="1200" cap="none" spc="0" normalizeH="0" baseline="0" noProof="0">
+              <a:ln>
+                <a:noFill/>
+              </a:ln>
+              <a:solidFill>
+                <a:prstClr val="white"/>
+              </a:solidFill>
+              <a:effectLst/>
+              <a:uLnTx/>
+              <a:uFillTx/>
+              <a:latin typeface="Calibri"/>
+              <a:ea typeface="+mn-ea"/>
+              <a:cs typeface="+mn-cs"/>
+            </a:endParaRPr>
+          </a:p>
+        </p:txBody>
+      </p:sp>
+      <p:sp>
+        <p:nvSpPr>
+          <p:cNvPr id="2" name="Title 1"/>
+          <p:cNvSpPr>
+            <a:spLocks noGrp="1"/>
+          </p:cNvSpPr>
+          <p:nvPr>
+            <p:ph type="title"/>
+          </p:nvPr>
+        </p:nvSpPr>
+        <p:spPr>
+          <a:xfrm>
+            <a:off x="482600" y="643467"/>
+            <a:ext cx="2522980" cy="1597315"/>
+          </a:xfrm>
+          <a:noFill/>
+          <a:ln w="19050">
+            <a:solidFill>
+              <a:schemeClr val="bg1"/>
+            </a:solidFill>
+          </a:ln>
+        </p:spPr>
+        <p:txBody>
+          <a:bodyPr vert="horz" wrap="square" lIns="91440" tIns="45720" rIns="91440" bIns="45720" rtlCol="0" anchor="ctr">
+            <a:normAutofit/>
+          </a:bodyPr>
+          <a:lstStyle/>
+          <a:p>
+            <a:pPr defTabSz="914400" eaLnBrk="1" hangingPunct="1">
+              <a:lnSpc>
+                <a:spcPct val="90000"/>
+              </a:lnSpc>
+            </a:pPr>
+            <a:r>
+              <a:rPr lang="en-US" sz="2400" dirty="0">
+                <a:solidFill>
+                  <a:schemeClr val="bg1"/>
+                </a:solidFill>
+                <a:ea typeface="+mj-ea"/>
+                <a:cs typeface="+mj-cs"/>
+              </a:rPr>
+              <a:t>Visualize</a:t>
+            </a:r>
+            <a:br>
+              <a:rPr lang="en-US" sz="2400" dirty="0">
+                <a:solidFill>
+                  <a:schemeClr val="bg1"/>
+                </a:solidFill>
+                <a:ea typeface="+mj-ea"/>
+                <a:cs typeface="+mj-cs"/>
+              </a:rPr>
+            </a:br>
+            <a:r>
+              <a:rPr lang="en-US" sz="2400" dirty="0">
+                <a:solidFill>
+                  <a:schemeClr val="bg1"/>
+                </a:solidFill>
+                <a:ea typeface="+mj-ea"/>
+                <a:cs typeface="+mj-cs"/>
+              </a:rPr>
+              <a:t>Summarize</a:t>
+            </a:r>
+            <a:endParaRPr lang="en-US" sz="2400" kern="1200" dirty="0">
+              <a:solidFill>
+                <a:schemeClr val="bg1"/>
+              </a:solidFill>
+              <a:latin typeface="+mj-lt"/>
+              <a:ea typeface="+mj-ea"/>
+              <a:cs typeface="+mj-cs"/>
+            </a:endParaRPr>
+          </a:p>
+        </p:txBody>
+      </p:sp>
+      <p:pic>
+        <p:nvPicPr>
+          <p:cNvPr id="8" name="Picture 7">
+            <a:extLst>
+              <a:ext uri="{FF2B5EF4-FFF2-40B4-BE49-F238E27FC236}">
+                <a16:creationId xmlns:a16="http://schemas.microsoft.com/office/drawing/2014/main" id="{521D4292-9ECC-4DA5-8CC0-C561A0DA118E}"/>
+              </a:ext>
+            </a:extLst>
+          </p:cNvPr>
+          <p:cNvPicPr>
+            <a:picLocks noChangeAspect="1"/>
+          </p:cNvPicPr>
+          <p:nvPr/>
+        </p:nvPicPr>
+        <p:blipFill rotWithShape="1">
+          <a:blip r:embed="rId4"/>
+          <a:srcRect l="8000" r="9400"/>
+          <a:stretch/>
+        </p:blipFill>
+        <p:spPr>
+          <a:xfrm>
+            <a:off x="660103" y="3048000"/>
+            <a:ext cx="2167974" cy="2624666"/>
+          </a:xfrm>
+          <a:prstGeom prst="rect">
+            <a:avLst/>
+          </a:prstGeom>
+          <a:noFill/>
+        </p:spPr>
+      </p:pic>
+      <p:sp>
+        <p:nvSpPr>
+          <p:cNvPr id="6" name="TextBox 5">
+            <a:extLst>
+              <a:ext uri="{FF2B5EF4-FFF2-40B4-BE49-F238E27FC236}">
+                <a16:creationId xmlns:a16="http://schemas.microsoft.com/office/drawing/2014/main" id="{69E99881-16E9-4B85-86C1-D7DDED41197F}"/>
+              </a:ext>
+            </a:extLst>
+          </p:cNvPr>
+          <p:cNvSpPr txBox="1"/>
+          <p:nvPr/>
+        </p:nvSpPr>
+        <p:spPr>
+          <a:xfrm>
+            <a:off x="3810000" y="643467"/>
+            <a:ext cx="5257800" cy="461665"/>
+          </a:xfrm>
+          <a:prstGeom prst="rect">
+            <a:avLst/>
+          </a:prstGeom>
+          <a:noFill/>
+        </p:spPr>
+        <p:txBody>
+          <a:bodyPr wrap="square" rtlCol="0">
+            <a:spAutoFit/>
+          </a:bodyPr>
+          <a:lstStyle/>
+          <a:p>
+            <a:pPr marL="342900" marR="0" lvl="0" indent="-342900" algn="l" defTabSz="457200" rtl="0" eaLnBrk="1" fontAlgn="base" latinLnBrk="0" hangingPunct="1">
+              <a:lnSpc>
+                <a:spcPct val="100000"/>
+              </a:lnSpc>
+              <a:spcBef>
+                <a:spcPct val="0"/>
+              </a:spcBef>
+              <a:spcAft>
+                <a:spcPct val="0"/>
+              </a:spcAft>
+              <a:buClrTx/>
+              <a:buSzTx/>
+              <a:buFont typeface="Arial" panose="020B0604020202020204" pitchFamily="34" charset="0"/>
+              <a:buChar char="•"/>
+              <a:tabLst/>
+              <a:defRPr/>
+            </a:pPr>
             <a:r>
               <a:rPr lang="en-US" dirty="0">
                 <a:solidFill>
@@ -14866,7 +17041,7 @@
           <p:nvPr/>
         </p:nvPicPr>
         <p:blipFill>
-          <a:blip r:embed="rId4"/>
+          <a:blip r:embed="rId5"/>
           <a:stretch>
             <a:fillRect/>
           </a:stretch>
@@ -14915,7 +17090,7 @@
           <p:nvPr/>
         </p:nvPicPr>
         <p:blipFill>
-          <a:blip r:embed="rId5"/>
+          <a:blip r:embed="rId6"/>
           <a:stretch>
             <a:fillRect/>
           </a:stretch>
@@ -14965,7 +17140,7 @@
 </p:sld>
 </file>
 
-<file path=ppt/slides/slide22.xml><?xml version="1.0" encoding="utf-8"?>
+<file path=ppt/slides/slide21.xml><?xml version="1.0" encoding="utf-8"?>
 <p:sld xmlns:a="http://schemas.openxmlformats.org/drawingml/2006/main" xmlns:r="http://schemas.openxmlformats.org/officeDocument/2006/relationships" xmlns:p="http://schemas.openxmlformats.org/presentationml/2006/main">
   <p:cSld>
     <p:bg>
@@ -15173,7 +17348,7 @@
           <p:nvPr/>
         </p:nvPicPr>
         <p:blipFill rotWithShape="1">
-          <a:blip r:embed="rId3"/>
+          <a:blip r:embed="rId4"/>
           <a:srcRect l="8000" r="9400"/>
           <a:stretch/>
         </p:blipFill>
@@ -15259,7 +17434,7 @@
           <p:nvPr/>
         </p:nvPicPr>
         <p:blipFill>
-          <a:blip r:embed="rId4"/>
+          <a:blip r:embed="rId5"/>
           <a:stretch>
             <a:fillRect/>
           </a:stretch>
@@ -15308,7 +17483,7 @@
           <p:nvPr/>
         </p:nvPicPr>
         <p:blipFill>
-          <a:blip r:embed="rId5"/>
+          <a:blip r:embed="rId6"/>
           <a:stretch>
             <a:fillRect/>
           </a:stretch>
@@ -15358,7 +17533,7 @@
 </p:sld>
 </file>
 
-<file path=ppt/slides/slide23.xml><?xml version="1.0" encoding="utf-8"?>
+<file path=ppt/slides/slide22.xml><?xml version="1.0" encoding="utf-8"?>
 <p:sld xmlns:a="http://schemas.openxmlformats.org/drawingml/2006/main" xmlns:r="http://schemas.openxmlformats.org/officeDocument/2006/relationships" xmlns:p="http://schemas.openxmlformats.org/presentationml/2006/main">
   <p:cSld>
     <p:bg>
@@ -15566,7 +17741,7 @@
           <p:nvPr/>
         </p:nvPicPr>
         <p:blipFill rotWithShape="1">
-          <a:blip r:embed="rId3"/>
+          <a:blip r:embed="rId4"/>
           <a:srcRect l="8000" r="9400"/>
           <a:stretch/>
         </p:blipFill>
@@ -15652,7 +17827,7 @@
           <p:nvPr/>
         </p:nvPicPr>
         <p:blipFill>
-          <a:blip r:embed="rId4"/>
+          <a:blip r:embed="rId5"/>
           <a:stretch>
             <a:fillRect/>
           </a:stretch>
@@ -15701,7 +17876,7 @@
           <p:nvPr/>
         </p:nvPicPr>
         <p:blipFill>
-          <a:blip r:embed="rId5"/>
+          <a:blip r:embed="rId6"/>
           <a:stretch>
             <a:fillRect/>
           </a:stretch>
@@ -15750,7 +17925,7 @@
           <p:nvPr/>
         </p:nvPicPr>
         <p:blipFill>
-          <a:blip r:embed="rId6"/>
+          <a:blip r:embed="rId7"/>
           <a:stretch>
             <a:fillRect/>
           </a:stretch>
@@ -15800,7 +17975,7 @@
 </p:sld>
 </file>
 
-<file path=ppt/slides/slide24.xml><?xml version="1.0" encoding="utf-8"?>
+<file path=ppt/slides/slide23.xml><?xml version="1.0" encoding="utf-8"?>
 <p:sld xmlns:a="http://schemas.openxmlformats.org/drawingml/2006/main" xmlns:r="http://schemas.openxmlformats.org/officeDocument/2006/relationships" xmlns:p="http://schemas.openxmlformats.org/presentationml/2006/main">
   <p:cSld>
     <p:bg>
@@ -16008,7 +18183,7 @@
           <p:nvPr/>
         </p:nvPicPr>
         <p:blipFill rotWithShape="1">
-          <a:blip r:embed="rId3"/>
+          <a:blip r:embed="rId4"/>
           <a:srcRect l="8000" r="9400"/>
           <a:stretch/>
         </p:blipFill>
@@ -16094,7 +18269,7 @@
           <p:nvPr/>
         </p:nvPicPr>
         <p:blipFill>
-          <a:blip r:embed="rId4"/>
+          <a:blip r:embed="rId5"/>
           <a:stretch>
             <a:fillRect/>
           </a:stretch>
@@ -16144,7 +18319,7 @@
 </p:sld>
 </file>
 
-<file path=ppt/slides/slide25.xml><?xml version="1.0" encoding="utf-8"?>
+<file path=ppt/slides/slide24.xml><?xml version="1.0" encoding="utf-8"?>
 <p:sld xmlns:a="http://schemas.openxmlformats.org/drawingml/2006/main" xmlns:r="http://schemas.openxmlformats.org/officeDocument/2006/relationships" xmlns:p="http://schemas.openxmlformats.org/presentationml/2006/main">
   <p:cSld>
     <p:bg>
@@ -16352,7 +18527,7 @@
           <p:nvPr/>
         </p:nvPicPr>
         <p:blipFill rotWithShape="1">
-          <a:blip r:embed="rId3"/>
+          <a:blip r:embed="rId4"/>
           <a:srcRect l="8000" r="9400"/>
           <a:stretch/>
         </p:blipFill>
@@ -16438,7 +18613,7 @@
           <p:nvPr/>
         </p:nvPicPr>
         <p:blipFill>
-          <a:blip r:embed="rId4"/>
+          <a:blip r:embed="rId5"/>
           <a:stretch>
             <a:fillRect/>
           </a:stretch>
@@ -16488,7 +18663,7 @@
 </p:sld>
 </file>
 
-<file path=ppt/slides/slide26.xml><?xml version="1.0" encoding="utf-8"?>
+<file path=ppt/slides/slide25.xml><?xml version="1.0" encoding="utf-8"?>
 <p:sld xmlns:a="http://schemas.openxmlformats.org/drawingml/2006/main" xmlns:r="http://schemas.openxmlformats.org/officeDocument/2006/relationships" xmlns:p="http://schemas.openxmlformats.org/presentationml/2006/main">
   <p:cSld>
     <p:bg>
@@ -16696,7 +18871,7 @@
           <p:nvPr/>
         </p:nvPicPr>
         <p:blipFill rotWithShape="1">
-          <a:blip r:embed="rId3"/>
+          <a:blip r:embed="rId4"/>
           <a:srcRect l="8000" r="9400"/>
           <a:stretch/>
         </p:blipFill>
@@ -16782,7 +18957,7 @@
           <p:nvPr/>
         </p:nvPicPr>
         <p:blipFill>
-          <a:blip r:embed="rId4"/>
+          <a:blip r:embed="rId5"/>
           <a:stretch>
             <a:fillRect/>
           </a:stretch>
@@ -16832,7 +19007,7 @@
 </p:sld>
 </file>
 
-<file path=ppt/slides/slide27.xml><?xml version="1.0" encoding="utf-8"?>
+<file path=ppt/slides/slide26.xml><?xml version="1.0" encoding="utf-8"?>
 <p:sld xmlns:a="http://schemas.openxmlformats.org/drawingml/2006/main" xmlns:r="http://schemas.openxmlformats.org/officeDocument/2006/relationships" xmlns:p="http://schemas.openxmlformats.org/presentationml/2006/main">
   <p:cSld>
     <p:bg>
@@ -17040,7 +19215,7 @@
           <p:nvPr/>
         </p:nvPicPr>
         <p:blipFill rotWithShape="1">
-          <a:blip r:embed="rId3"/>
+          <a:blip r:embed="rId4"/>
           <a:srcRect l="8000" r="9400"/>
           <a:stretch/>
         </p:blipFill>
@@ -17126,7 +19301,7 @@
           <p:nvPr/>
         </p:nvPicPr>
         <p:blipFill>
-          <a:blip r:embed="rId4"/>
+          <a:blip r:embed="rId5"/>
           <a:stretch>
             <a:fillRect/>
           </a:stretch>
@@ -17176,7 +19351,7 @@
 </p:sld>
 </file>
 
-<file path=ppt/slides/slide28.xml><?xml version="1.0" encoding="utf-8"?>
+<file path=ppt/slides/slide27.xml><?xml version="1.0" encoding="utf-8"?>
 <p:sld xmlns:a="http://schemas.openxmlformats.org/drawingml/2006/main" xmlns:r="http://schemas.openxmlformats.org/officeDocument/2006/relationships" xmlns:p="http://schemas.openxmlformats.org/presentationml/2006/main">
   <p:cSld>
     <p:bg>
@@ -17384,7 +19559,7 @@
           <p:nvPr/>
         </p:nvPicPr>
         <p:blipFill rotWithShape="1">
-          <a:blip r:embed="rId3"/>
+          <a:blip r:embed="rId4"/>
           <a:srcRect l="8000" r="9400"/>
           <a:stretch/>
         </p:blipFill>
@@ -17470,7 +19645,7 @@
           <p:nvPr/>
         </p:nvPicPr>
         <p:blipFill>
-          <a:blip r:embed="rId4"/>
+          <a:blip r:embed="rId5"/>
           <a:stretch>
             <a:fillRect/>
           </a:stretch>
@@ -17520,7 +19695,7 @@
 </p:sld>
 </file>
 
-<file path=ppt/slides/slide29.xml><?xml version="1.0" encoding="utf-8"?>
+<file path=ppt/slides/slide28.xml><?xml version="1.0" encoding="utf-8"?>
 <p:sld xmlns:a="http://schemas.openxmlformats.org/drawingml/2006/main" xmlns:r="http://schemas.openxmlformats.org/officeDocument/2006/relationships" xmlns:p="http://schemas.openxmlformats.org/presentationml/2006/main">
   <p:cSld>
     <p:bg>
@@ -17681,7 +19856,7 @@
           <p:nvPr/>
         </p:nvPicPr>
         <p:blipFill rotWithShape="1">
-          <a:blip r:embed="rId3"/>
+          <a:blip r:embed="rId4"/>
           <a:srcRect l="8000" r="9400"/>
           <a:stretch/>
         </p:blipFill>
@@ -18376,7 +20551,7 @@
           <p:nvPr/>
         </p:nvPicPr>
         <p:blipFill rotWithShape="1">
-          <a:blip r:embed="rId3"/>
+          <a:blip r:embed="rId4"/>
           <a:srcRect l="8000" r="9400"/>
           <a:stretch/>
         </p:blipFill>
@@ -19000,7 +21175,7 @@
           <p:nvPr/>
         </p:nvPicPr>
         <p:blipFill rotWithShape="1">
-          <a:blip r:embed="rId3"/>
+          <a:blip r:embed="rId4"/>
           <a:srcRect l="8000" r="9400"/>
           <a:stretch/>
         </p:blipFill>
@@ -19152,7 +21327,7 @@
           <p:nvPr/>
         </p:nvPicPr>
         <p:blipFill>
-          <a:blip r:embed="rId4"/>
+          <a:blip r:embed="rId5"/>
           <a:stretch>
             <a:fillRect/>
           </a:stretch>
@@ -19263,7 +21438,7 @@
           <p:nvPr/>
         </p:nvPicPr>
         <p:blipFill>
-          <a:blip r:embed="rId5"/>
+          <a:blip r:embed="rId6"/>
           <a:stretch>
             <a:fillRect/>
           </a:stretch>
@@ -19502,7 +21677,7 @@
           <p:nvPr/>
         </p:nvPicPr>
         <p:blipFill rotWithShape="1">
-          <a:blip r:embed="rId3"/>
+          <a:blip r:embed="rId4"/>
           <a:srcRect l="8000" r="9400"/>
           <a:stretch/>
         </p:blipFill>
@@ -19990,7 +22165,7 @@
           <p:nvPr/>
         </p:nvPicPr>
         <p:blipFill rotWithShape="1">
-          <a:blip r:embed="rId3"/>
+          <a:blip r:embed="rId4"/>
           <a:srcRect l="8000" r="9400"/>
           <a:stretch/>
         </p:blipFill>
@@ -20480,7 +22655,7 @@
           <p:nvPr/>
         </p:nvPicPr>
         <p:blipFill rotWithShape="1">
-          <a:blip r:embed="rId3"/>
+          <a:blip r:embed="rId4"/>
           <a:srcRect l="8000" r="9400"/>
           <a:stretch/>
         </p:blipFill>
@@ -20915,7 +23090,7 @@
           <p:nvPr/>
         </p:nvPicPr>
         <p:blipFill rotWithShape="1">
-          <a:blip r:embed="rId3"/>
+          <a:blip r:embed="rId4"/>
           <a:srcRect l="8000" r="9400"/>
           <a:stretch/>
         </p:blipFill>
@@ -21067,7 +23242,7 @@
           <p:nvPr/>
         </p:nvPicPr>
         <p:blipFill>
-          <a:blip r:embed="rId4"/>
+          <a:blip r:embed="rId5"/>
           <a:stretch>
             <a:fillRect/>
           </a:stretch>
@@ -21116,7 +23291,7 @@
           <p:nvPr/>
         </p:nvPicPr>
         <p:blipFill>
-          <a:blip r:embed="rId5"/>
+          <a:blip r:embed="rId6"/>
           <a:stretch>
             <a:fillRect/>
           </a:stretch>
@@ -21355,7 +23530,7 @@
           <p:nvPr/>
         </p:nvPicPr>
         <p:blipFill rotWithShape="1">
-          <a:blip r:embed="rId3"/>
+          <a:blip r:embed="rId4"/>
           <a:srcRect l="8000" r="9400"/>
           <a:stretch/>
         </p:blipFill>
@@ -21512,7 +23687,7 @@
           <p:nvPr/>
         </p:nvPicPr>
         <p:blipFill>
-          <a:blip r:embed="rId4"/>
+          <a:blip r:embed="rId5"/>
           <a:stretch>
             <a:fillRect/>
           </a:stretch>
@@ -21561,7 +23736,7 @@
           <p:nvPr/>
         </p:nvPicPr>
         <p:blipFill>
-          <a:blip r:embed="rId5"/>
+          <a:blip r:embed="rId6"/>
           <a:stretch>
             <a:fillRect/>
           </a:stretch>
@@ -21830,12 +24005,6 @@
 </file>
 
 <file path=ppt/tags/tag3.xml><?xml version="1.0" encoding="utf-8"?>
-<p:tagLst xmlns:a="http://schemas.openxmlformats.org/drawingml/2006/main" xmlns:r="http://schemas.openxmlformats.org/officeDocument/2006/relationships" xmlns:p="http://schemas.openxmlformats.org/presentationml/2006/main">
-  <p:tag name="DELIMITERS" val="3.1"/>
-</p:tagLst>
-</file>
-
-<file path=ppt/tags/tag30.xml><?xml version="1.0" encoding="utf-8"?>
 <p:tagLst xmlns:a="http://schemas.openxmlformats.org/drawingml/2006/main" xmlns:r="http://schemas.openxmlformats.org/officeDocument/2006/relationships" xmlns:p="http://schemas.openxmlformats.org/presentationml/2006/main">
   <p:tag name="DELIMITERS" val="3.1"/>
 </p:tagLst>

--- a/Lecture/Lecture 8/Lecture 8.pptx
+++ b/Lecture/Lecture 8/Lecture 8.pptx
@@ -329,7 +329,7 @@
               <a:pPr>
                 <a:defRPr/>
               </a:pPr>
-              <a:t>9/10/2018</a:t>
+              <a:t>1/27/2019</a:t>
             </a:fld>
             <a:endParaRPr lang="en-US" dirty="0"/>
           </a:p>
@@ -541,7 +541,7 @@
               <a:pPr>
                 <a:defRPr/>
               </a:pPr>
-              <a:t>9/10/2018</a:t>
+              <a:t>1/27/2019</a:t>
             </a:fld>
             <a:endParaRPr lang="en-US" dirty="0"/>
           </a:p>
@@ -3580,7 +3580,7 @@
               <a:pPr>
                 <a:defRPr/>
               </a:pPr>
-              <a:t>9/10/2018</a:t>
+              <a:t>1/27/2019</a:t>
             </a:fld>
             <a:endParaRPr lang="en-US" dirty="0"/>
           </a:p>
@@ -3770,7 +3770,7 @@
               <a:pPr>
                 <a:defRPr/>
               </a:pPr>
-              <a:t>9/10/2018</a:t>
+              <a:t>1/27/2019</a:t>
             </a:fld>
             <a:endParaRPr lang="en-US" dirty="0"/>
           </a:p>
@@ -3970,7 +3970,7 @@
               <a:pPr>
                 <a:defRPr/>
               </a:pPr>
-              <a:t>9/10/2018</a:t>
+              <a:t>1/27/2019</a:t>
             </a:fld>
             <a:endParaRPr lang="en-US" dirty="0"/>
           </a:p>
@@ -4238,7 +4238,7 @@
               <a:pPr>
                 <a:defRPr/>
               </a:pPr>
-              <a:t>9/10/2018</a:t>
+              <a:t>1/27/2019</a:t>
             </a:fld>
             <a:endParaRPr lang="en-US" dirty="0">
               <a:solidFill>
@@ -4452,7 +4452,7 @@
               <a:pPr>
                 <a:defRPr/>
               </a:pPr>
-              <a:t>9/10/2018</a:t>
+              <a:t>1/27/2019</a:t>
             </a:fld>
             <a:endParaRPr lang="en-US" dirty="0">
               <a:solidFill>
@@ -4743,7 +4743,7 @@
               <a:pPr>
                 <a:defRPr/>
               </a:pPr>
-              <a:t>9/10/2018</a:t>
+              <a:t>1/27/2019</a:t>
             </a:fld>
             <a:endParaRPr lang="en-US" dirty="0">
               <a:solidFill>
@@ -5074,7 +5074,7 @@
               <a:pPr>
                 <a:defRPr/>
               </a:pPr>
-              <a:t>9/10/2018</a:t>
+              <a:t>1/27/2019</a:t>
             </a:fld>
             <a:endParaRPr lang="en-US" dirty="0">
               <a:solidFill>
@@ -5539,7 +5539,7 @@
               <a:pPr>
                 <a:defRPr/>
               </a:pPr>
-              <a:t>9/10/2018</a:t>
+              <a:t>1/27/2019</a:t>
             </a:fld>
             <a:endParaRPr lang="en-US" dirty="0">
               <a:solidFill>
@@ -5702,7 +5702,7 @@
               <a:pPr>
                 <a:defRPr/>
               </a:pPr>
-              <a:t>9/10/2018</a:t>
+              <a:t>1/27/2019</a:t>
             </a:fld>
             <a:endParaRPr lang="en-US" dirty="0">
               <a:solidFill>
@@ -5843,7 +5843,7 @@
               <a:pPr>
                 <a:defRPr/>
               </a:pPr>
-              <a:t>9/10/2018</a:t>
+              <a:t>1/27/2019</a:t>
             </a:fld>
             <a:endParaRPr lang="en-US" dirty="0">
               <a:solidFill>
@@ -6164,7 +6164,7 @@
               <a:pPr>
                 <a:defRPr/>
               </a:pPr>
-              <a:t>9/10/2018</a:t>
+              <a:t>1/27/2019</a:t>
             </a:fld>
             <a:endParaRPr lang="en-US" dirty="0">
               <a:solidFill>
@@ -6372,7 +6372,7 @@
               <a:pPr>
                 <a:defRPr/>
               </a:pPr>
-              <a:t>9/10/2018</a:t>
+              <a:t>1/27/2019</a:t>
             </a:fld>
             <a:endParaRPr lang="en-US" dirty="0"/>
           </a:p>
@@ -6655,7 +6655,7 @@
               <a:pPr>
                 <a:defRPr/>
               </a:pPr>
-              <a:t>9/10/2018</a:t>
+              <a:t>1/27/2019</a:t>
             </a:fld>
             <a:endParaRPr lang="en-US" dirty="0">
               <a:solidFill>
@@ -6869,7 +6869,7 @@
               <a:pPr>
                 <a:defRPr/>
               </a:pPr>
-              <a:t>9/10/2018</a:t>
+              <a:t>1/27/2019</a:t>
             </a:fld>
             <a:endParaRPr lang="en-US" dirty="0">
               <a:solidFill>
@@ -7093,7 +7093,7 @@
               <a:pPr>
                 <a:defRPr/>
               </a:pPr>
-              <a:t>9/10/2018</a:t>
+              <a:t>1/27/2019</a:t>
             </a:fld>
             <a:endParaRPr lang="en-US" dirty="0">
               <a:solidFill>
@@ -7303,7 +7303,7 @@
               <a:pPr>
                 <a:defRPr/>
               </a:pPr>
-              <a:t>9/10/2018</a:t>
+              <a:t>1/27/2019</a:t>
             </a:fld>
             <a:endParaRPr lang="en-US" dirty="0">
               <a:solidFill>
@@ -7580,7 +7580,7 @@
               <a:pPr>
                 <a:defRPr/>
               </a:pPr>
-              <a:t>9/10/2018</a:t>
+              <a:t>1/27/2019</a:t>
             </a:fld>
             <a:endParaRPr lang="en-US" dirty="0"/>
           </a:p>
@@ -7887,7 +7887,7 @@
               <a:pPr>
                 <a:defRPr/>
               </a:pPr>
-              <a:t>9/10/2018</a:t>
+              <a:t>1/27/2019</a:t>
             </a:fld>
             <a:endParaRPr lang="en-US" dirty="0"/>
           </a:p>
@@ -8328,7 +8328,7 @@
               <a:pPr>
                 <a:defRPr/>
               </a:pPr>
-              <a:t>9/10/2018</a:t>
+              <a:t>1/27/2019</a:t>
             </a:fld>
             <a:endParaRPr lang="en-US" dirty="0"/>
           </a:p>
@@ -8467,7 +8467,7 @@
               <a:pPr>
                 <a:defRPr/>
               </a:pPr>
-              <a:t>9/10/2018</a:t>
+              <a:t>1/27/2019</a:t>
             </a:fld>
             <a:endParaRPr lang="en-US" dirty="0"/>
           </a:p>
@@ -8584,7 +8584,7 @@
               <a:pPr>
                 <a:defRPr/>
               </a:pPr>
-              <a:t>9/10/2018</a:t>
+              <a:t>1/27/2019</a:t>
             </a:fld>
             <a:endParaRPr lang="en-US" dirty="0"/>
           </a:p>
@@ -8881,7 +8881,7 @@
               <a:pPr>
                 <a:defRPr/>
               </a:pPr>
-              <a:t>9/10/2018</a:t>
+              <a:t>1/27/2019</a:t>
             </a:fld>
             <a:endParaRPr lang="en-US" dirty="0"/>
           </a:p>
@@ -9158,7 +9158,7 @@
               <a:pPr>
                 <a:defRPr/>
               </a:pPr>
-              <a:t>9/10/2018</a:t>
+              <a:t>1/27/2019</a:t>
             </a:fld>
             <a:endParaRPr lang="en-US" dirty="0"/>
           </a:p>
@@ -9415,7 +9415,7 @@
               <a:pPr>
                 <a:defRPr/>
               </a:pPr>
-              <a:t>9/10/2018</a:t>
+              <a:t>1/27/2019</a:t>
             </a:fld>
             <a:endParaRPr lang="en-US" dirty="0"/>
           </a:p>
@@ -10125,7 +10125,7 @@
               <a:pPr>
                 <a:defRPr/>
               </a:pPr>
-              <a:t>9/10/2018</a:t>
+              <a:t>1/27/2019</a:t>
             </a:fld>
             <a:endParaRPr lang="en-US" dirty="0">
               <a:solidFill>
